--- a/docs/presentation.pptx
+++ b/docs/presentation.pptx
@@ -13,6 +13,7 @@
     <p:sldId id="260" r:id="rId8"/>
     <p:sldId id="261" r:id="rId9"/>
     <p:sldId id="262" r:id="rId10"/>
+    <p:sldId id="263" r:id="rId11"/>
   </p:sldIdLst>
   <p:sldSz cx="12192000" cy="6858000"/>
   <p:notesSz cx="7772400" cy="10058400"/>
@@ -60,7 +61,7 @@
       </p:grpSpPr>
       <p:sp>
         <p:nvSpPr>
-          <p:cNvPr id="46" name="PlaceHolder 1"/>
+          <p:cNvPr id="43" name="PlaceHolder 1"/>
           <p:cNvSpPr>
             <a:spLocks noGrp="1"/>
           </p:cNvSpPr>
@@ -70,8 +71,8 @@
         </p:nvSpPr>
         <p:spPr>
           <a:xfrm>
-            <a:off x="677160" y="609480"/>
-            <a:ext cx="8596440" cy="1320480"/>
+            <a:off x="609480" y="273600"/>
+            <a:ext cx="10972440" cy="1144800"/>
           </a:xfrm>
           <a:prstGeom prst="rect">
             <a:avLst/>
@@ -80,23 +81,24 @@
         <p:txBody>
           <a:bodyPr lIns="0" rIns="0" tIns="0" bIns="0" anchor="ctr"/>
           <a:p>
-            <a:endParaRPr b="0" lang="en-US" sz="1800" spc="-1" strike="noStrike">
-              <a:solidFill>
-                <a:srgbClr val="000000"/>
-              </a:solidFill>
-              <a:uFill>
-                <a:solidFill>
-                  <a:srgbClr val="ffffff"/>
-                </a:solidFill>
-              </a:uFill>
-              <a:latin typeface="Trebuchet MS"/>
+            <a:pPr algn="ctr"/>
+            <a:endParaRPr b="0" lang="en-US" sz="4400" spc="-1" strike="noStrike">
+              <a:solidFill>
+                <a:srgbClr val="000000"/>
+              </a:solidFill>
+              <a:uFill>
+                <a:solidFill>
+                  <a:srgbClr val="ffffff"/>
+                </a:solidFill>
+              </a:uFill>
+              <a:latin typeface="Arial"/>
             </a:endParaRPr>
           </a:p>
         </p:txBody>
       </p:sp>
       <p:sp>
         <p:nvSpPr>
-          <p:cNvPr id="47" name="PlaceHolder 2"/>
+          <p:cNvPr id="44" name="PlaceHolder 2"/>
           <p:cNvSpPr>
             <a:spLocks noGrp="1"/>
           </p:cNvSpPr>
@@ -106,8 +108,8 @@
         </p:nvSpPr>
         <p:spPr>
           <a:xfrm>
-            <a:off x="677160" y="2160720"/>
-            <a:ext cx="8596440" cy="1850760"/>
+            <a:off x="609480" y="1604520"/>
+            <a:ext cx="10972440" cy="1896840"/>
           </a:xfrm>
           <a:prstGeom prst="rect">
             <a:avLst/>
@@ -116,23 +118,23 @@
         <p:txBody>
           <a:bodyPr lIns="0" rIns="0" tIns="0" bIns="0"/>
           <a:p>
-            <a:endParaRPr b="0" lang="en-US" sz="1800" spc="-1" strike="noStrike">
-              <a:solidFill>
-                <a:srgbClr val="404040"/>
-              </a:solidFill>
-              <a:uFill>
-                <a:solidFill>
-                  <a:srgbClr val="ffffff"/>
-                </a:solidFill>
-              </a:uFill>
-              <a:latin typeface="Trebuchet MS"/>
+            <a:endParaRPr b="0" lang="en-US" sz="3200" spc="-1" strike="noStrike">
+              <a:solidFill>
+                <a:srgbClr val="000000"/>
+              </a:solidFill>
+              <a:uFill>
+                <a:solidFill>
+                  <a:srgbClr val="ffffff"/>
+                </a:solidFill>
+              </a:uFill>
+              <a:latin typeface="Arial"/>
             </a:endParaRPr>
           </a:p>
         </p:txBody>
       </p:sp>
       <p:sp>
         <p:nvSpPr>
-          <p:cNvPr id="48" name="PlaceHolder 3"/>
+          <p:cNvPr id="45" name="PlaceHolder 3"/>
           <p:cNvSpPr>
             <a:spLocks noGrp="1"/>
           </p:cNvSpPr>
@@ -142,8 +144,8 @@
         </p:nvSpPr>
         <p:spPr>
           <a:xfrm>
-            <a:off x="677160" y="4187520"/>
-            <a:ext cx="8596440" cy="1850760"/>
+            <a:off x="609480" y="3682080"/>
+            <a:ext cx="10972440" cy="1896840"/>
           </a:xfrm>
           <a:prstGeom prst="rect">
             <a:avLst/>
@@ -152,16 +154,16 @@
         <p:txBody>
           <a:bodyPr lIns="0" rIns="0" tIns="0" bIns="0"/>
           <a:p>
-            <a:endParaRPr b="0" lang="en-US" sz="1800" spc="-1" strike="noStrike">
-              <a:solidFill>
-                <a:srgbClr val="404040"/>
-              </a:solidFill>
-              <a:uFill>
-                <a:solidFill>
-                  <a:srgbClr val="ffffff"/>
-                </a:solidFill>
-              </a:uFill>
-              <a:latin typeface="Trebuchet MS"/>
+            <a:endParaRPr b="0" lang="en-US" sz="3200" spc="-1" strike="noStrike">
+              <a:solidFill>
+                <a:srgbClr val="000000"/>
+              </a:solidFill>
+              <a:uFill>
+                <a:solidFill>
+                  <a:srgbClr val="ffffff"/>
+                </a:solidFill>
+              </a:uFill>
+              <a:latin typeface="Arial"/>
             </a:endParaRPr>
           </a:p>
         </p:txBody>
@@ -190,7 +192,7 @@
       </p:grpSpPr>
       <p:sp>
         <p:nvSpPr>
-          <p:cNvPr id="49" name="PlaceHolder 1"/>
+          <p:cNvPr id="46" name="PlaceHolder 1"/>
           <p:cNvSpPr>
             <a:spLocks noGrp="1"/>
           </p:cNvSpPr>
@@ -200,8 +202,8 @@
         </p:nvSpPr>
         <p:spPr>
           <a:xfrm>
-            <a:off x="677160" y="609480"/>
-            <a:ext cx="8596440" cy="1320480"/>
+            <a:off x="609480" y="273600"/>
+            <a:ext cx="10972440" cy="1144800"/>
           </a:xfrm>
           <a:prstGeom prst="rect">
             <a:avLst/>
@@ -210,23 +212,24 @@
         <p:txBody>
           <a:bodyPr lIns="0" rIns="0" tIns="0" bIns="0" anchor="ctr"/>
           <a:p>
-            <a:endParaRPr b="0" lang="en-US" sz="1800" spc="-1" strike="noStrike">
-              <a:solidFill>
-                <a:srgbClr val="000000"/>
-              </a:solidFill>
-              <a:uFill>
-                <a:solidFill>
-                  <a:srgbClr val="ffffff"/>
-                </a:solidFill>
-              </a:uFill>
-              <a:latin typeface="Trebuchet MS"/>
+            <a:pPr algn="ctr"/>
+            <a:endParaRPr b="0" lang="en-US" sz="4400" spc="-1" strike="noStrike">
+              <a:solidFill>
+                <a:srgbClr val="000000"/>
+              </a:solidFill>
+              <a:uFill>
+                <a:solidFill>
+                  <a:srgbClr val="ffffff"/>
+                </a:solidFill>
+              </a:uFill>
+              <a:latin typeface="Arial"/>
             </a:endParaRPr>
           </a:p>
         </p:txBody>
       </p:sp>
       <p:sp>
         <p:nvSpPr>
-          <p:cNvPr id="50" name="PlaceHolder 2"/>
+          <p:cNvPr id="47" name="PlaceHolder 2"/>
           <p:cNvSpPr>
             <a:spLocks noGrp="1"/>
           </p:cNvSpPr>
@@ -236,8 +239,8 @@
         </p:nvSpPr>
         <p:spPr>
           <a:xfrm>
-            <a:off x="677160" y="2160720"/>
-            <a:ext cx="4194720" cy="1850760"/>
+            <a:off x="609480" y="1604520"/>
+            <a:ext cx="5354280" cy="1896840"/>
           </a:xfrm>
           <a:prstGeom prst="rect">
             <a:avLst/>
@@ -246,23 +249,23 @@
         <p:txBody>
           <a:bodyPr lIns="0" rIns="0" tIns="0" bIns="0"/>
           <a:p>
-            <a:endParaRPr b="0" lang="en-US" sz="1800" spc="-1" strike="noStrike">
-              <a:solidFill>
-                <a:srgbClr val="404040"/>
-              </a:solidFill>
-              <a:uFill>
-                <a:solidFill>
-                  <a:srgbClr val="ffffff"/>
-                </a:solidFill>
-              </a:uFill>
-              <a:latin typeface="Trebuchet MS"/>
+            <a:endParaRPr b="0" lang="en-US" sz="3200" spc="-1" strike="noStrike">
+              <a:solidFill>
+                <a:srgbClr val="000000"/>
+              </a:solidFill>
+              <a:uFill>
+                <a:solidFill>
+                  <a:srgbClr val="ffffff"/>
+                </a:solidFill>
+              </a:uFill>
+              <a:latin typeface="Arial"/>
             </a:endParaRPr>
           </a:p>
         </p:txBody>
       </p:sp>
       <p:sp>
         <p:nvSpPr>
-          <p:cNvPr id="51" name="PlaceHolder 3"/>
+          <p:cNvPr id="48" name="PlaceHolder 3"/>
           <p:cNvSpPr>
             <a:spLocks noGrp="1"/>
           </p:cNvSpPr>
@@ -272,8 +275,8 @@
         </p:nvSpPr>
         <p:spPr>
           <a:xfrm>
-            <a:off x="5082120" y="2160720"/>
-            <a:ext cx="4194720" cy="1850760"/>
+            <a:off x="6231960" y="1604520"/>
+            <a:ext cx="5354280" cy="1896840"/>
           </a:xfrm>
           <a:prstGeom prst="rect">
             <a:avLst/>
@@ -282,23 +285,23 @@
         <p:txBody>
           <a:bodyPr lIns="0" rIns="0" tIns="0" bIns="0"/>
           <a:p>
-            <a:endParaRPr b="0" lang="en-US" sz="1800" spc="-1" strike="noStrike">
-              <a:solidFill>
-                <a:srgbClr val="404040"/>
-              </a:solidFill>
-              <a:uFill>
-                <a:solidFill>
-                  <a:srgbClr val="ffffff"/>
-                </a:solidFill>
-              </a:uFill>
-              <a:latin typeface="Trebuchet MS"/>
+            <a:endParaRPr b="0" lang="en-US" sz="3200" spc="-1" strike="noStrike">
+              <a:solidFill>
+                <a:srgbClr val="000000"/>
+              </a:solidFill>
+              <a:uFill>
+                <a:solidFill>
+                  <a:srgbClr val="ffffff"/>
+                </a:solidFill>
+              </a:uFill>
+              <a:latin typeface="Arial"/>
             </a:endParaRPr>
           </a:p>
         </p:txBody>
       </p:sp>
       <p:sp>
         <p:nvSpPr>
-          <p:cNvPr id="52" name="PlaceHolder 4"/>
+          <p:cNvPr id="49" name="PlaceHolder 4"/>
           <p:cNvSpPr>
             <a:spLocks noGrp="1"/>
           </p:cNvSpPr>
@@ -308,8 +311,8 @@
         </p:nvSpPr>
         <p:spPr>
           <a:xfrm>
-            <a:off x="5082120" y="4187520"/>
-            <a:ext cx="4194720" cy="1850760"/>
+            <a:off x="6231960" y="3682080"/>
+            <a:ext cx="5354280" cy="1896840"/>
           </a:xfrm>
           <a:prstGeom prst="rect">
             <a:avLst/>
@@ -318,23 +321,23 @@
         <p:txBody>
           <a:bodyPr lIns="0" rIns="0" tIns="0" bIns="0"/>
           <a:p>
-            <a:endParaRPr b="0" lang="en-US" sz="1800" spc="-1" strike="noStrike">
-              <a:solidFill>
-                <a:srgbClr val="404040"/>
-              </a:solidFill>
-              <a:uFill>
-                <a:solidFill>
-                  <a:srgbClr val="ffffff"/>
-                </a:solidFill>
-              </a:uFill>
-              <a:latin typeface="Trebuchet MS"/>
+            <a:endParaRPr b="0" lang="en-US" sz="3200" spc="-1" strike="noStrike">
+              <a:solidFill>
+                <a:srgbClr val="000000"/>
+              </a:solidFill>
+              <a:uFill>
+                <a:solidFill>
+                  <a:srgbClr val="ffffff"/>
+                </a:solidFill>
+              </a:uFill>
+              <a:latin typeface="Arial"/>
             </a:endParaRPr>
           </a:p>
         </p:txBody>
       </p:sp>
       <p:sp>
         <p:nvSpPr>
-          <p:cNvPr id="53" name="PlaceHolder 5"/>
+          <p:cNvPr id="50" name="PlaceHolder 5"/>
           <p:cNvSpPr>
             <a:spLocks noGrp="1"/>
           </p:cNvSpPr>
@@ -344,8 +347,8 @@
         </p:nvSpPr>
         <p:spPr>
           <a:xfrm>
-            <a:off x="677160" y="4187520"/>
-            <a:ext cx="4194720" cy="1850760"/>
+            <a:off x="609480" y="3682080"/>
+            <a:ext cx="5354280" cy="1896840"/>
           </a:xfrm>
           <a:prstGeom prst="rect">
             <a:avLst/>
@@ -354,16 +357,16 @@
         <p:txBody>
           <a:bodyPr lIns="0" rIns="0" tIns="0" bIns="0"/>
           <a:p>
-            <a:endParaRPr b="0" lang="en-US" sz="1800" spc="-1" strike="noStrike">
-              <a:solidFill>
-                <a:srgbClr val="404040"/>
-              </a:solidFill>
-              <a:uFill>
-                <a:solidFill>
-                  <a:srgbClr val="ffffff"/>
-                </a:solidFill>
-              </a:uFill>
-              <a:latin typeface="Trebuchet MS"/>
+            <a:endParaRPr b="0" lang="en-US" sz="3200" spc="-1" strike="noStrike">
+              <a:solidFill>
+                <a:srgbClr val="000000"/>
+              </a:solidFill>
+              <a:uFill>
+                <a:solidFill>
+                  <a:srgbClr val="ffffff"/>
+                </a:solidFill>
+              </a:uFill>
+              <a:latin typeface="Arial"/>
             </a:endParaRPr>
           </a:p>
         </p:txBody>
@@ -392,7 +395,7 @@
       </p:grpSpPr>
       <p:sp>
         <p:nvSpPr>
-          <p:cNvPr id="54" name="PlaceHolder 1"/>
+          <p:cNvPr id="51" name="PlaceHolder 1"/>
           <p:cNvSpPr>
             <a:spLocks noGrp="1"/>
           </p:cNvSpPr>
@@ -402,8 +405,8 @@
         </p:nvSpPr>
         <p:spPr>
           <a:xfrm>
-            <a:off x="677160" y="609480"/>
-            <a:ext cx="8596440" cy="1320480"/>
+            <a:off x="609480" y="273600"/>
+            <a:ext cx="10972440" cy="1144800"/>
           </a:xfrm>
           <a:prstGeom prst="rect">
             <a:avLst/>
@@ -412,23 +415,24 @@
         <p:txBody>
           <a:bodyPr lIns="0" rIns="0" tIns="0" bIns="0" anchor="ctr"/>
           <a:p>
-            <a:endParaRPr b="0" lang="en-US" sz="1800" spc="-1" strike="noStrike">
-              <a:solidFill>
-                <a:srgbClr val="000000"/>
-              </a:solidFill>
-              <a:uFill>
-                <a:solidFill>
-                  <a:srgbClr val="ffffff"/>
-                </a:solidFill>
-              </a:uFill>
-              <a:latin typeface="Trebuchet MS"/>
+            <a:pPr algn="ctr"/>
+            <a:endParaRPr b="0" lang="en-US" sz="4400" spc="-1" strike="noStrike">
+              <a:solidFill>
+                <a:srgbClr val="000000"/>
+              </a:solidFill>
+              <a:uFill>
+                <a:solidFill>
+                  <a:srgbClr val="ffffff"/>
+                </a:solidFill>
+              </a:uFill>
+              <a:latin typeface="Arial"/>
             </a:endParaRPr>
           </a:p>
         </p:txBody>
       </p:sp>
       <p:sp>
         <p:nvSpPr>
-          <p:cNvPr id="55" name="PlaceHolder 2"/>
+          <p:cNvPr id="52" name="PlaceHolder 2"/>
           <p:cNvSpPr>
             <a:spLocks noGrp="1"/>
           </p:cNvSpPr>
@@ -438,8 +442,8 @@
         </p:nvSpPr>
         <p:spPr>
           <a:xfrm>
-            <a:off x="677160" y="2160720"/>
-            <a:ext cx="8596440" cy="3880440"/>
+            <a:off x="609480" y="1604520"/>
+            <a:ext cx="10972440" cy="3977280"/>
           </a:xfrm>
           <a:prstGeom prst="rect">
             <a:avLst/>
@@ -448,23 +452,23 @@
         <p:txBody>
           <a:bodyPr lIns="0" rIns="0" tIns="0" bIns="0"/>
           <a:p>
-            <a:endParaRPr b="0" lang="en-US" sz="1800" spc="-1" strike="noStrike">
-              <a:solidFill>
-                <a:srgbClr val="404040"/>
-              </a:solidFill>
-              <a:uFill>
-                <a:solidFill>
-                  <a:srgbClr val="ffffff"/>
-                </a:solidFill>
-              </a:uFill>
-              <a:latin typeface="Trebuchet MS"/>
+            <a:endParaRPr b="0" lang="en-US" sz="3200" spc="-1" strike="noStrike">
+              <a:solidFill>
+                <a:srgbClr val="000000"/>
+              </a:solidFill>
+              <a:uFill>
+                <a:solidFill>
+                  <a:srgbClr val="ffffff"/>
+                </a:solidFill>
+              </a:uFill>
+              <a:latin typeface="Arial"/>
             </a:endParaRPr>
           </a:p>
         </p:txBody>
       </p:sp>
       <p:sp>
         <p:nvSpPr>
-          <p:cNvPr id="56" name="PlaceHolder 3"/>
+          <p:cNvPr id="53" name="PlaceHolder 3"/>
           <p:cNvSpPr>
             <a:spLocks noGrp="1"/>
           </p:cNvSpPr>
@@ -474,8 +478,8 @@
         </p:nvSpPr>
         <p:spPr>
           <a:xfrm>
-            <a:off x="677160" y="2160720"/>
-            <a:ext cx="8596440" cy="3880440"/>
+            <a:off x="609480" y="1604520"/>
+            <a:ext cx="10972440" cy="3977280"/>
           </a:xfrm>
           <a:prstGeom prst="rect">
             <a:avLst/>
@@ -484,23 +488,23 @@
         <p:txBody>
           <a:bodyPr lIns="0" rIns="0" tIns="0" bIns="0"/>
           <a:p>
-            <a:endParaRPr b="0" lang="en-US" sz="1800" spc="-1" strike="noStrike">
-              <a:solidFill>
-                <a:srgbClr val="404040"/>
-              </a:solidFill>
-              <a:uFill>
-                <a:solidFill>
-                  <a:srgbClr val="ffffff"/>
-                </a:solidFill>
-              </a:uFill>
-              <a:latin typeface="Trebuchet MS"/>
+            <a:endParaRPr b="0" lang="en-US" sz="3200" spc="-1" strike="noStrike">
+              <a:solidFill>
+                <a:srgbClr val="000000"/>
+              </a:solidFill>
+              <a:uFill>
+                <a:solidFill>
+                  <a:srgbClr val="ffffff"/>
+                </a:solidFill>
+              </a:uFill>
+              <a:latin typeface="Arial"/>
             </a:endParaRPr>
           </a:p>
         </p:txBody>
       </p:sp>
       <p:pic>
         <p:nvPicPr>
-          <p:cNvPr id="57" name="" descr=""/>
+          <p:cNvPr id="54" name="" descr=""/>
           <p:cNvPicPr/>
           <p:nvPr/>
         </p:nvPicPr>
@@ -510,8 +514,8 @@
         </p:blipFill>
         <p:spPr>
           <a:xfrm>
-            <a:off x="2543400" y="2160360"/>
-            <a:ext cx="4863240" cy="3880440"/>
+            <a:off x="3602880" y="1604520"/>
+            <a:ext cx="4984920" cy="3977280"/>
           </a:xfrm>
           <a:prstGeom prst="rect">
             <a:avLst/>
@@ -523,7 +527,7 @@
       </p:pic>
       <p:pic>
         <p:nvPicPr>
-          <p:cNvPr id="58" name="" descr=""/>
+          <p:cNvPr id="55" name="" descr=""/>
           <p:cNvPicPr/>
           <p:nvPr/>
         </p:nvPicPr>
@@ -533,8 +537,8 @@
         </p:blipFill>
         <p:spPr>
           <a:xfrm>
-            <a:off x="2543400" y="2160360"/>
-            <a:ext cx="4863240" cy="3880440"/>
+            <a:off x="3602880" y="1604520"/>
+            <a:ext cx="4984920" cy="3977280"/>
           </a:xfrm>
           <a:prstGeom prst="rect">
             <a:avLst/>
@@ -590,7 +594,7 @@
       </p:grpSpPr>
       <p:sp>
         <p:nvSpPr>
-          <p:cNvPr id="74" name="PlaceHolder 1"/>
+          <p:cNvPr id="68" name="PlaceHolder 1"/>
           <p:cNvSpPr>
             <a:spLocks noGrp="1"/>
           </p:cNvSpPr>
@@ -600,8 +604,8 @@
         </p:nvSpPr>
         <p:spPr>
           <a:xfrm>
-            <a:off x="677160" y="609480"/>
-            <a:ext cx="8596440" cy="1320480"/>
+            <a:off x="609480" y="273600"/>
+            <a:ext cx="10972440" cy="1144800"/>
           </a:xfrm>
           <a:prstGeom prst="rect">
             <a:avLst/>
@@ -610,23 +614,24 @@
         <p:txBody>
           <a:bodyPr lIns="0" rIns="0" tIns="0" bIns="0" anchor="ctr"/>
           <a:p>
-            <a:endParaRPr b="0" lang="en-US" sz="1800" spc="-1" strike="noStrike">
-              <a:solidFill>
-                <a:srgbClr val="000000"/>
-              </a:solidFill>
-              <a:uFill>
-                <a:solidFill>
-                  <a:srgbClr val="ffffff"/>
-                </a:solidFill>
-              </a:uFill>
-              <a:latin typeface="Trebuchet MS"/>
+            <a:pPr algn="ctr"/>
+            <a:endParaRPr b="0" lang="en-US" sz="4400" spc="-1" strike="noStrike">
+              <a:solidFill>
+                <a:srgbClr val="000000"/>
+              </a:solidFill>
+              <a:uFill>
+                <a:solidFill>
+                  <a:srgbClr val="ffffff"/>
+                </a:solidFill>
+              </a:uFill>
+              <a:latin typeface="Arial"/>
             </a:endParaRPr>
           </a:p>
         </p:txBody>
       </p:sp>
       <p:sp>
         <p:nvSpPr>
-          <p:cNvPr id="75" name="PlaceHolder 2"/>
+          <p:cNvPr id="69" name="PlaceHolder 2"/>
           <p:cNvSpPr>
             <a:spLocks noGrp="1"/>
           </p:cNvSpPr>
@@ -636,8 +641,8 @@
         </p:nvSpPr>
         <p:spPr>
           <a:xfrm>
-            <a:off x="677160" y="2160720"/>
-            <a:ext cx="8596440" cy="3880440"/>
+            <a:off x="609480" y="1604520"/>
+            <a:ext cx="10972440" cy="3977280"/>
           </a:xfrm>
           <a:prstGeom prst="rect">
             <a:avLst/>
@@ -685,7 +690,7 @@
       </p:grpSpPr>
       <p:sp>
         <p:nvSpPr>
-          <p:cNvPr id="76" name="PlaceHolder 1"/>
+          <p:cNvPr id="70" name="PlaceHolder 1"/>
           <p:cNvSpPr>
             <a:spLocks noGrp="1"/>
           </p:cNvSpPr>
@@ -695,8 +700,8 @@
         </p:nvSpPr>
         <p:spPr>
           <a:xfrm>
-            <a:off x="677160" y="609480"/>
-            <a:ext cx="8596440" cy="1320480"/>
+            <a:off x="609480" y="273600"/>
+            <a:ext cx="10972440" cy="1144800"/>
           </a:xfrm>
           <a:prstGeom prst="rect">
             <a:avLst/>
@@ -705,23 +710,24 @@
         <p:txBody>
           <a:bodyPr lIns="0" rIns="0" tIns="0" bIns="0" anchor="ctr"/>
           <a:p>
-            <a:endParaRPr b="0" lang="en-US" sz="1800" spc="-1" strike="noStrike">
-              <a:solidFill>
-                <a:srgbClr val="000000"/>
-              </a:solidFill>
-              <a:uFill>
-                <a:solidFill>
-                  <a:srgbClr val="ffffff"/>
-                </a:solidFill>
-              </a:uFill>
-              <a:latin typeface="Trebuchet MS"/>
+            <a:pPr algn="ctr"/>
+            <a:endParaRPr b="0" lang="en-US" sz="4400" spc="-1" strike="noStrike">
+              <a:solidFill>
+                <a:srgbClr val="000000"/>
+              </a:solidFill>
+              <a:uFill>
+                <a:solidFill>
+                  <a:srgbClr val="ffffff"/>
+                </a:solidFill>
+              </a:uFill>
+              <a:latin typeface="Arial"/>
             </a:endParaRPr>
           </a:p>
         </p:txBody>
       </p:sp>
       <p:sp>
         <p:nvSpPr>
-          <p:cNvPr id="77" name="PlaceHolder 2"/>
+          <p:cNvPr id="71" name="PlaceHolder 2"/>
           <p:cNvSpPr>
             <a:spLocks noGrp="1"/>
           </p:cNvSpPr>
@@ -731,8 +737,8 @@
         </p:nvSpPr>
         <p:spPr>
           <a:xfrm>
-            <a:off x="677160" y="2160720"/>
-            <a:ext cx="8596440" cy="3880440"/>
+            <a:off x="609480" y="1604520"/>
+            <a:ext cx="10972440" cy="3977280"/>
           </a:xfrm>
           <a:prstGeom prst="rect">
             <a:avLst/>
@@ -741,16 +747,16 @@
         <p:txBody>
           <a:bodyPr lIns="0" rIns="0" tIns="0" bIns="0"/>
           <a:p>
-            <a:endParaRPr b="0" lang="en-US" sz="1800" spc="-1" strike="noStrike">
-              <a:solidFill>
-                <a:srgbClr val="404040"/>
-              </a:solidFill>
-              <a:uFill>
-                <a:solidFill>
-                  <a:srgbClr val="ffffff"/>
-                </a:solidFill>
-              </a:uFill>
-              <a:latin typeface="Trebuchet MS"/>
+            <a:endParaRPr b="0" lang="en-US" sz="3200" spc="-1" strike="noStrike">
+              <a:solidFill>
+                <a:srgbClr val="000000"/>
+              </a:solidFill>
+              <a:uFill>
+                <a:solidFill>
+                  <a:srgbClr val="ffffff"/>
+                </a:solidFill>
+              </a:uFill>
+              <a:latin typeface="Arial"/>
             </a:endParaRPr>
           </a:p>
         </p:txBody>
@@ -779,7 +785,7 @@
       </p:grpSpPr>
       <p:sp>
         <p:nvSpPr>
-          <p:cNvPr id="78" name="PlaceHolder 1"/>
+          <p:cNvPr id="72" name="PlaceHolder 1"/>
           <p:cNvSpPr>
             <a:spLocks noGrp="1"/>
           </p:cNvSpPr>
@@ -789,8 +795,8 @@
         </p:nvSpPr>
         <p:spPr>
           <a:xfrm>
-            <a:off x="677160" y="609480"/>
-            <a:ext cx="8596440" cy="1320480"/>
+            <a:off x="609480" y="273600"/>
+            <a:ext cx="10972440" cy="1144800"/>
           </a:xfrm>
           <a:prstGeom prst="rect">
             <a:avLst/>
@@ -799,23 +805,24 @@
         <p:txBody>
           <a:bodyPr lIns="0" rIns="0" tIns="0" bIns="0" anchor="ctr"/>
           <a:p>
-            <a:endParaRPr b="0" lang="en-US" sz="1800" spc="-1" strike="noStrike">
-              <a:solidFill>
-                <a:srgbClr val="000000"/>
-              </a:solidFill>
-              <a:uFill>
-                <a:solidFill>
-                  <a:srgbClr val="ffffff"/>
-                </a:solidFill>
-              </a:uFill>
-              <a:latin typeface="Trebuchet MS"/>
+            <a:pPr algn="ctr"/>
+            <a:endParaRPr b="0" lang="en-US" sz="4400" spc="-1" strike="noStrike">
+              <a:solidFill>
+                <a:srgbClr val="000000"/>
+              </a:solidFill>
+              <a:uFill>
+                <a:solidFill>
+                  <a:srgbClr val="ffffff"/>
+                </a:solidFill>
+              </a:uFill>
+              <a:latin typeface="Arial"/>
             </a:endParaRPr>
           </a:p>
         </p:txBody>
       </p:sp>
       <p:sp>
         <p:nvSpPr>
-          <p:cNvPr id="79" name="PlaceHolder 2"/>
+          <p:cNvPr id="73" name="PlaceHolder 2"/>
           <p:cNvSpPr>
             <a:spLocks noGrp="1"/>
           </p:cNvSpPr>
@@ -825,8 +832,8 @@
         </p:nvSpPr>
         <p:spPr>
           <a:xfrm>
-            <a:off x="677160" y="2160720"/>
-            <a:ext cx="4194720" cy="3880440"/>
+            <a:off x="609480" y="1604520"/>
+            <a:ext cx="5354280" cy="3977280"/>
           </a:xfrm>
           <a:prstGeom prst="rect">
             <a:avLst/>
@@ -835,23 +842,23 @@
         <p:txBody>
           <a:bodyPr lIns="0" rIns="0" tIns="0" bIns="0"/>
           <a:p>
-            <a:endParaRPr b="0" lang="en-US" sz="1800" spc="-1" strike="noStrike">
-              <a:solidFill>
-                <a:srgbClr val="404040"/>
-              </a:solidFill>
-              <a:uFill>
-                <a:solidFill>
-                  <a:srgbClr val="ffffff"/>
-                </a:solidFill>
-              </a:uFill>
-              <a:latin typeface="Trebuchet MS"/>
+            <a:endParaRPr b="0" lang="en-US" sz="3200" spc="-1" strike="noStrike">
+              <a:solidFill>
+                <a:srgbClr val="000000"/>
+              </a:solidFill>
+              <a:uFill>
+                <a:solidFill>
+                  <a:srgbClr val="ffffff"/>
+                </a:solidFill>
+              </a:uFill>
+              <a:latin typeface="Arial"/>
             </a:endParaRPr>
           </a:p>
         </p:txBody>
       </p:sp>
       <p:sp>
         <p:nvSpPr>
-          <p:cNvPr id="80" name="PlaceHolder 3"/>
+          <p:cNvPr id="74" name="PlaceHolder 3"/>
           <p:cNvSpPr>
             <a:spLocks noGrp="1"/>
           </p:cNvSpPr>
@@ -861,8 +868,8 @@
         </p:nvSpPr>
         <p:spPr>
           <a:xfrm>
-            <a:off x="5082120" y="2160720"/>
-            <a:ext cx="4194720" cy="3880440"/>
+            <a:off x="6231960" y="1604520"/>
+            <a:ext cx="5354280" cy="3977280"/>
           </a:xfrm>
           <a:prstGeom prst="rect">
             <a:avLst/>
@@ -871,16 +878,16 @@
         <p:txBody>
           <a:bodyPr lIns="0" rIns="0" tIns="0" bIns="0"/>
           <a:p>
-            <a:endParaRPr b="0" lang="en-US" sz="1800" spc="-1" strike="noStrike">
-              <a:solidFill>
-                <a:srgbClr val="404040"/>
-              </a:solidFill>
-              <a:uFill>
-                <a:solidFill>
-                  <a:srgbClr val="ffffff"/>
-                </a:solidFill>
-              </a:uFill>
-              <a:latin typeface="Trebuchet MS"/>
+            <a:endParaRPr b="0" lang="en-US" sz="3200" spc="-1" strike="noStrike">
+              <a:solidFill>
+                <a:srgbClr val="000000"/>
+              </a:solidFill>
+              <a:uFill>
+                <a:solidFill>
+                  <a:srgbClr val="ffffff"/>
+                </a:solidFill>
+              </a:uFill>
+              <a:latin typeface="Arial"/>
             </a:endParaRPr>
           </a:p>
         </p:txBody>
@@ -909,7 +916,7 @@
       </p:grpSpPr>
       <p:sp>
         <p:nvSpPr>
-          <p:cNvPr id="81" name="PlaceHolder 1"/>
+          <p:cNvPr id="75" name="PlaceHolder 1"/>
           <p:cNvSpPr>
             <a:spLocks noGrp="1"/>
           </p:cNvSpPr>
@@ -919,8 +926,8 @@
         </p:nvSpPr>
         <p:spPr>
           <a:xfrm>
-            <a:off x="677160" y="609480"/>
-            <a:ext cx="8596440" cy="1320480"/>
+            <a:off x="609480" y="273600"/>
+            <a:ext cx="10972440" cy="1144800"/>
           </a:xfrm>
           <a:prstGeom prst="rect">
             <a:avLst/>
@@ -929,16 +936,17 @@
         <p:txBody>
           <a:bodyPr lIns="0" rIns="0" tIns="0" bIns="0" anchor="ctr"/>
           <a:p>
-            <a:endParaRPr b="0" lang="en-US" sz="1800" spc="-1" strike="noStrike">
-              <a:solidFill>
-                <a:srgbClr val="000000"/>
-              </a:solidFill>
-              <a:uFill>
-                <a:solidFill>
-                  <a:srgbClr val="ffffff"/>
-                </a:solidFill>
-              </a:uFill>
-              <a:latin typeface="Trebuchet MS"/>
+            <a:pPr algn="ctr"/>
+            <a:endParaRPr b="0" lang="en-US" sz="4400" spc="-1" strike="noStrike">
+              <a:solidFill>
+                <a:srgbClr val="000000"/>
+              </a:solidFill>
+              <a:uFill>
+                <a:solidFill>
+                  <a:srgbClr val="ffffff"/>
+                </a:solidFill>
+              </a:uFill>
+              <a:latin typeface="Arial"/>
             </a:endParaRPr>
           </a:p>
         </p:txBody>
@@ -967,7 +975,7 @@
       </p:grpSpPr>
       <p:sp>
         <p:nvSpPr>
-          <p:cNvPr id="82" name="PlaceHolder 1"/>
+          <p:cNvPr id="76" name="PlaceHolder 1"/>
           <p:cNvSpPr>
             <a:spLocks noGrp="1"/>
           </p:cNvSpPr>
@@ -977,8 +985,8 @@
         </p:nvSpPr>
         <p:spPr>
           <a:xfrm>
-            <a:off x="677160" y="609480"/>
-            <a:ext cx="8596440" cy="6122160"/>
+            <a:off x="609480" y="273600"/>
+            <a:ext cx="10972440" cy="5307840"/>
           </a:xfrm>
           <a:prstGeom prst="rect">
             <a:avLst/>
@@ -1026,7 +1034,7 @@
       </p:grpSpPr>
       <p:sp>
         <p:nvSpPr>
-          <p:cNvPr id="83" name="PlaceHolder 1"/>
+          <p:cNvPr id="77" name="PlaceHolder 1"/>
           <p:cNvSpPr>
             <a:spLocks noGrp="1"/>
           </p:cNvSpPr>
@@ -1036,8 +1044,8 @@
         </p:nvSpPr>
         <p:spPr>
           <a:xfrm>
-            <a:off x="677160" y="609480"/>
-            <a:ext cx="8596440" cy="1320480"/>
+            <a:off x="609480" y="273600"/>
+            <a:ext cx="10972440" cy="1144800"/>
           </a:xfrm>
           <a:prstGeom prst="rect">
             <a:avLst/>
@@ -1046,23 +1054,24 @@
         <p:txBody>
           <a:bodyPr lIns="0" rIns="0" tIns="0" bIns="0" anchor="ctr"/>
           <a:p>
-            <a:endParaRPr b="0" lang="en-US" sz="1800" spc="-1" strike="noStrike">
-              <a:solidFill>
-                <a:srgbClr val="000000"/>
-              </a:solidFill>
-              <a:uFill>
-                <a:solidFill>
-                  <a:srgbClr val="ffffff"/>
-                </a:solidFill>
-              </a:uFill>
-              <a:latin typeface="Trebuchet MS"/>
+            <a:pPr algn="ctr"/>
+            <a:endParaRPr b="0" lang="en-US" sz="4400" spc="-1" strike="noStrike">
+              <a:solidFill>
+                <a:srgbClr val="000000"/>
+              </a:solidFill>
+              <a:uFill>
+                <a:solidFill>
+                  <a:srgbClr val="ffffff"/>
+                </a:solidFill>
+              </a:uFill>
+              <a:latin typeface="Arial"/>
             </a:endParaRPr>
           </a:p>
         </p:txBody>
       </p:sp>
       <p:sp>
         <p:nvSpPr>
-          <p:cNvPr id="84" name="PlaceHolder 2"/>
+          <p:cNvPr id="78" name="PlaceHolder 2"/>
           <p:cNvSpPr>
             <a:spLocks noGrp="1"/>
           </p:cNvSpPr>
@@ -1072,8 +1081,8 @@
         </p:nvSpPr>
         <p:spPr>
           <a:xfrm>
-            <a:off x="677160" y="2160720"/>
-            <a:ext cx="4194720" cy="1850760"/>
+            <a:off x="609480" y="1604520"/>
+            <a:ext cx="5354280" cy="1896840"/>
           </a:xfrm>
           <a:prstGeom prst="rect">
             <a:avLst/>
@@ -1082,23 +1091,23 @@
         <p:txBody>
           <a:bodyPr lIns="0" rIns="0" tIns="0" bIns="0"/>
           <a:p>
-            <a:endParaRPr b="0" lang="en-US" sz="1800" spc="-1" strike="noStrike">
-              <a:solidFill>
-                <a:srgbClr val="404040"/>
-              </a:solidFill>
-              <a:uFill>
-                <a:solidFill>
-                  <a:srgbClr val="ffffff"/>
-                </a:solidFill>
-              </a:uFill>
-              <a:latin typeface="Trebuchet MS"/>
+            <a:endParaRPr b="0" lang="en-US" sz="3200" spc="-1" strike="noStrike">
+              <a:solidFill>
+                <a:srgbClr val="000000"/>
+              </a:solidFill>
+              <a:uFill>
+                <a:solidFill>
+                  <a:srgbClr val="ffffff"/>
+                </a:solidFill>
+              </a:uFill>
+              <a:latin typeface="Arial"/>
             </a:endParaRPr>
           </a:p>
         </p:txBody>
       </p:sp>
       <p:sp>
         <p:nvSpPr>
-          <p:cNvPr id="85" name="PlaceHolder 3"/>
+          <p:cNvPr id="79" name="PlaceHolder 3"/>
           <p:cNvSpPr>
             <a:spLocks noGrp="1"/>
           </p:cNvSpPr>
@@ -1108,8 +1117,8 @@
         </p:nvSpPr>
         <p:spPr>
           <a:xfrm>
-            <a:off x="677160" y="4187520"/>
-            <a:ext cx="4194720" cy="1850760"/>
+            <a:off x="609480" y="3682080"/>
+            <a:ext cx="5354280" cy="1896840"/>
           </a:xfrm>
           <a:prstGeom prst="rect">
             <a:avLst/>
@@ -1118,23 +1127,23 @@
         <p:txBody>
           <a:bodyPr lIns="0" rIns="0" tIns="0" bIns="0"/>
           <a:p>
-            <a:endParaRPr b="0" lang="en-US" sz="1800" spc="-1" strike="noStrike">
-              <a:solidFill>
-                <a:srgbClr val="404040"/>
-              </a:solidFill>
-              <a:uFill>
-                <a:solidFill>
-                  <a:srgbClr val="ffffff"/>
-                </a:solidFill>
-              </a:uFill>
-              <a:latin typeface="Trebuchet MS"/>
+            <a:endParaRPr b="0" lang="en-US" sz="3200" spc="-1" strike="noStrike">
+              <a:solidFill>
+                <a:srgbClr val="000000"/>
+              </a:solidFill>
+              <a:uFill>
+                <a:solidFill>
+                  <a:srgbClr val="ffffff"/>
+                </a:solidFill>
+              </a:uFill>
+              <a:latin typeface="Arial"/>
             </a:endParaRPr>
           </a:p>
         </p:txBody>
       </p:sp>
       <p:sp>
         <p:nvSpPr>
-          <p:cNvPr id="86" name="PlaceHolder 4"/>
+          <p:cNvPr id="80" name="PlaceHolder 4"/>
           <p:cNvSpPr>
             <a:spLocks noGrp="1"/>
           </p:cNvSpPr>
@@ -1144,8 +1153,8 @@
         </p:nvSpPr>
         <p:spPr>
           <a:xfrm>
-            <a:off x="5082120" y="2160720"/>
-            <a:ext cx="4194720" cy="3880440"/>
+            <a:off x="6231960" y="1604520"/>
+            <a:ext cx="5354280" cy="3977280"/>
           </a:xfrm>
           <a:prstGeom prst="rect">
             <a:avLst/>
@@ -1154,16 +1163,16 @@
         <p:txBody>
           <a:bodyPr lIns="0" rIns="0" tIns="0" bIns="0"/>
           <a:p>
-            <a:endParaRPr b="0" lang="en-US" sz="1800" spc="-1" strike="noStrike">
-              <a:solidFill>
-                <a:srgbClr val="404040"/>
-              </a:solidFill>
-              <a:uFill>
-                <a:solidFill>
-                  <a:srgbClr val="ffffff"/>
-                </a:solidFill>
-              </a:uFill>
-              <a:latin typeface="Trebuchet MS"/>
+            <a:endParaRPr b="0" lang="en-US" sz="3200" spc="-1" strike="noStrike">
+              <a:solidFill>
+                <a:srgbClr val="000000"/>
+              </a:solidFill>
+              <a:uFill>
+                <a:solidFill>
+                  <a:srgbClr val="ffffff"/>
+                </a:solidFill>
+              </a:uFill>
+              <a:latin typeface="Arial"/>
             </a:endParaRPr>
           </a:p>
         </p:txBody>
@@ -1192,7 +1201,7 @@
       </p:grpSpPr>
       <p:sp>
         <p:nvSpPr>
-          <p:cNvPr id="25" name="PlaceHolder 1"/>
+          <p:cNvPr id="22" name="PlaceHolder 1"/>
           <p:cNvSpPr>
             <a:spLocks noGrp="1"/>
           </p:cNvSpPr>
@@ -1202,8 +1211,8 @@
         </p:nvSpPr>
         <p:spPr>
           <a:xfrm>
-            <a:off x="677160" y="609480"/>
-            <a:ext cx="8596440" cy="1320480"/>
+            <a:off x="609480" y="273600"/>
+            <a:ext cx="10972440" cy="1144800"/>
           </a:xfrm>
           <a:prstGeom prst="rect">
             <a:avLst/>
@@ -1212,23 +1221,24 @@
         <p:txBody>
           <a:bodyPr lIns="0" rIns="0" tIns="0" bIns="0" anchor="ctr"/>
           <a:p>
-            <a:endParaRPr b="0" lang="en-US" sz="1800" spc="-1" strike="noStrike">
-              <a:solidFill>
-                <a:srgbClr val="000000"/>
-              </a:solidFill>
-              <a:uFill>
-                <a:solidFill>
-                  <a:srgbClr val="ffffff"/>
-                </a:solidFill>
-              </a:uFill>
-              <a:latin typeface="Trebuchet MS"/>
+            <a:pPr algn="ctr"/>
+            <a:endParaRPr b="0" lang="en-US" sz="4400" spc="-1" strike="noStrike">
+              <a:solidFill>
+                <a:srgbClr val="000000"/>
+              </a:solidFill>
+              <a:uFill>
+                <a:solidFill>
+                  <a:srgbClr val="ffffff"/>
+                </a:solidFill>
+              </a:uFill>
+              <a:latin typeface="Arial"/>
             </a:endParaRPr>
           </a:p>
         </p:txBody>
       </p:sp>
       <p:sp>
         <p:nvSpPr>
-          <p:cNvPr id="26" name="PlaceHolder 2"/>
+          <p:cNvPr id="23" name="PlaceHolder 2"/>
           <p:cNvSpPr>
             <a:spLocks noGrp="1"/>
           </p:cNvSpPr>
@@ -1238,8 +1248,8 @@
         </p:nvSpPr>
         <p:spPr>
           <a:xfrm>
-            <a:off x="677160" y="2160720"/>
-            <a:ext cx="8596440" cy="3880440"/>
+            <a:off x="609480" y="1604520"/>
+            <a:ext cx="10972440" cy="3977280"/>
           </a:xfrm>
           <a:prstGeom prst="rect">
             <a:avLst/>
@@ -1287,7 +1297,7 @@
       </p:grpSpPr>
       <p:sp>
         <p:nvSpPr>
-          <p:cNvPr id="87" name="PlaceHolder 1"/>
+          <p:cNvPr id="81" name="PlaceHolder 1"/>
           <p:cNvSpPr>
             <a:spLocks noGrp="1"/>
           </p:cNvSpPr>
@@ -1297,8 +1307,8 @@
         </p:nvSpPr>
         <p:spPr>
           <a:xfrm>
-            <a:off x="677160" y="609480"/>
-            <a:ext cx="8596440" cy="1320480"/>
+            <a:off x="609480" y="273600"/>
+            <a:ext cx="10972440" cy="1144800"/>
           </a:xfrm>
           <a:prstGeom prst="rect">
             <a:avLst/>
@@ -1307,23 +1317,24 @@
         <p:txBody>
           <a:bodyPr lIns="0" rIns="0" tIns="0" bIns="0" anchor="ctr"/>
           <a:p>
-            <a:endParaRPr b="0" lang="en-US" sz="1800" spc="-1" strike="noStrike">
-              <a:solidFill>
-                <a:srgbClr val="000000"/>
-              </a:solidFill>
-              <a:uFill>
-                <a:solidFill>
-                  <a:srgbClr val="ffffff"/>
-                </a:solidFill>
-              </a:uFill>
-              <a:latin typeface="Trebuchet MS"/>
+            <a:pPr algn="ctr"/>
+            <a:endParaRPr b="0" lang="en-US" sz="4400" spc="-1" strike="noStrike">
+              <a:solidFill>
+                <a:srgbClr val="000000"/>
+              </a:solidFill>
+              <a:uFill>
+                <a:solidFill>
+                  <a:srgbClr val="ffffff"/>
+                </a:solidFill>
+              </a:uFill>
+              <a:latin typeface="Arial"/>
             </a:endParaRPr>
           </a:p>
         </p:txBody>
       </p:sp>
       <p:sp>
         <p:nvSpPr>
-          <p:cNvPr id="88" name="PlaceHolder 2"/>
+          <p:cNvPr id="82" name="PlaceHolder 2"/>
           <p:cNvSpPr>
             <a:spLocks noGrp="1"/>
           </p:cNvSpPr>
@@ -1333,8 +1344,8 @@
         </p:nvSpPr>
         <p:spPr>
           <a:xfrm>
-            <a:off x="677160" y="2160720"/>
-            <a:ext cx="4194720" cy="3880440"/>
+            <a:off x="609480" y="1604520"/>
+            <a:ext cx="5354280" cy="3977280"/>
           </a:xfrm>
           <a:prstGeom prst="rect">
             <a:avLst/>
@@ -1343,23 +1354,23 @@
         <p:txBody>
           <a:bodyPr lIns="0" rIns="0" tIns="0" bIns="0"/>
           <a:p>
-            <a:endParaRPr b="0" lang="en-US" sz="1800" spc="-1" strike="noStrike">
-              <a:solidFill>
-                <a:srgbClr val="404040"/>
-              </a:solidFill>
-              <a:uFill>
-                <a:solidFill>
-                  <a:srgbClr val="ffffff"/>
-                </a:solidFill>
-              </a:uFill>
-              <a:latin typeface="Trebuchet MS"/>
+            <a:endParaRPr b="0" lang="en-US" sz="3200" spc="-1" strike="noStrike">
+              <a:solidFill>
+                <a:srgbClr val="000000"/>
+              </a:solidFill>
+              <a:uFill>
+                <a:solidFill>
+                  <a:srgbClr val="ffffff"/>
+                </a:solidFill>
+              </a:uFill>
+              <a:latin typeface="Arial"/>
             </a:endParaRPr>
           </a:p>
         </p:txBody>
       </p:sp>
       <p:sp>
         <p:nvSpPr>
-          <p:cNvPr id="89" name="PlaceHolder 3"/>
+          <p:cNvPr id="83" name="PlaceHolder 3"/>
           <p:cNvSpPr>
             <a:spLocks noGrp="1"/>
           </p:cNvSpPr>
@@ -1369,8 +1380,8 @@
         </p:nvSpPr>
         <p:spPr>
           <a:xfrm>
-            <a:off x="5082120" y="2160720"/>
-            <a:ext cx="4194720" cy="1850760"/>
+            <a:off x="6231960" y="1604520"/>
+            <a:ext cx="5354280" cy="1896840"/>
           </a:xfrm>
           <a:prstGeom prst="rect">
             <a:avLst/>
@@ -1379,23 +1390,23 @@
         <p:txBody>
           <a:bodyPr lIns="0" rIns="0" tIns="0" bIns="0"/>
           <a:p>
-            <a:endParaRPr b="0" lang="en-US" sz="1800" spc="-1" strike="noStrike">
-              <a:solidFill>
-                <a:srgbClr val="404040"/>
-              </a:solidFill>
-              <a:uFill>
-                <a:solidFill>
-                  <a:srgbClr val="ffffff"/>
-                </a:solidFill>
-              </a:uFill>
-              <a:latin typeface="Trebuchet MS"/>
+            <a:endParaRPr b="0" lang="en-US" sz="3200" spc="-1" strike="noStrike">
+              <a:solidFill>
+                <a:srgbClr val="000000"/>
+              </a:solidFill>
+              <a:uFill>
+                <a:solidFill>
+                  <a:srgbClr val="ffffff"/>
+                </a:solidFill>
+              </a:uFill>
+              <a:latin typeface="Arial"/>
             </a:endParaRPr>
           </a:p>
         </p:txBody>
       </p:sp>
       <p:sp>
         <p:nvSpPr>
-          <p:cNvPr id="90" name="PlaceHolder 4"/>
+          <p:cNvPr id="84" name="PlaceHolder 4"/>
           <p:cNvSpPr>
             <a:spLocks noGrp="1"/>
           </p:cNvSpPr>
@@ -1405,8 +1416,8 @@
         </p:nvSpPr>
         <p:spPr>
           <a:xfrm>
-            <a:off x="5082120" y="4187520"/>
-            <a:ext cx="4194720" cy="1850760"/>
+            <a:off x="6231960" y="3682080"/>
+            <a:ext cx="5354280" cy="1896840"/>
           </a:xfrm>
           <a:prstGeom prst="rect">
             <a:avLst/>
@@ -1415,16 +1426,16 @@
         <p:txBody>
           <a:bodyPr lIns="0" rIns="0" tIns="0" bIns="0"/>
           <a:p>
-            <a:endParaRPr b="0" lang="en-US" sz="1800" spc="-1" strike="noStrike">
-              <a:solidFill>
-                <a:srgbClr val="404040"/>
-              </a:solidFill>
-              <a:uFill>
-                <a:solidFill>
-                  <a:srgbClr val="ffffff"/>
-                </a:solidFill>
-              </a:uFill>
-              <a:latin typeface="Trebuchet MS"/>
+            <a:endParaRPr b="0" lang="en-US" sz="3200" spc="-1" strike="noStrike">
+              <a:solidFill>
+                <a:srgbClr val="000000"/>
+              </a:solidFill>
+              <a:uFill>
+                <a:solidFill>
+                  <a:srgbClr val="ffffff"/>
+                </a:solidFill>
+              </a:uFill>
+              <a:latin typeface="Arial"/>
             </a:endParaRPr>
           </a:p>
         </p:txBody>
@@ -1453,7 +1464,7 @@
       </p:grpSpPr>
       <p:sp>
         <p:nvSpPr>
-          <p:cNvPr id="91" name="PlaceHolder 1"/>
+          <p:cNvPr id="85" name="PlaceHolder 1"/>
           <p:cNvSpPr>
             <a:spLocks noGrp="1"/>
           </p:cNvSpPr>
@@ -1463,8 +1474,8 @@
         </p:nvSpPr>
         <p:spPr>
           <a:xfrm>
-            <a:off x="677160" y="609480"/>
-            <a:ext cx="8596440" cy="1320480"/>
+            <a:off x="609480" y="273600"/>
+            <a:ext cx="10972440" cy="1144800"/>
           </a:xfrm>
           <a:prstGeom prst="rect">
             <a:avLst/>
@@ -1473,23 +1484,24 @@
         <p:txBody>
           <a:bodyPr lIns="0" rIns="0" tIns="0" bIns="0" anchor="ctr"/>
           <a:p>
-            <a:endParaRPr b="0" lang="en-US" sz="1800" spc="-1" strike="noStrike">
-              <a:solidFill>
-                <a:srgbClr val="000000"/>
-              </a:solidFill>
-              <a:uFill>
-                <a:solidFill>
-                  <a:srgbClr val="ffffff"/>
-                </a:solidFill>
-              </a:uFill>
-              <a:latin typeface="Trebuchet MS"/>
+            <a:pPr algn="ctr"/>
+            <a:endParaRPr b="0" lang="en-US" sz="4400" spc="-1" strike="noStrike">
+              <a:solidFill>
+                <a:srgbClr val="000000"/>
+              </a:solidFill>
+              <a:uFill>
+                <a:solidFill>
+                  <a:srgbClr val="ffffff"/>
+                </a:solidFill>
+              </a:uFill>
+              <a:latin typeface="Arial"/>
             </a:endParaRPr>
           </a:p>
         </p:txBody>
       </p:sp>
       <p:sp>
         <p:nvSpPr>
-          <p:cNvPr id="92" name="PlaceHolder 2"/>
+          <p:cNvPr id="86" name="PlaceHolder 2"/>
           <p:cNvSpPr>
             <a:spLocks noGrp="1"/>
           </p:cNvSpPr>
@@ -1499,8 +1511,8 @@
         </p:nvSpPr>
         <p:spPr>
           <a:xfrm>
-            <a:off x="677160" y="2160720"/>
-            <a:ext cx="4194720" cy="1850760"/>
+            <a:off x="609480" y="1604520"/>
+            <a:ext cx="5354280" cy="1896840"/>
           </a:xfrm>
           <a:prstGeom prst="rect">
             <a:avLst/>
@@ -1509,23 +1521,23 @@
         <p:txBody>
           <a:bodyPr lIns="0" rIns="0" tIns="0" bIns="0"/>
           <a:p>
-            <a:endParaRPr b="0" lang="en-US" sz="1800" spc="-1" strike="noStrike">
-              <a:solidFill>
-                <a:srgbClr val="404040"/>
-              </a:solidFill>
-              <a:uFill>
-                <a:solidFill>
-                  <a:srgbClr val="ffffff"/>
-                </a:solidFill>
-              </a:uFill>
-              <a:latin typeface="Trebuchet MS"/>
+            <a:endParaRPr b="0" lang="en-US" sz="3200" spc="-1" strike="noStrike">
+              <a:solidFill>
+                <a:srgbClr val="000000"/>
+              </a:solidFill>
+              <a:uFill>
+                <a:solidFill>
+                  <a:srgbClr val="ffffff"/>
+                </a:solidFill>
+              </a:uFill>
+              <a:latin typeface="Arial"/>
             </a:endParaRPr>
           </a:p>
         </p:txBody>
       </p:sp>
       <p:sp>
         <p:nvSpPr>
-          <p:cNvPr id="93" name="PlaceHolder 3"/>
+          <p:cNvPr id="87" name="PlaceHolder 3"/>
           <p:cNvSpPr>
             <a:spLocks noGrp="1"/>
           </p:cNvSpPr>
@@ -1535,8 +1547,8 @@
         </p:nvSpPr>
         <p:spPr>
           <a:xfrm>
-            <a:off x="5082120" y="2160720"/>
-            <a:ext cx="4194720" cy="1850760"/>
+            <a:off x="6231960" y="1604520"/>
+            <a:ext cx="5354280" cy="1896840"/>
           </a:xfrm>
           <a:prstGeom prst="rect">
             <a:avLst/>
@@ -1545,23 +1557,23 @@
         <p:txBody>
           <a:bodyPr lIns="0" rIns="0" tIns="0" bIns="0"/>
           <a:p>
-            <a:endParaRPr b="0" lang="en-US" sz="1800" spc="-1" strike="noStrike">
-              <a:solidFill>
-                <a:srgbClr val="404040"/>
-              </a:solidFill>
-              <a:uFill>
-                <a:solidFill>
-                  <a:srgbClr val="ffffff"/>
-                </a:solidFill>
-              </a:uFill>
-              <a:latin typeface="Trebuchet MS"/>
+            <a:endParaRPr b="0" lang="en-US" sz="3200" spc="-1" strike="noStrike">
+              <a:solidFill>
+                <a:srgbClr val="000000"/>
+              </a:solidFill>
+              <a:uFill>
+                <a:solidFill>
+                  <a:srgbClr val="ffffff"/>
+                </a:solidFill>
+              </a:uFill>
+              <a:latin typeface="Arial"/>
             </a:endParaRPr>
           </a:p>
         </p:txBody>
       </p:sp>
       <p:sp>
         <p:nvSpPr>
-          <p:cNvPr id="94" name="PlaceHolder 4"/>
+          <p:cNvPr id="88" name="PlaceHolder 4"/>
           <p:cNvSpPr>
             <a:spLocks noGrp="1"/>
           </p:cNvSpPr>
@@ -1571,8 +1583,8 @@
         </p:nvSpPr>
         <p:spPr>
           <a:xfrm>
-            <a:off x="677160" y="4187520"/>
-            <a:ext cx="8596440" cy="1850760"/>
+            <a:off x="609480" y="3682080"/>
+            <a:ext cx="10972440" cy="1896840"/>
           </a:xfrm>
           <a:prstGeom prst="rect">
             <a:avLst/>
@@ -1581,16 +1593,16 @@
         <p:txBody>
           <a:bodyPr lIns="0" rIns="0" tIns="0" bIns="0"/>
           <a:p>
-            <a:endParaRPr b="0" lang="en-US" sz="1800" spc="-1" strike="noStrike">
-              <a:solidFill>
-                <a:srgbClr val="404040"/>
-              </a:solidFill>
-              <a:uFill>
-                <a:solidFill>
-                  <a:srgbClr val="ffffff"/>
-                </a:solidFill>
-              </a:uFill>
-              <a:latin typeface="Trebuchet MS"/>
+            <a:endParaRPr b="0" lang="en-US" sz="3200" spc="-1" strike="noStrike">
+              <a:solidFill>
+                <a:srgbClr val="000000"/>
+              </a:solidFill>
+              <a:uFill>
+                <a:solidFill>
+                  <a:srgbClr val="ffffff"/>
+                </a:solidFill>
+              </a:uFill>
+              <a:latin typeface="Arial"/>
             </a:endParaRPr>
           </a:p>
         </p:txBody>
@@ -1619,7 +1631,7 @@
       </p:grpSpPr>
       <p:sp>
         <p:nvSpPr>
-          <p:cNvPr id="95" name="PlaceHolder 1"/>
+          <p:cNvPr id="89" name="PlaceHolder 1"/>
           <p:cNvSpPr>
             <a:spLocks noGrp="1"/>
           </p:cNvSpPr>
@@ -1629,8 +1641,8 @@
         </p:nvSpPr>
         <p:spPr>
           <a:xfrm>
-            <a:off x="677160" y="609480"/>
-            <a:ext cx="8596440" cy="1320480"/>
+            <a:off x="609480" y="273600"/>
+            <a:ext cx="10972440" cy="1144800"/>
           </a:xfrm>
           <a:prstGeom prst="rect">
             <a:avLst/>
@@ -1639,23 +1651,24 @@
         <p:txBody>
           <a:bodyPr lIns="0" rIns="0" tIns="0" bIns="0" anchor="ctr"/>
           <a:p>
-            <a:endParaRPr b="0" lang="en-US" sz="1800" spc="-1" strike="noStrike">
-              <a:solidFill>
-                <a:srgbClr val="000000"/>
-              </a:solidFill>
-              <a:uFill>
-                <a:solidFill>
-                  <a:srgbClr val="ffffff"/>
-                </a:solidFill>
-              </a:uFill>
-              <a:latin typeface="Trebuchet MS"/>
+            <a:pPr algn="ctr"/>
+            <a:endParaRPr b="0" lang="en-US" sz="4400" spc="-1" strike="noStrike">
+              <a:solidFill>
+                <a:srgbClr val="000000"/>
+              </a:solidFill>
+              <a:uFill>
+                <a:solidFill>
+                  <a:srgbClr val="ffffff"/>
+                </a:solidFill>
+              </a:uFill>
+              <a:latin typeface="Arial"/>
             </a:endParaRPr>
           </a:p>
         </p:txBody>
       </p:sp>
       <p:sp>
         <p:nvSpPr>
-          <p:cNvPr id="96" name="PlaceHolder 2"/>
+          <p:cNvPr id="90" name="PlaceHolder 2"/>
           <p:cNvSpPr>
             <a:spLocks noGrp="1"/>
           </p:cNvSpPr>
@@ -1665,8 +1678,8 @@
         </p:nvSpPr>
         <p:spPr>
           <a:xfrm>
-            <a:off x="677160" y="2160720"/>
-            <a:ext cx="8596440" cy="1850760"/>
+            <a:off x="609480" y="1604520"/>
+            <a:ext cx="10972440" cy="1896840"/>
           </a:xfrm>
           <a:prstGeom prst="rect">
             <a:avLst/>
@@ -1675,23 +1688,23 @@
         <p:txBody>
           <a:bodyPr lIns="0" rIns="0" tIns="0" bIns="0"/>
           <a:p>
-            <a:endParaRPr b="0" lang="en-US" sz="1800" spc="-1" strike="noStrike">
-              <a:solidFill>
-                <a:srgbClr val="404040"/>
-              </a:solidFill>
-              <a:uFill>
-                <a:solidFill>
-                  <a:srgbClr val="ffffff"/>
-                </a:solidFill>
-              </a:uFill>
-              <a:latin typeface="Trebuchet MS"/>
+            <a:endParaRPr b="0" lang="en-US" sz="3200" spc="-1" strike="noStrike">
+              <a:solidFill>
+                <a:srgbClr val="000000"/>
+              </a:solidFill>
+              <a:uFill>
+                <a:solidFill>
+                  <a:srgbClr val="ffffff"/>
+                </a:solidFill>
+              </a:uFill>
+              <a:latin typeface="Arial"/>
             </a:endParaRPr>
           </a:p>
         </p:txBody>
       </p:sp>
       <p:sp>
         <p:nvSpPr>
-          <p:cNvPr id="97" name="PlaceHolder 3"/>
+          <p:cNvPr id="91" name="PlaceHolder 3"/>
           <p:cNvSpPr>
             <a:spLocks noGrp="1"/>
           </p:cNvSpPr>
@@ -1701,8 +1714,8 @@
         </p:nvSpPr>
         <p:spPr>
           <a:xfrm>
-            <a:off x="677160" y="4187520"/>
-            <a:ext cx="8596440" cy="1850760"/>
+            <a:off x="609480" y="3682080"/>
+            <a:ext cx="10972440" cy="1896840"/>
           </a:xfrm>
           <a:prstGeom prst="rect">
             <a:avLst/>
@@ -1711,16 +1724,16 @@
         <p:txBody>
           <a:bodyPr lIns="0" rIns="0" tIns="0" bIns="0"/>
           <a:p>
-            <a:endParaRPr b="0" lang="en-US" sz="1800" spc="-1" strike="noStrike">
-              <a:solidFill>
-                <a:srgbClr val="404040"/>
-              </a:solidFill>
-              <a:uFill>
-                <a:solidFill>
-                  <a:srgbClr val="ffffff"/>
-                </a:solidFill>
-              </a:uFill>
-              <a:latin typeface="Trebuchet MS"/>
+            <a:endParaRPr b="0" lang="en-US" sz="3200" spc="-1" strike="noStrike">
+              <a:solidFill>
+                <a:srgbClr val="000000"/>
+              </a:solidFill>
+              <a:uFill>
+                <a:solidFill>
+                  <a:srgbClr val="ffffff"/>
+                </a:solidFill>
+              </a:uFill>
+              <a:latin typeface="Arial"/>
             </a:endParaRPr>
           </a:p>
         </p:txBody>
@@ -1749,7 +1762,7 @@
       </p:grpSpPr>
       <p:sp>
         <p:nvSpPr>
-          <p:cNvPr id="98" name="PlaceHolder 1"/>
+          <p:cNvPr id="92" name="PlaceHolder 1"/>
           <p:cNvSpPr>
             <a:spLocks noGrp="1"/>
           </p:cNvSpPr>
@@ -1759,8 +1772,8 @@
         </p:nvSpPr>
         <p:spPr>
           <a:xfrm>
-            <a:off x="677160" y="609480"/>
-            <a:ext cx="8596440" cy="1320480"/>
+            <a:off x="609480" y="273600"/>
+            <a:ext cx="10972440" cy="1144800"/>
           </a:xfrm>
           <a:prstGeom prst="rect">
             <a:avLst/>
@@ -1769,23 +1782,24 @@
         <p:txBody>
           <a:bodyPr lIns="0" rIns="0" tIns="0" bIns="0" anchor="ctr"/>
           <a:p>
-            <a:endParaRPr b="0" lang="en-US" sz="1800" spc="-1" strike="noStrike">
-              <a:solidFill>
-                <a:srgbClr val="000000"/>
-              </a:solidFill>
-              <a:uFill>
-                <a:solidFill>
-                  <a:srgbClr val="ffffff"/>
-                </a:solidFill>
-              </a:uFill>
-              <a:latin typeface="Trebuchet MS"/>
+            <a:pPr algn="ctr"/>
+            <a:endParaRPr b="0" lang="en-US" sz="4400" spc="-1" strike="noStrike">
+              <a:solidFill>
+                <a:srgbClr val="000000"/>
+              </a:solidFill>
+              <a:uFill>
+                <a:solidFill>
+                  <a:srgbClr val="ffffff"/>
+                </a:solidFill>
+              </a:uFill>
+              <a:latin typeface="Arial"/>
             </a:endParaRPr>
           </a:p>
         </p:txBody>
       </p:sp>
       <p:sp>
         <p:nvSpPr>
-          <p:cNvPr id="99" name="PlaceHolder 2"/>
+          <p:cNvPr id="93" name="PlaceHolder 2"/>
           <p:cNvSpPr>
             <a:spLocks noGrp="1"/>
           </p:cNvSpPr>
@@ -1795,8 +1809,8 @@
         </p:nvSpPr>
         <p:spPr>
           <a:xfrm>
-            <a:off x="677160" y="2160720"/>
-            <a:ext cx="4194720" cy="1850760"/>
+            <a:off x="609480" y="1604520"/>
+            <a:ext cx="5354280" cy="1896840"/>
           </a:xfrm>
           <a:prstGeom prst="rect">
             <a:avLst/>
@@ -1805,23 +1819,23 @@
         <p:txBody>
           <a:bodyPr lIns="0" rIns="0" tIns="0" bIns="0"/>
           <a:p>
-            <a:endParaRPr b="0" lang="en-US" sz="1800" spc="-1" strike="noStrike">
-              <a:solidFill>
-                <a:srgbClr val="404040"/>
-              </a:solidFill>
-              <a:uFill>
-                <a:solidFill>
-                  <a:srgbClr val="ffffff"/>
-                </a:solidFill>
-              </a:uFill>
-              <a:latin typeface="Trebuchet MS"/>
+            <a:endParaRPr b="0" lang="en-US" sz="3200" spc="-1" strike="noStrike">
+              <a:solidFill>
+                <a:srgbClr val="000000"/>
+              </a:solidFill>
+              <a:uFill>
+                <a:solidFill>
+                  <a:srgbClr val="ffffff"/>
+                </a:solidFill>
+              </a:uFill>
+              <a:latin typeface="Arial"/>
             </a:endParaRPr>
           </a:p>
         </p:txBody>
       </p:sp>
       <p:sp>
         <p:nvSpPr>
-          <p:cNvPr id="100" name="PlaceHolder 3"/>
+          <p:cNvPr id="94" name="PlaceHolder 3"/>
           <p:cNvSpPr>
             <a:spLocks noGrp="1"/>
           </p:cNvSpPr>
@@ -1831,8 +1845,8 @@
         </p:nvSpPr>
         <p:spPr>
           <a:xfrm>
-            <a:off x="5082120" y="2160720"/>
-            <a:ext cx="4194720" cy="1850760"/>
+            <a:off x="6231960" y="1604520"/>
+            <a:ext cx="5354280" cy="1896840"/>
           </a:xfrm>
           <a:prstGeom prst="rect">
             <a:avLst/>
@@ -1841,23 +1855,23 @@
         <p:txBody>
           <a:bodyPr lIns="0" rIns="0" tIns="0" bIns="0"/>
           <a:p>
-            <a:endParaRPr b="0" lang="en-US" sz="1800" spc="-1" strike="noStrike">
-              <a:solidFill>
-                <a:srgbClr val="404040"/>
-              </a:solidFill>
-              <a:uFill>
-                <a:solidFill>
-                  <a:srgbClr val="ffffff"/>
-                </a:solidFill>
-              </a:uFill>
-              <a:latin typeface="Trebuchet MS"/>
+            <a:endParaRPr b="0" lang="en-US" sz="3200" spc="-1" strike="noStrike">
+              <a:solidFill>
+                <a:srgbClr val="000000"/>
+              </a:solidFill>
+              <a:uFill>
+                <a:solidFill>
+                  <a:srgbClr val="ffffff"/>
+                </a:solidFill>
+              </a:uFill>
+              <a:latin typeface="Arial"/>
             </a:endParaRPr>
           </a:p>
         </p:txBody>
       </p:sp>
       <p:sp>
         <p:nvSpPr>
-          <p:cNvPr id="101" name="PlaceHolder 4"/>
+          <p:cNvPr id="95" name="PlaceHolder 4"/>
           <p:cNvSpPr>
             <a:spLocks noGrp="1"/>
           </p:cNvSpPr>
@@ -1867,8 +1881,8 @@
         </p:nvSpPr>
         <p:spPr>
           <a:xfrm>
-            <a:off x="5082120" y="4187520"/>
-            <a:ext cx="4194720" cy="1850760"/>
+            <a:off x="6231960" y="3682080"/>
+            <a:ext cx="5354280" cy="1896840"/>
           </a:xfrm>
           <a:prstGeom prst="rect">
             <a:avLst/>
@@ -1877,23 +1891,23 @@
         <p:txBody>
           <a:bodyPr lIns="0" rIns="0" tIns="0" bIns="0"/>
           <a:p>
-            <a:endParaRPr b="0" lang="en-US" sz="1800" spc="-1" strike="noStrike">
-              <a:solidFill>
-                <a:srgbClr val="404040"/>
-              </a:solidFill>
-              <a:uFill>
-                <a:solidFill>
-                  <a:srgbClr val="ffffff"/>
-                </a:solidFill>
-              </a:uFill>
-              <a:latin typeface="Trebuchet MS"/>
+            <a:endParaRPr b="0" lang="en-US" sz="3200" spc="-1" strike="noStrike">
+              <a:solidFill>
+                <a:srgbClr val="000000"/>
+              </a:solidFill>
+              <a:uFill>
+                <a:solidFill>
+                  <a:srgbClr val="ffffff"/>
+                </a:solidFill>
+              </a:uFill>
+              <a:latin typeface="Arial"/>
             </a:endParaRPr>
           </a:p>
         </p:txBody>
       </p:sp>
       <p:sp>
         <p:nvSpPr>
-          <p:cNvPr id="102" name="PlaceHolder 5"/>
+          <p:cNvPr id="96" name="PlaceHolder 5"/>
           <p:cNvSpPr>
             <a:spLocks noGrp="1"/>
           </p:cNvSpPr>
@@ -1903,8 +1917,8 @@
         </p:nvSpPr>
         <p:spPr>
           <a:xfrm>
-            <a:off x="677160" y="4187520"/>
-            <a:ext cx="4194720" cy="1850760"/>
+            <a:off x="609480" y="3682080"/>
+            <a:ext cx="5354280" cy="1896840"/>
           </a:xfrm>
           <a:prstGeom prst="rect">
             <a:avLst/>
@@ -1913,16 +1927,16 @@
         <p:txBody>
           <a:bodyPr lIns="0" rIns="0" tIns="0" bIns="0"/>
           <a:p>
-            <a:endParaRPr b="0" lang="en-US" sz="1800" spc="-1" strike="noStrike">
-              <a:solidFill>
-                <a:srgbClr val="404040"/>
-              </a:solidFill>
-              <a:uFill>
-                <a:solidFill>
-                  <a:srgbClr val="ffffff"/>
-                </a:solidFill>
-              </a:uFill>
-              <a:latin typeface="Trebuchet MS"/>
+            <a:endParaRPr b="0" lang="en-US" sz="3200" spc="-1" strike="noStrike">
+              <a:solidFill>
+                <a:srgbClr val="000000"/>
+              </a:solidFill>
+              <a:uFill>
+                <a:solidFill>
+                  <a:srgbClr val="ffffff"/>
+                </a:solidFill>
+              </a:uFill>
+              <a:latin typeface="Arial"/>
             </a:endParaRPr>
           </a:p>
         </p:txBody>
@@ -1951,7 +1965,7 @@
       </p:grpSpPr>
       <p:sp>
         <p:nvSpPr>
-          <p:cNvPr id="103" name="PlaceHolder 1"/>
+          <p:cNvPr id="97" name="PlaceHolder 1"/>
           <p:cNvSpPr>
             <a:spLocks noGrp="1"/>
           </p:cNvSpPr>
@@ -1961,8 +1975,8 @@
         </p:nvSpPr>
         <p:spPr>
           <a:xfrm>
-            <a:off x="677160" y="609480"/>
-            <a:ext cx="8596440" cy="1320480"/>
+            <a:off x="609480" y="273600"/>
+            <a:ext cx="10972440" cy="1144800"/>
           </a:xfrm>
           <a:prstGeom prst="rect">
             <a:avLst/>
@@ -1971,23 +1985,24 @@
         <p:txBody>
           <a:bodyPr lIns="0" rIns="0" tIns="0" bIns="0" anchor="ctr"/>
           <a:p>
-            <a:endParaRPr b="0" lang="en-US" sz="1800" spc="-1" strike="noStrike">
-              <a:solidFill>
-                <a:srgbClr val="000000"/>
-              </a:solidFill>
-              <a:uFill>
-                <a:solidFill>
-                  <a:srgbClr val="ffffff"/>
-                </a:solidFill>
-              </a:uFill>
-              <a:latin typeface="Trebuchet MS"/>
+            <a:pPr algn="ctr"/>
+            <a:endParaRPr b="0" lang="en-US" sz="4400" spc="-1" strike="noStrike">
+              <a:solidFill>
+                <a:srgbClr val="000000"/>
+              </a:solidFill>
+              <a:uFill>
+                <a:solidFill>
+                  <a:srgbClr val="ffffff"/>
+                </a:solidFill>
+              </a:uFill>
+              <a:latin typeface="Arial"/>
             </a:endParaRPr>
           </a:p>
         </p:txBody>
       </p:sp>
       <p:sp>
         <p:nvSpPr>
-          <p:cNvPr id="104" name="PlaceHolder 2"/>
+          <p:cNvPr id="98" name="PlaceHolder 2"/>
           <p:cNvSpPr>
             <a:spLocks noGrp="1"/>
           </p:cNvSpPr>
@@ -1997,8 +2012,8 @@
         </p:nvSpPr>
         <p:spPr>
           <a:xfrm>
-            <a:off x="677160" y="2160720"/>
-            <a:ext cx="8596440" cy="3880440"/>
+            <a:off x="609480" y="1604520"/>
+            <a:ext cx="10972440" cy="3977280"/>
           </a:xfrm>
           <a:prstGeom prst="rect">
             <a:avLst/>
@@ -2007,23 +2022,23 @@
         <p:txBody>
           <a:bodyPr lIns="0" rIns="0" tIns="0" bIns="0"/>
           <a:p>
-            <a:endParaRPr b="0" lang="en-US" sz="1800" spc="-1" strike="noStrike">
-              <a:solidFill>
-                <a:srgbClr val="404040"/>
-              </a:solidFill>
-              <a:uFill>
-                <a:solidFill>
-                  <a:srgbClr val="ffffff"/>
-                </a:solidFill>
-              </a:uFill>
-              <a:latin typeface="Trebuchet MS"/>
+            <a:endParaRPr b="0" lang="en-US" sz="3200" spc="-1" strike="noStrike">
+              <a:solidFill>
+                <a:srgbClr val="000000"/>
+              </a:solidFill>
+              <a:uFill>
+                <a:solidFill>
+                  <a:srgbClr val="ffffff"/>
+                </a:solidFill>
+              </a:uFill>
+              <a:latin typeface="Arial"/>
             </a:endParaRPr>
           </a:p>
         </p:txBody>
       </p:sp>
       <p:sp>
         <p:nvSpPr>
-          <p:cNvPr id="105" name="PlaceHolder 3"/>
+          <p:cNvPr id="99" name="PlaceHolder 3"/>
           <p:cNvSpPr>
             <a:spLocks noGrp="1"/>
           </p:cNvSpPr>
@@ -2033,8 +2048,8 @@
         </p:nvSpPr>
         <p:spPr>
           <a:xfrm>
-            <a:off x="677160" y="2160720"/>
-            <a:ext cx="8596440" cy="3880440"/>
+            <a:off x="609480" y="1604520"/>
+            <a:ext cx="10972440" cy="3977280"/>
           </a:xfrm>
           <a:prstGeom prst="rect">
             <a:avLst/>
@@ -2043,23 +2058,23 @@
         <p:txBody>
           <a:bodyPr lIns="0" rIns="0" tIns="0" bIns="0"/>
           <a:p>
-            <a:endParaRPr b="0" lang="en-US" sz="1800" spc="-1" strike="noStrike">
-              <a:solidFill>
-                <a:srgbClr val="404040"/>
-              </a:solidFill>
-              <a:uFill>
-                <a:solidFill>
-                  <a:srgbClr val="ffffff"/>
-                </a:solidFill>
-              </a:uFill>
-              <a:latin typeface="Trebuchet MS"/>
+            <a:endParaRPr b="0" lang="en-US" sz="3200" spc="-1" strike="noStrike">
+              <a:solidFill>
+                <a:srgbClr val="000000"/>
+              </a:solidFill>
+              <a:uFill>
+                <a:solidFill>
+                  <a:srgbClr val="ffffff"/>
+                </a:solidFill>
+              </a:uFill>
+              <a:latin typeface="Arial"/>
             </a:endParaRPr>
           </a:p>
         </p:txBody>
       </p:sp>
       <p:pic>
         <p:nvPicPr>
-          <p:cNvPr id="106" name="" descr=""/>
+          <p:cNvPr id="100" name="" descr=""/>
           <p:cNvPicPr/>
           <p:nvPr/>
         </p:nvPicPr>
@@ -2069,8 +2084,8 @@
         </p:blipFill>
         <p:spPr>
           <a:xfrm>
-            <a:off x="2543400" y="2160360"/>
-            <a:ext cx="4863240" cy="3880440"/>
+            <a:off x="3602880" y="1604520"/>
+            <a:ext cx="4984920" cy="3977280"/>
           </a:xfrm>
           <a:prstGeom prst="rect">
             <a:avLst/>
@@ -2082,7 +2097,7 @@
       </p:pic>
       <p:pic>
         <p:nvPicPr>
-          <p:cNvPr id="107" name="" descr=""/>
+          <p:cNvPr id="101" name="" descr=""/>
           <p:cNvPicPr/>
           <p:nvPr/>
         </p:nvPicPr>
@@ -2092,8 +2107,8 @@
         </p:blipFill>
         <p:spPr>
           <a:xfrm>
-            <a:off x="2543400" y="2160360"/>
-            <a:ext cx="4863240" cy="3880440"/>
+            <a:off x="3602880" y="1604520"/>
+            <a:ext cx="4984920" cy="3977280"/>
           </a:xfrm>
           <a:prstGeom prst="rect">
             <a:avLst/>
@@ -2127,7 +2142,7 @@
       </p:grpSpPr>
       <p:sp>
         <p:nvSpPr>
-          <p:cNvPr id="27" name="PlaceHolder 1"/>
+          <p:cNvPr id="24" name="PlaceHolder 1"/>
           <p:cNvSpPr>
             <a:spLocks noGrp="1"/>
           </p:cNvSpPr>
@@ -2137,8 +2152,8 @@
         </p:nvSpPr>
         <p:spPr>
           <a:xfrm>
-            <a:off x="677160" y="609480"/>
-            <a:ext cx="8596440" cy="1320480"/>
+            <a:off x="609480" y="273600"/>
+            <a:ext cx="10972440" cy="1144800"/>
           </a:xfrm>
           <a:prstGeom prst="rect">
             <a:avLst/>
@@ -2147,23 +2162,24 @@
         <p:txBody>
           <a:bodyPr lIns="0" rIns="0" tIns="0" bIns="0" anchor="ctr"/>
           <a:p>
-            <a:endParaRPr b="0" lang="en-US" sz="1800" spc="-1" strike="noStrike">
-              <a:solidFill>
-                <a:srgbClr val="000000"/>
-              </a:solidFill>
-              <a:uFill>
-                <a:solidFill>
-                  <a:srgbClr val="ffffff"/>
-                </a:solidFill>
-              </a:uFill>
-              <a:latin typeface="Trebuchet MS"/>
+            <a:pPr algn="ctr"/>
+            <a:endParaRPr b="0" lang="en-US" sz="4400" spc="-1" strike="noStrike">
+              <a:solidFill>
+                <a:srgbClr val="000000"/>
+              </a:solidFill>
+              <a:uFill>
+                <a:solidFill>
+                  <a:srgbClr val="ffffff"/>
+                </a:solidFill>
+              </a:uFill>
+              <a:latin typeface="Arial"/>
             </a:endParaRPr>
           </a:p>
         </p:txBody>
       </p:sp>
       <p:sp>
         <p:nvSpPr>
-          <p:cNvPr id="28" name="PlaceHolder 2"/>
+          <p:cNvPr id="25" name="PlaceHolder 2"/>
           <p:cNvSpPr>
             <a:spLocks noGrp="1"/>
           </p:cNvSpPr>
@@ -2173,8 +2189,8 @@
         </p:nvSpPr>
         <p:spPr>
           <a:xfrm>
-            <a:off x="677160" y="2160720"/>
-            <a:ext cx="8596440" cy="3880440"/>
+            <a:off x="609480" y="1604520"/>
+            <a:ext cx="10972440" cy="3977280"/>
           </a:xfrm>
           <a:prstGeom prst="rect">
             <a:avLst/>
@@ -2183,16 +2199,16 @@
         <p:txBody>
           <a:bodyPr lIns="0" rIns="0" tIns="0" bIns="0"/>
           <a:p>
-            <a:endParaRPr b="0" lang="en-US" sz="1800" spc="-1" strike="noStrike">
-              <a:solidFill>
-                <a:srgbClr val="404040"/>
-              </a:solidFill>
-              <a:uFill>
-                <a:solidFill>
-                  <a:srgbClr val="ffffff"/>
-                </a:solidFill>
-              </a:uFill>
-              <a:latin typeface="Trebuchet MS"/>
+            <a:endParaRPr b="0" lang="en-US" sz="3200" spc="-1" strike="noStrike">
+              <a:solidFill>
+                <a:srgbClr val="000000"/>
+              </a:solidFill>
+              <a:uFill>
+                <a:solidFill>
+                  <a:srgbClr val="ffffff"/>
+                </a:solidFill>
+              </a:uFill>
+              <a:latin typeface="Arial"/>
             </a:endParaRPr>
           </a:p>
         </p:txBody>
@@ -2221,7 +2237,7 @@
       </p:grpSpPr>
       <p:sp>
         <p:nvSpPr>
-          <p:cNvPr id="29" name="PlaceHolder 1"/>
+          <p:cNvPr id="26" name="PlaceHolder 1"/>
           <p:cNvSpPr>
             <a:spLocks noGrp="1"/>
           </p:cNvSpPr>
@@ -2231,8 +2247,8 @@
         </p:nvSpPr>
         <p:spPr>
           <a:xfrm>
-            <a:off x="677160" y="609480"/>
-            <a:ext cx="8596440" cy="1320480"/>
+            <a:off x="609480" y="273600"/>
+            <a:ext cx="10972440" cy="1144800"/>
           </a:xfrm>
           <a:prstGeom prst="rect">
             <a:avLst/>
@@ -2241,23 +2257,24 @@
         <p:txBody>
           <a:bodyPr lIns="0" rIns="0" tIns="0" bIns="0" anchor="ctr"/>
           <a:p>
-            <a:endParaRPr b="0" lang="en-US" sz="1800" spc="-1" strike="noStrike">
-              <a:solidFill>
-                <a:srgbClr val="000000"/>
-              </a:solidFill>
-              <a:uFill>
-                <a:solidFill>
-                  <a:srgbClr val="ffffff"/>
-                </a:solidFill>
-              </a:uFill>
-              <a:latin typeface="Trebuchet MS"/>
+            <a:pPr algn="ctr"/>
+            <a:endParaRPr b="0" lang="en-US" sz="4400" spc="-1" strike="noStrike">
+              <a:solidFill>
+                <a:srgbClr val="000000"/>
+              </a:solidFill>
+              <a:uFill>
+                <a:solidFill>
+                  <a:srgbClr val="ffffff"/>
+                </a:solidFill>
+              </a:uFill>
+              <a:latin typeface="Arial"/>
             </a:endParaRPr>
           </a:p>
         </p:txBody>
       </p:sp>
       <p:sp>
         <p:nvSpPr>
-          <p:cNvPr id="30" name="PlaceHolder 2"/>
+          <p:cNvPr id="27" name="PlaceHolder 2"/>
           <p:cNvSpPr>
             <a:spLocks noGrp="1"/>
           </p:cNvSpPr>
@@ -2267,8 +2284,8 @@
         </p:nvSpPr>
         <p:spPr>
           <a:xfrm>
-            <a:off x="677160" y="2160720"/>
-            <a:ext cx="4194720" cy="3880440"/>
+            <a:off x="609480" y="1604520"/>
+            <a:ext cx="5354280" cy="3977280"/>
           </a:xfrm>
           <a:prstGeom prst="rect">
             <a:avLst/>
@@ -2277,23 +2294,23 @@
         <p:txBody>
           <a:bodyPr lIns="0" rIns="0" tIns="0" bIns="0"/>
           <a:p>
-            <a:endParaRPr b="0" lang="en-US" sz="1800" spc="-1" strike="noStrike">
-              <a:solidFill>
-                <a:srgbClr val="404040"/>
-              </a:solidFill>
-              <a:uFill>
-                <a:solidFill>
-                  <a:srgbClr val="ffffff"/>
-                </a:solidFill>
-              </a:uFill>
-              <a:latin typeface="Trebuchet MS"/>
+            <a:endParaRPr b="0" lang="en-US" sz="3200" spc="-1" strike="noStrike">
+              <a:solidFill>
+                <a:srgbClr val="000000"/>
+              </a:solidFill>
+              <a:uFill>
+                <a:solidFill>
+                  <a:srgbClr val="ffffff"/>
+                </a:solidFill>
+              </a:uFill>
+              <a:latin typeface="Arial"/>
             </a:endParaRPr>
           </a:p>
         </p:txBody>
       </p:sp>
       <p:sp>
         <p:nvSpPr>
-          <p:cNvPr id="31" name="PlaceHolder 3"/>
+          <p:cNvPr id="28" name="PlaceHolder 3"/>
           <p:cNvSpPr>
             <a:spLocks noGrp="1"/>
           </p:cNvSpPr>
@@ -2303,8 +2320,8 @@
         </p:nvSpPr>
         <p:spPr>
           <a:xfrm>
-            <a:off x="5082120" y="2160720"/>
-            <a:ext cx="4194720" cy="3880440"/>
+            <a:off x="6231960" y="1604520"/>
+            <a:ext cx="5354280" cy="3977280"/>
           </a:xfrm>
           <a:prstGeom prst="rect">
             <a:avLst/>
@@ -2313,16 +2330,16 @@
         <p:txBody>
           <a:bodyPr lIns="0" rIns="0" tIns="0" bIns="0"/>
           <a:p>
-            <a:endParaRPr b="0" lang="en-US" sz="1800" spc="-1" strike="noStrike">
-              <a:solidFill>
-                <a:srgbClr val="404040"/>
-              </a:solidFill>
-              <a:uFill>
-                <a:solidFill>
-                  <a:srgbClr val="ffffff"/>
-                </a:solidFill>
-              </a:uFill>
-              <a:latin typeface="Trebuchet MS"/>
+            <a:endParaRPr b="0" lang="en-US" sz="3200" spc="-1" strike="noStrike">
+              <a:solidFill>
+                <a:srgbClr val="000000"/>
+              </a:solidFill>
+              <a:uFill>
+                <a:solidFill>
+                  <a:srgbClr val="ffffff"/>
+                </a:solidFill>
+              </a:uFill>
+              <a:latin typeface="Arial"/>
             </a:endParaRPr>
           </a:p>
         </p:txBody>
@@ -2351,7 +2368,7 @@
       </p:grpSpPr>
       <p:sp>
         <p:nvSpPr>
-          <p:cNvPr id="32" name="PlaceHolder 1"/>
+          <p:cNvPr id="29" name="PlaceHolder 1"/>
           <p:cNvSpPr>
             <a:spLocks noGrp="1"/>
           </p:cNvSpPr>
@@ -2361,8 +2378,8 @@
         </p:nvSpPr>
         <p:spPr>
           <a:xfrm>
-            <a:off x="677160" y="609480"/>
-            <a:ext cx="8596440" cy="1320480"/>
+            <a:off x="609480" y="273600"/>
+            <a:ext cx="10972440" cy="1144800"/>
           </a:xfrm>
           <a:prstGeom prst="rect">
             <a:avLst/>
@@ -2371,16 +2388,17 @@
         <p:txBody>
           <a:bodyPr lIns="0" rIns="0" tIns="0" bIns="0" anchor="ctr"/>
           <a:p>
-            <a:endParaRPr b="0" lang="en-US" sz="1800" spc="-1" strike="noStrike">
-              <a:solidFill>
-                <a:srgbClr val="000000"/>
-              </a:solidFill>
-              <a:uFill>
-                <a:solidFill>
-                  <a:srgbClr val="ffffff"/>
-                </a:solidFill>
-              </a:uFill>
-              <a:latin typeface="Trebuchet MS"/>
+            <a:pPr algn="ctr"/>
+            <a:endParaRPr b="0" lang="en-US" sz="4400" spc="-1" strike="noStrike">
+              <a:solidFill>
+                <a:srgbClr val="000000"/>
+              </a:solidFill>
+              <a:uFill>
+                <a:solidFill>
+                  <a:srgbClr val="ffffff"/>
+                </a:solidFill>
+              </a:uFill>
+              <a:latin typeface="Arial"/>
             </a:endParaRPr>
           </a:p>
         </p:txBody>
@@ -2409,7 +2427,7 @@
       </p:grpSpPr>
       <p:sp>
         <p:nvSpPr>
-          <p:cNvPr id="33" name="PlaceHolder 1"/>
+          <p:cNvPr id="30" name="PlaceHolder 1"/>
           <p:cNvSpPr>
             <a:spLocks noGrp="1"/>
           </p:cNvSpPr>
@@ -2419,8 +2437,8 @@
         </p:nvSpPr>
         <p:spPr>
           <a:xfrm>
-            <a:off x="677160" y="609480"/>
-            <a:ext cx="8596440" cy="6122160"/>
+            <a:off x="609480" y="273600"/>
+            <a:ext cx="10972440" cy="5307840"/>
           </a:xfrm>
           <a:prstGeom prst="rect">
             <a:avLst/>
@@ -2468,7 +2486,7 @@
       </p:grpSpPr>
       <p:sp>
         <p:nvSpPr>
-          <p:cNvPr id="34" name="PlaceHolder 1"/>
+          <p:cNvPr id="31" name="PlaceHolder 1"/>
           <p:cNvSpPr>
             <a:spLocks noGrp="1"/>
           </p:cNvSpPr>
@@ -2478,8 +2496,8 @@
         </p:nvSpPr>
         <p:spPr>
           <a:xfrm>
-            <a:off x="677160" y="609480"/>
-            <a:ext cx="8596440" cy="1320480"/>
+            <a:off x="609480" y="273600"/>
+            <a:ext cx="10972440" cy="1144800"/>
           </a:xfrm>
           <a:prstGeom prst="rect">
             <a:avLst/>
@@ -2488,23 +2506,24 @@
         <p:txBody>
           <a:bodyPr lIns="0" rIns="0" tIns="0" bIns="0" anchor="ctr"/>
           <a:p>
-            <a:endParaRPr b="0" lang="en-US" sz="1800" spc="-1" strike="noStrike">
-              <a:solidFill>
-                <a:srgbClr val="000000"/>
-              </a:solidFill>
-              <a:uFill>
-                <a:solidFill>
-                  <a:srgbClr val="ffffff"/>
-                </a:solidFill>
-              </a:uFill>
-              <a:latin typeface="Trebuchet MS"/>
+            <a:pPr algn="ctr"/>
+            <a:endParaRPr b="0" lang="en-US" sz="4400" spc="-1" strike="noStrike">
+              <a:solidFill>
+                <a:srgbClr val="000000"/>
+              </a:solidFill>
+              <a:uFill>
+                <a:solidFill>
+                  <a:srgbClr val="ffffff"/>
+                </a:solidFill>
+              </a:uFill>
+              <a:latin typeface="Arial"/>
             </a:endParaRPr>
           </a:p>
         </p:txBody>
       </p:sp>
       <p:sp>
         <p:nvSpPr>
-          <p:cNvPr id="35" name="PlaceHolder 2"/>
+          <p:cNvPr id="32" name="PlaceHolder 2"/>
           <p:cNvSpPr>
             <a:spLocks noGrp="1"/>
           </p:cNvSpPr>
@@ -2514,8 +2533,8 @@
         </p:nvSpPr>
         <p:spPr>
           <a:xfrm>
-            <a:off x="677160" y="2160720"/>
-            <a:ext cx="4194720" cy="1850760"/>
+            <a:off x="609480" y="1604520"/>
+            <a:ext cx="5354280" cy="1896840"/>
           </a:xfrm>
           <a:prstGeom prst="rect">
             <a:avLst/>
@@ -2524,23 +2543,23 @@
         <p:txBody>
           <a:bodyPr lIns="0" rIns="0" tIns="0" bIns="0"/>
           <a:p>
-            <a:endParaRPr b="0" lang="en-US" sz="1800" spc="-1" strike="noStrike">
-              <a:solidFill>
-                <a:srgbClr val="404040"/>
-              </a:solidFill>
-              <a:uFill>
-                <a:solidFill>
-                  <a:srgbClr val="ffffff"/>
-                </a:solidFill>
-              </a:uFill>
-              <a:latin typeface="Trebuchet MS"/>
+            <a:endParaRPr b="0" lang="en-US" sz="3200" spc="-1" strike="noStrike">
+              <a:solidFill>
+                <a:srgbClr val="000000"/>
+              </a:solidFill>
+              <a:uFill>
+                <a:solidFill>
+                  <a:srgbClr val="ffffff"/>
+                </a:solidFill>
+              </a:uFill>
+              <a:latin typeface="Arial"/>
             </a:endParaRPr>
           </a:p>
         </p:txBody>
       </p:sp>
       <p:sp>
         <p:nvSpPr>
-          <p:cNvPr id="36" name="PlaceHolder 3"/>
+          <p:cNvPr id="33" name="PlaceHolder 3"/>
           <p:cNvSpPr>
             <a:spLocks noGrp="1"/>
           </p:cNvSpPr>
@@ -2550,8 +2569,8 @@
         </p:nvSpPr>
         <p:spPr>
           <a:xfrm>
-            <a:off x="677160" y="4187520"/>
-            <a:ext cx="4194720" cy="1850760"/>
+            <a:off x="609480" y="3682080"/>
+            <a:ext cx="5354280" cy="1896840"/>
           </a:xfrm>
           <a:prstGeom prst="rect">
             <a:avLst/>
@@ -2560,23 +2579,23 @@
         <p:txBody>
           <a:bodyPr lIns="0" rIns="0" tIns="0" bIns="0"/>
           <a:p>
-            <a:endParaRPr b="0" lang="en-US" sz="1800" spc="-1" strike="noStrike">
-              <a:solidFill>
-                <a:srgbClr val="404040"/>
-              </a:solidFill>
-              <a:uFill>
-                <a:solidFill>
-                  <a:srgbClr val="ffffff"/>
-                </a:solidFill>
-              </a:uFill>
-              <a:latin typeface="Trebuchet MS"/>
+            <a:endParaRPr b="0" lang="en-US" sz="3200" spc="-1" strike="noStrike">
+              <a:solidFill>
+                <a:srgbClr val="000000"/>
+              </a:solidFill>
+              <a:uFill>
+                <a:solidFill>
+                  <a:srgbClr val="ffffff"/>
+                </a:solidFill>
+              </a:uFill>
+              <a:latin typeface="Arial"/>
             </a:endParaRPr>
           </a:p>
         </p:txBody>
       </p:sp>
       <p:sp>
         <p:nvSpPr>
-          <p:cNvPr id="37" name="PlaceHolder 4"/>
+          <p:cNvPr id="34" name="PlaceHolder 4"/>
           <p:cNvSpPr>
             <a:spLocks noGrp="1"/>
           </p:cNvSpPr>
@@ -2586,8 +2605,8 @@
         </p:nvSpPr>
         <p:spPr>
           <a:xfrm>
-            <a:off x="5082120" y="2160720"/>
-            <a:ext cx="4194720" cy="3880440"/>
+            <a:off x="6231960" y="1604520"/>
+            <a:ext cx="5354280" cy="3977280"/>
           </a:xfrm>
           <a:prstGeom prst="rect">
             <a:avLst/>
@@ -2596,16 +2615,16 @@
         <p:txBody>
           <a:bodyPr lIns="0" rIns="0" tIns="0" bIns="0"/>
           <a:p>
-            <a:endParaRPr b="0" lang="en-US" sz="1800" spc="-1" strike="noStrike">
-              <a:solidFill>
-                <a:srgbClr val="404040"/>
-              </a:solidFill>
-              <a:uFill>
-                <a:solidFill>
-                  <a:srgbClr val="ffffff"/>
-                </a:solidFill>
-              </a:uFill>
-              <a:latin typeface="Trebuchet MS"/>
+            <a:endParaRPr b="0" lang="en-US" sz="3200" spc="-1" strike="noStrike">
+              <a:solidFill>
+                <a:srgbClr val="000000"/>
+              </a:solidFill>
+              <a:uFill>
+                <a:solidFill>
+                  <a:srgbClr val="ffffff"/>
+                </a:solidFill>
+              </a:uFill>
+              <a:latin typeface="Arial"/>
             </a:endParaRPr>
           </a:p>
         </p:txBody>
@@ -2634,7 +2653,7 @@
       </p:grpSpPr>
       <p:sp>
         <p:nvSpPr>
-          <p:cNvPr id="38" name="PlaceHolder 1"/>
+          <p:cNvPr id="35" name="PlaceHolder 1"/>
           <p:cNvSpPr>
             <a:spLocks noGrp="1"/>
           </p:cNvSpPr>
@@ -2644,8 +2663,8 @@
         </p:nvSpPr>
         <p:spPr>
           <a:xfrm>
-            <a:off x="677160" y="609480"/>
-            <a:ext cx="8596440" cy="1320480"/>
+            <a:off x="609480" y="273600"/>
+            <a:ext cx="10972440" cy="1144800"/>
           </a:xfrm>
           <a:prstGeom prst="rect">
             <a:avLst/>
@@ -2654,23 +2673,24 @@
         <p:txBody>
           <a:bodyPr lIns="0" rIns="0" tIns="0" bIns="0" anchor="ctr"/>
           <a:p>
-            <a:endParaRPr b="0" lang="en-US" sz="1800" spc="-1" strike="noStrike">
-              <a:solidFill>
-                <a:srgbClr val="000000"/>
-              </a:solidFill>
-              <a:uFill>
-                <a:solidFill>
-                  <a:srgbClr val="ffffff"/>
-                </a:solidFill>
-              </a:uFill>
-              <a:latin typeface="Trebuchet MS"/>
+            <a:pPr algn="ctr"/>
+            <a:endParaRPr b="0" lang="en-US" sz="4400" spc="-1" strike="noStrike">
+              <a:solidFill>
+                <a:srgbClr val="000000"/>
+              </a:solidFill>
+              <a:uFill>
+                <a:solidFill>
+                  <a:srgbClr val="ffffff"/>
+                </a:solidFill>
+              </a:uFill>
+              <a:latin typeface="Arial"/>
             </a:endParaRPr>
           </a:p>
         </p:txBody>
       </p:sp>
       <p:sp>
         <p:nvSpPr>
-          <p:cNvPr id="39" name="PlaceHolder 2"/>
+          <p:cNvPr id="36" name="PlaceHolder 2"/>
           <p:cNvSpPr>
             <a:spLocks noGrp="1"/>
           </p:cNvSpPr>
@@ -2680,8 +2700,8 @@
         </p:nvSpPr>
         <p:spPr>
           <a:xfrm>
-            <a:off x="677160" y="2160720"/>
-            <a:ext cx="4194720" cy="3880440"/>
+            <a:off x="609480" y="1604520"/>
+            <a:ext cx="5354280" cy="3977280"/>
           </a:xfrm>
           <a:prstGeom prst="rect">
             <a:avLst/>
@@ -2690,23 +2710,23 @@
         <p:txBody>
           <a:bodyPr lIns="0" rIns="0" tIns="0" bIns="0"/>
           <a:p>
-            <a:endParaRPr b="0" lang="en-US" sz="1800" spc="-1" strike="noStrike">
-              <a:solidFill>
-                <a:srgbClr val="404040"/>
-              </a:solidFill>
-              <a:uFill>
-                <a:solidFill>
-                  <a:srgbClr val="ffffff"/>
-                </a:solidFill>
-              </a:uFill>
-              <a:latin typeface="Trebuchet MS"/>
+            <a:endParaRPr b="0" lang="en-US" sz="3200" spc="-1" strike="noStrike">
+              <a:solidFill>
+                <a:srgbClr val="000000"/>
+              </a:solidFill>
+              <a:uFill>
+                <a:solidFill>
+                  <a:srgbClr val="ffffff"/>
+                </a:solidFill>
+              </a:uFill>
+              <a:latin typeface="Arial"/>
             </a:endParaRPr>
           </a:p>
         </p:txBody>
       </p:sp>
       <p:sp>
         <p:nvSpPr>
-          <p:cNvPr id="40" name="PlaceHolder 3"/>
+          <p:cNvPr id="37" name="PlaceHolder 3"/>
           <p:cNvSpPr>
             <a:spLocks noGrp="1"/>
           </p:cNvSpPr>
@@ -2716,8 +2736,8 @@
         </p:nvSpPr>
         <p:spPr>
           <a:xfrm>
-            <a:off x="5082120" y="2160720"/>
-            <a:ext cx="4194720" cy="1850760"/>
+            <a:off x="6231960" y="1604520"/>
+            <a:ext cx="5354280" cy="1896840"/>
           </a:xfrm>
           <a:prstGeom prst="rect">
             <a:avLst/>
@@ -2726,23 +2746,23 @@
         <p:txBody>
           <a:bodyPr lIns="0" rIns="0" tIns="0" bIns="0"/>
           <a:p>
-            <a:endParaRPr b="0" lang="en-US" sz="1800" spc="-1" strike="noStrike">
-              <a:solidFill>
-                <a:srgbClr val="404040"/>
-              </a:solidFill>
-              <a:uFill>
-                <a:solidFill>
-                  <a:srgbClr val="ffffff"/>
-                </a:solidFill>
-              </a:uFill>
-              <a:latin typeface="Trebuchet MS"/>
+            <a:endParaRPr b="0" lang="en-US" sz="3200" spc="-1" strike="noStrike">
+              <a:solidFill>
+                <a:srgbClr val="000000"/>
+              </a:solidFill>
+              <a:uFill>
+                <a:solidFill>
+                  <a:srgbClr val="ffffff"/>
+                </a:solidFill>
+              </a:uFill>
+              <a:latin typeface="Arial"/>
             </a:endParaRPr>
           </a:p>
         </p:txBody>
       </p:sp>
       <p:sp>
         <p:nvSpPr>
-          <p:cNvPr id="41" name="PlaceHolder 4"/>
+          <p:cNvPr id="38" name="PlaceHolder 4"/>
           <p:cNvSpPr>
             <a:spLocks noGrp="1"/>
           </p:cNvSpPr>
@@ -2752,8 +2772,8 @@
         </p:nvSpPr>
         <p:spPr>
           <a:xfrm>
-            <a:off x="5082120" y="4187520"/>
-            <a:ext cx="4194720" cy="1850760"/>
+            <a:off x="6231960" y="3682080"/>
+            <a:ext cx="5354280" cy="1896840"/>
           </a:xfrm>
           <a:prstGeom prst="rect">
             <a:avLst/>
@@ -2762,16 +2782,16 @@
         <p:txBody>
           <a:bodyPr lIns="0" rIns="0" tIns="0" bIns="0"/>
           <a:p>
-            <a:endParaRPr b="0" lang="en-US" sz="1800" spc="-1" strike="noStrike">
-              <a:solidFill>
-                <a:srgbClr val="404040"/>
-              </a:solidFill>
-              <a:uFill>
-                <a:solidFill>
-                  <a:srgbClr val="ffffff"/>
-                </a:solidFill>
-              </a:uFill>
-              <a:latin typeface="Trebuchet MS"/>
+            <a:endParaRPr b="0" lang="en-US" sz="3200" spc="-1" strike="noStrike">
+              <a:solidFill>
+                <a:srgbClr val="000000"/>
+              </a:solidFill>
+              <a:uFill>
+                <a:solidFill>
+                  <a:srgbClr val="ffffff"/>
+                </a:solidFill>
+              </a:uFill>
+              <a:latin typeface="Arial"/>
             </a:endParaRPr>
           </a:p>
         </p:txBody>
@@ -2800,7 +2820,7 @@
       </p:grpSpPr>
       <p:sp>
         <p:nvSpPr>
-          <p:cNvPr id="42" name="PlaceHolder 1"/>
+          <p:cNvPr id="39" name="PlaceHolder 1"/>
           <p:cNvSpPr>
             <a:spLocks noGrp="1"/>
           </p:cNvSpPr>
@@ -2810,8 +2830,8 @@
         </p:nvSpPr>
         <p:spPr>
           <a:xfrm>
-            <a:off x="677160" y="609480"/>
-            <a:ext cx="8596440" cy="1320480"/>
+            <a:off x="609480" y="273600"/>
+            <a:ext cx="10972440" cy="1144800"/>
           </a:xfrm>
           <a:prstGeom prst="rect">
             <a:avLst/>
@@ -2820,23 +2840,24 @@
         <p:txBody>
           <a:bodyPr lIns="0" rIns="0" tIns="0" bIns="0" anchor="ctr"/>
           <a:p>
-            <a:endParaRPr b="0" lang="en-US" sz="1800" spc="-1" strike="noStrike">
-              <a:solidFill>
-                <a:srgbClr val="000000"/>
-              </a:solidFill>
-              <a:uFill>
-                <a:solidFill>
-                  <a:srgbClr val="ffffff"/>
-                </a:solidFill>
-              </a:uFill>
-              <a:latin typeface="Trebuchet MS"/>
+            <a:pPr algn="ctr"/>
+            <a:endParaRPr b="0" lang="en-US" sz="4400" spc="-1" strike="noStrike">
+              <a:solidFill>
+                <a:srgbClr val="000000"/>
+              </a:solidFill>
+              <a:uFill>
+                <a:solidFill>
+                  <a:srgbClr val="ffffff"/>
+                </a:solidFill>
+              </a:uFill>
+              <a:latin typeface="Arial"/>
             </a:endParaRPr>
           </a:p>
         </p:txBody>
       </p:sp>
       <p:sp>
         <p:nvSpPr>
-          <p:cNvPr id="43" name="PlaceHolder 2"/>
+          <p:cNvPr id="40" name="PlaceHolder 2"/>
           <p:cNvSpPr>
             <a:spLocks noGrp="1"/>
           </p:cNvSpPr>
@@ -2846,8 +2867,8 @@
         </p:nvSpPr>
         <p:spPr>
           <a:xfrm>
-            <a:off x="677160" y="2160720"/>
-            <a:ext cx="4194720" cy="1850760"/>
+            <a:off x="609480" y="1604520"/>
+            <a:ext cx="5354280" cy="1896840"/>
           </a:xfrm>
           <a:prstGeom prst="rect">
             <a:avLst/>
@@ -2856,23 +2877,23 @@
         <p:txBody>
           <a:bodyPr lIns="0" rIns="0" tIns="0" bIns="0"/>
           <a:p>
-            <a:endParaRPr b="0" lang="en-US" sz="1800" spc="-1" strike="noStrike">
-              <a:solidFill>
-                <a:srgbClr val="404040"/>
-              </a:solidFill>
-              <a:uFill>
-                <a:solidFill>
-                  <a:srgbClr val="ffffff"/>
-                </a:solidFill>
-              </a:uFill>
-              <a:latin typeface="Trebuchet MS"/>
+            <a:endParaRPr b="0" lang="en-US" sz="3200" spc="-1" strike="noStrike">
+              <a:solidFill>
+                <a:srgbClr val="000000"/>
+              </a:solidFill>
+              <a:uFill>
+                <a:solidFill>
+                  <a:srgbClr val="ffffff"/>
+                </a:solidFill>
+              </a:uFill>
+              <a:latin typeface="Arial"/>
             </a:endParaRPr>
           </a:p>
         </p:txBody>
       </p:sp>
       <p:sp>
         <p:nvSpPr>
-          <p:cNvPr id="44" name="PlaceHolder 3"/>
+          <p:cNvPr id="41" name="PlaceHolder 3"/>
           <p:cNvSpPr>
             <a:spLocks noGrp="1"/>
           </p:cNvSpPr>
@@ -2882,8 +2903,8 @@
         </p:nvSpPr>
         <p:spPr>
           <a:xfrm>
-            <a:off x="5082120" y="2160720"/>
-            <a:ext cx="4194720" cy="1850760"/>
+            <a:off x="6231960" y="1604520"/>
+            <a:ext cx="5354280" cy="1896840"/>
           </a:xfrm>
           <a:prstGeom prst="rect">
             <a:avLst/>
@@ -2892,23 +2913,23 @@
         <p:txBody>
           <a:bodyPr lIns="0" rIns="0" tIns="0" bIns="0"/>
           <a:p>
-            <a:endParaRPr b="0" lang="en-US" sz="1800" spc="-1" strike="noStrike">
-              <a:solidFill>
-                <a:srgbClr val="404040"/>
-              </a:solidFill>
-              <a:uFill>
-                <a:solidFill>
-                  <a:srgbClr val="ffffff"/>
-                </a:solidFill>
-              </a:uFill>
-              <a:latin typeface="Trebuchet MS"/>
+            <a:endParaRPr b="0" lang="en-US" sz="3200" spc="-1" strike="noStrike">
+              <a:solidFill>
+                <a:srgbClr val="000000"/>
+              </a:solidFill>
+              <a:uFill>
+                <a:solidFill>
+                  <a:srgbClr val="ffffff"/>
+                </a:solidFill>
+              </a:uFill>
+              <a:latin typeface="Arial"/>
             </a:endParaRPr>
           </a:p>
         </p:txBody>
       </p:sp>
       <p:sp>
         <p:nvSpPr>
-          <p:cNvPr id="45" name="PlaceHolder 4"/>
+          <p:cNvPr id="42" name="PlaceHolder 4"/>
           <p:cNvSpPr>
             <a:spLocks noGrp="1"/>
           </p:cNvSpPr>
@@ -2918,8 +2939,8 @@
         </p:nvSpPr>
         <p:spPr>
           <a:xfrm>
-            <a:off x="677160" y="4187520"/>
-            <a:ext cx="8596440" cy="1850760"/>
+            <a:off x="609480" y="3682080"/>
+            <a:ext cx="10972440" cy="1896840"/>
           </a:xfrm>
           <a:prstGeom prst="rect">
             <a:avLst/>
@@ -2928,16 +2949,16 @@
         <p:txBody>
           <a:bodyPr lIns="0" rIns="0" tIns="0" bIns="0"/>
           <a:p>
-            <a:endParaRPr b="0" lang="en-US" sz="1800" spc="-1" strike="noStrike">
-              <a:solidFill>
-                <a:srgbClr val="404040"/>
-              </a:solidFill>
-              <a:uFill>
-                <a:solidFill>
-                  <a:srgbClr val="ffffff"/>
-                </a:solidFill>
-              </a:uFill>
-              <a:latin typeface="Trebuchet MS"/>
+            <a:endParaRPr b="0" lang="en-US" sz="3200" spc="-1" strike="noStrike">
+              <a:solidFill>
+                <a:srgbClr val="000000"/>
+              </a:solidFill>
+              <a:uFill>
+                <a:solidFill>
+                  <a:srgbClr val="ffffff"/>
+                </a:solidFill>
+              </a:uFill>
+              <a:latin typeface="Arial"/>
             </a:endParaRPr>
           </a:p>
         </p:txBody>
@@ -3052,7 +3073,7 @@
         <p:spPr>
           <a:xfrm>
             <a:off x="9181440" y="-8640"/>
-            <a:ext cx="3007080" cy="6866280"/>
+            <a:ext cx="3006720" cy="6865920"/>
           </a:xfrm>
           <a:custGeom>
             <a:avLst/>
@@ -3118,7 +3139,7 @@
         <p:spPr>
           <a:xfrm>
             <a:off x="9603360" y="-8640"/>
-            <a:ext cx="2588040" cy="6866280"/>
+            <a:ext cx="2587680" cy="6865920"/>
           </a:xfrm>
           <a:custGeom>
             <a:avLst/>
@@ -3184,7 +3205,7 @@
         <p:spPr>
           <a:xfrm>
             <a:off x="8932320" y="3048120"/>
-            <a:ext cx="3259440" cy="3809520"/>
+            <a:ext cx="3259080" cy="3809160"/>
           </a:xfrm>
           <a:prstGeom prst="triangle">
             <a:avLst>
@@ -3229,7 +3250,7 @@
         <p:spPr>
           <a:xfrm>
             <a:off x="9334440" y="-8640"/>
-            <a:ext cx="2854080" cy="6866280"/>
+            <a:ext cx="2853720" cy="6865920"/>
           </a:xfrm>
           <a:custGeom>
             <a:avLst/>
@@ -3296,7 +3317,7 @@
         <p:spPr>
           <a:xfrm>
             <a:off x="10898640" y="-8640"/>
-            <a:ext cx="1289880" cy="6866280"/>
+            <a:ext cx="1289520" cy="6865920"/>
           </a:xfrm>
           <a:custGeom>
             <a:avLst/>
@@ -3364,7 +3385,7 @@
         <p:spPr>
           <a:xfrm>
             <a:off x="10938960" y="-8640"/>
-            <a:ext cx="1249560" cy="6866280"/>
+            <a:ext cx="1249200" cy="6865920"/>
           </a:xfrm>
           <a:custGeom>
             <a:avLst/>
@@ -3430,7 +3451,7 @@
         <p:spPr>
           <a:xfrm>
             <a:off x="10371600" y="3589920"/>
-            <a:ext cx="1816920" cy="3267720"/>
+            <a:ext cx="1816560" cy="3267360"/>
           </a:xfrm>
           <a:prstGeom prst="triangle">
             <a:avLst>
@@ -3475,7 +3496,7 @@
         <p:spPr>
           <a:xfrm>
             <a:off x="0" y="4013280"/>
-            <a:ext cx="448200" cy="2844360"/>
+            <a:ext cx="447840" cy="2844000"/>
           </a:xfrm>
           <a:prstGeom prst="triangle">
             <a:avLst>
@@ -3592,7 +3613,7 @@
         <p:spPr>
           <a:xfrm>
             <a:off x="9181440" y="-8640"/>
-            <a:ext cx="3007080" cy="6866280"/>
+            <a:ext cx="3006720" cy="6865920"/>
           </a:xfrm>
           <a:custGeom>
             <a:avLst/>
@@ -3658,7 +3679,7 @@
         <p:spPr>
           <a:xfrm>
             <a:off x="9603360" y="-8640"/>
-            <a:ext cx="2588040" cy="6866280"/>
+            <a:ext cx="2587680" cy="6865920"/>
           </a:xfrm>
           <a:custGeom>
             <a:avLst/>
@@ -3724,7 +3745,7 @@
         <p:spPr>
           <a:xfrm>
             <a:off x="8932320" y="3048120"/>
-            <a:ext cx="3259440" cy="3809520"/>
+            <a:ext cx="3259080" cy="3809160"/>
           </a:xfrm>
           <a:prstGeom prst="triangle">
             <a:avLst>
@@ -3769,7 +3790,7 @@
         <p:spPr>
           <a:xfrm>
             <a:off x="9334440" y="-8640"/>
-            <a:ext cx="2854080" cy="6866280"/>
+            <a:ext cx="2853720" cy="6865920"/>
           </a:xfrm>
           <a:custGeom>
             <a:avLst/>
@@ -3836,7 +3857,7 @@
         <p:spPr>
           <a:xfrm>
             <a:off x="10898640" y="-8640"/>
-            <a:ext cx="1289880" cy="6866280"/>
+            <a:ext cx="1289520" cy="6865920"/>
           </a:xfrm>
           <a:custGeom>
             <a:avLst/>
@@ -3904,7 +3925,7 @@
         <p:spPr>
           <a:xfrm>
             <a:off x="10938960" y="-8640"/>
-            <a:ext cx="1249560" cy="6866280"/>
+            <a:ext cx="1249200" cy="6865920"/>
           </a:xfrm>
           <a:custGeom>
             <a:avLst/>
@@ -3970,7 +3991,7 @@
         <p:spPr>
           <a:xfrm>
             <a:off x="10371600" y="3589920"/>
-            <a:ext cx="1816920" cy="3267720"/>
+            <a:ext cx="1816560" cy="3267360"/>
           </a:xfrm>
           <a:prstGeom prst="triangle">
             <a:avLst>
@@ -4014,8 +4035,8 @@
         </p:nvSpPr>
         <p:spPr>
           <a:xfrm rot="10800000">
-            <a:off x="842760" y="5666040"/>
-            <a:ext cx="842400" cy="5665680"/>
+            <a:off x="1685160" y="11331720"/>
+            <a:ext cx="842040" cy="5665320"/>
           </a:xfrm>
           <a:prstGeom prst="triangle">
             <a:avLst>
@@ -4063,45 +4084,27 @@
         </p:nvSpPr>
         <p:spPr>
           <a:xfrm>
-            <a:off x="1506960" y="2404440"/>
-            <a:ext cx="7766640" cy="1645920"/>
+            <a:off x="677160" y="609480"/>
+            <a:ext cx="8596080" cy="1320120"/>
           </a:xfrm>
           <a:prstGeom prst="rect">
             <a:avLst/>
           </a:prstGeom>
         </p:spPr>
         <p:txBody>
-          <a:bodyPr anchor="b"/>
-          <a:p>
-            <a:pPr algn="r">
-              <a:lnSpc>
-                <a:spcPct val="100000"/>
-              </a:lnSpc>
-            </a:pPr>
-            <a:r>
-              <a:rPr b="0" lang="en-US" sz="5400" spc="-1" strike="noStrike">
-                <a:solidFill>
-                  <a:srgbClr val="90c226"/>
-                </a:solidFill>
-                <a:uFill>
-                  <a:solidFill>
-                    <a:srgbClr val="ffffff"/>
-                  </a:solidFill>
-                </a:uFill>
-                <a:latin typeface="Trebuchet MS"/>
-              </a:rPr>
-              <a:t>Click to edit Master title style</a:t>
-            </a:r>
-            <a:endParaRPr b="0" lang="en-US" sz="1800" spc="-1" strike="noStrike">
-              <a:solidFill>
-                <a:srgbClr val="000000"/>
-              </a:solidFill>
-              <a:uFill>
-                <a:solidFill>
-                  <a:srgbClr val="ffffff"/>
-                </a:solidFill>
-              </a:uFill>
-              <a:latin typeface="Trebuchet MS"/>
+          <a:bodyPr lIns="0" rIns="0" tIns="0" bIns="0" anchor="ctr"/>
+          <a:p>
+            <a:pPr algn="ctr"/>
+            <a:endParaRPr b="0" lang="en-US" sz="4400" spc="-1" strike="noStrike">
+              <a:solidFill>
+                <a:srgbClr val="000000"/>
+              </a:solidFill>
+              <a:uFill>
+                <a:solidFill>
+                  <a:srgbClr val="ffffff"/>
+                </a:solidFill>
+              </a:uFill>
+              <a:latin typeface="Arial"/>
             </a:endParaRPr>
           </a:p>
         </p:txBody>
@@ -4109,152 +4112,6 @@
       <p:sp>
         <p:nvSpPr>
           <p:cNvPr id="21" name="PlaceHolder 22"/>
-          <p:cNvSpPr>
-            <a:spLocks noGrp="1"/>
-          </p:cNvSpPr>
-          <p:nvPr>
-            <p:ph type="dt"/>
-          </p:nvPr>
-        </p:nvSpPr>
-        <p:spPr>
-          <a:xfrm>
-            <a:off x="7205040" y="6041520"/>
-            <a:ext cx="911520" cy="364680"/>
-          </a:xfrm>
-          <a:prstGeom prst="rect">
-            <a:avLst/>
-          </a:prstGeom>
-        </p:spPr>
-        <p:txBody>
-          <a:bodyPr anchor="ctr"/>
-          <a:p>
-            <a:pPr algn="r">
-              <a:lnSpc>
-                <a:spcPct val="100000"/>
-              </a:lnSpc>
-            </a:pPr>
-            <a:fld id="{46B3D5E8-F517-487D-AA68-695806153E62}" type="datetime">
-              <a:rPr b="0" lang="en-US" sz="900" spc="-1" strike="noStrike">
-                <a:solidFill>
-                  <a:srgbClr val="8b8b8b"/>
-                </a:solidFill>
-                <a:uFill>
-                  <a:solidFill>
-                    <a:srgbClr val="ffffff"/>
-                  </a:solidFill>
-                </a:uFill>
-                <a:latin typeface="Trebuchet MS"/>
-              </a:rPr>
-              <a:t>4/25/17</a:t>
-            </a:fld>
-            <a:endParaRPr b="0" lang="en-US" sz="1400" spc="-1" strike="noStrike">
-              <a:solidFill>
-                <a:srgbClr val="000000"/>
-              </a:solidFill>
-              <a:uFill>
-                <a:solidFill>
-                  <a:srgbClr val="ffffff"/>
-                </a:solidFill>
-              </a:uFill>
-              <a:latin typeface="Times New Roman"/>
-            </a:endParaRPr>
-          </a:p>
-        </p:txBody>
-      </p:sp>
-      <p:sp>
-        <p:nvSpPr>
-          <p:cNvPr id="22" name="PlaceHolder 23"/>
-          <p:cNvSpPr>
-            <a:spLocks noGrp="1"/>
-          </p:cNvSpPr>
-          <p:nvPr>
-            <p:ph type="ftr"/>
-          </p:nvPr>
-        </p:nvSpPr>
-        <p:spPr>
-          <a:xfrm>
-            <a:off x="677160" y="6041520"/>
-            <a:ext cx="6297120" cy="364680"/>
-          </a:xfrm>
-          <a:prstGeom prst="rect">
-            <a:avLst/>
-          </a:prstGeom>
-        </p:spPr>
-        <p:txBody>
-          <a:bodyPr anchor="ctr"/>
-          <a:p>
-            <a:endParaRPr b="0" lang="en-US" sz="2400" spc="-1" strike="noStrike">
-              <a:solidFill>
-                <a:srgbClr val="000000"/>
-              </a:solidFill>
-              <a:uFill>
-                <a:solidFill>
-                  <a:srgbClr val="ffffff"/>
-                </a:solidFill>
-              </a:uFill>
-              <a:latin typeface="Times New Roman"/>
-            </a:endParaRPr>
-          </a:p>
-        </p:txBody>
-      </p:sp>
-      <p:sp>
-        <p:nvSpPr>
-          <p:cNvPr id="23" name="PlaceHolder 24"/>
-          <p:cNvSpPr>
-            <a:spLocks noGrp="1"/>
-          </p:cNvSpPr>
-          <p:nvPr>
-            <p:ph type="sldNum"/>
-          </p:nvPr>
-        </p:nvSpPr>
-        <p:spPr>
-          <a:xfrm>
-            <a:off x="8590680" y="6041520"/>
-            <a:ext cx="682920" cy="364680"/>
-          </a:xfrm>
-          <a:prstGeom prst="rect">
-            <a:avLst/>
-          </a:prstGeom>
-        </p:spPr>
-        <p:txBody>
-          <a:bodyPr anchor="ctr"/>
-          <a:p>
-            <a:pPr algn="r">
-              <a:lnSpc>
-                <a:spcPct val="100000"/>
-              </a:lnSpc>
-            </a:pPr>
-            <a:fld id="{B7B5CEA7-B4DC-4A6D-9AC9-FFF5D2A21522}" type="slidenum">
-              <a:rPr b="0" lang="en-US" sz="900" spc="-1" strike="noStrike">
-                <a:solidFill>
-                  <a:srgbClr val="90c226"/>
-                </a:solidFill>
-                <a:uFill>
-                  <a:solidFill>
-                    <a:srgbClr val="ffffff"/>
-                  </a:solidFill>
-                </a:uFill>
-                <a:latin typeface="Trebuchet MS"/>
-              </a:rPr>
-              <a:t>&lt;number&gt;</a:t>
-            </a:fld>
-            <a:endParaRPr b="0" lang="en-US" sz="1400" spc="-1" strike="noStrike">
-              <a:solidFill>
-                <a:srgbClr val="000000"/>
-              </a:solidFill>
-              <a:uFill>
-                <a:solidFill>
-                  <a:srgbClr val="ffffff"/>
-                </a:solidFill>
-              </a:uFill>
-              <a:latin typeface="Times New Roman"/>
-            </a:endParaRPr>
-          </a:p>
-        </p:txBody>
-      </p:sp>
-      <p:sp>
-        <p:nvSpPr>
-          <p:cNvPr id="24" name="PlaceHolder 25"/>
           <p:cNvSpPr>
             <a:spLocks noGrp="1"/>
           </p:cNvSpPr>
@@ -4283,29 +4140,29 @@
               <a:buChar char=""/>
             </a:pPr>
             <a:r>
-              <a:rPr b="0" lang="en-US" sz="1800" spc="-1" strike="noStrike">
-                <a:solidFill>
-                  <a:srgbClr val="404040"/>
+              <a:rPr b="0" lang="en-US" sz="3200" spc="-1" strike="noStrike">
+                <a:solidFill>
+                  <a:srgbClr val="000000"/>
                 </a:solidFill>
                 <a:uFill>
                   <a:solidFill>
                     <a:srgbClr val="ffffff"/>
                   </a:solidFill>
                 </a:uFill>
-                <a:latin typeface="Trebuchet MS"/>
+                <a:latin typeface="Arial"/>
               </a:rPr>
               <a:t>Click to edit the outline text format</a:t>
             </a:r>
-            <a:endParaRPr b="0" lang="en-US" sz="1800" spc="-1" strike="noStrike">
-              <a:solidFill>
-                <a:srgbClr val="404040"/>
-              </a:solidFill>
-              <a:uFill>
-                <a:solidFill>
-                  <a:srgbClr val="ffffff"/>
-                </a:solidFill>
-              </a:uFill>
-              <a:latin typeface="Trebuchet MS"/>
+            <a:endParaRPr b="0" lang="en-US" sz="3200" spc="-1" strike="noStrike">
+              <a:solidFill>
+                <a:srgbClr val="000000"/>
+              </a:solidFill>
+              <a:uFill>
+                <a:solidFill>
+                  <a:srgbClr val="ffffff"/>
+                </a:solidFill>
+              </a:uFill>
+              <a:latin typeface="Arial"/>
             </a:endParaRPr>
           </a:p>
           <a:p>
@@ -4318,29 +4175,29 @@
               <a:buChar char=""/>
             </a:pPr>
             <a:r>
-              <a:rPr b="0" lang="en-US" sz="1400" spc="-1" strike="noStrike">
-                <a:solidFill>
-                  <a:srgbClr val="404040"/>
+              <a:rPr b="0" lang="en-US" sz="2800" spc="-1" strike="noStrike">
+                <a:solidFill>
+                  <a:srgbClr val="000000"/>
                 </a:solidFill>
                 <a:uFill>
                   <a:solidFill>
                     <a:srgbClr val="ffffff"/>
                   </a:solidFill>
                 </a:uFill>
-                <a:latin typeface="Trebuchet MS"/>
+                <a:latin typeface="Arial"/>
               </a:rPr>
               <a:t>Second Outline Level</a:t>
             </a:r>
-            <a:endParaRPr b="0" lang="en-US" sz="1400" spc="-1" strike="noStrike">
-              <a:solidFill>
-                <a:srgbClr val="404040"/>
-              </a:solidFill>
-              <a:uFill>
-                <a:solidFill>
-                  <a:srgbClr val="ffffff"/>
-                </a:solidFill>
-              </a:uFill>
-              <a:latin typeface="Trebuchet MS"/>
+            <a:endParaRPr b="0" lang="en-US" sz="2800" spc="-1" strike="noStrike">
+              <a:solidFill>
+                <a:srgbClr val="000000"/>
+              </a:solidFill>
+              <a:uFill>
+                <a:solidFill>
+                  <a:srgbClr val="ffffff"/>
+                </a:solidFill>
+              </a:uFill>
+              <a:latin typeface="Arial"/>
             </a:endParaRPr>
           </a:p>
           <a:p>
@@ -4353,29 +4210,29 @@
               <a:buChar char=""/>
             </a:pPr>
             <a:r>
-              <a:rPr b="0" lang="en-US" sz="1200" spc="-1" strike="noStrike">
-                <a:solidFill>
-                  <a:srgbClr val="404040"/>
+              <a:rPr b="0" lang="en-US" sz="2400" spc="-1" strike="noStrike">
+                <a:solidFill>
+                  <a:srgbClr val="000000"/>
                 </a:solidFill>
                 <a:uFill>
                   <a:solidFill>
                     <a:srgbClr val="ffffff"/>
                   </a:solidFill>
                 </a:uFill>
-                <a:latin typeface="Trebuchet MS"/>
+                <a:latin typeface="Arial"/>
               </a:rPr>
               <a:t>Third Outline Level</a:t>
             </a:r>
-            <a:endParaRPr b="0" lang="en-US" sz="1200" spc="-1" strike="noStrike">
-              <a:solidFill>
-                <a:srgbClr val="404040"/>
-              </a:solidFill>
-              <a:uFill>
-                <a:solidFill>
-                  <a:srgbClr val="ffffff"/>
-                </a:solidFill>
-              </a:uFill>
-              <a:latin typeface="Trebuchet MS"/>
+            <a:endParaRPr b="0" lang="en-US" sz="2400" spc="-1" strike="noStrike">
+              <a:solidFill>
+                <a:srgbClr val="000000"/>
+              </a:solidFill>
+              <a:uFill>
+                <a:solidFill>
+                  <a:srgbClr val="ffffff"/>
+                </a:solidFill>
+              </a:uFill>
+              <a:latin typeface="Arial"/>
             </a:endParaRPr>
           </a:p>
           <a:p>
@@ -4388,29 +4245,29 @@
               <a:buChar char=""/>
             </a:pPr>
             <a:r>
-              <a:rPr b="0" lang="en-US" sz="1200" spc="-1" strike="noStrike">
-                <a:solidFill>
-                  <a:srgbClr val="404040"/>
+              <a:rPr b="0" lang="en-US" sz="2000" spc="-1" strike="noStrike">
+                <a:solidFill>
+                  <a:srgbClr val="000000"/>
                 </a:solidFill>
                 <a:uFill>
                   <a:solidFill>
                     <a:srgbClr val="ffffff"/>
                   </a:solidFill>
                 </a:uFill>
-                <a:latin typeface="Trebuchet MS"/>
+                <a:latin typeface="Arial"/>
               </a:rPr>
               <a:t>Fourth Outline Level</a:t>
             </a:r>
-            <a:endParaRPr b="0" lang="en-US" sz="1200" spc="-1" strike="noStrike">
-              <a:solidFill>
-                <a:srgbClr val="404040"/>
-              </a:solidFill>
-              <a:uFill>
-                <a:solidFill>
-                  <a:srgbClr val="ffffff"/>
-                </a:solidFill>
-              </a:uFill>
-              <a:latin typeface="Trebuchet MS"/>
+            <a:endParaRPr b="0" lang="en-US" sz="2000" spc="-1" strike="noStrike">
+              <a:solidFill>
+                <a:srgbClr val="000000"/>
+              </a:solidFill>
+              <a:uFill>
+                <a:solidFill>
+                  <a:srgbClr val="ffffff"/>
+                </a:solidFill>
+              </a:uFill>
+              <a:latin typeface="Arial"/>
             </a:endParaRPr>
           </a:p>
           <a:p>
@@ -4425,27 +4282,27 @@
             <a:r>
               <a:rPr b="0" lang="en-US" sz="2000" spc="-1" strike="noStrike">
                 <a:solidFill>
-                  <a:srgbClr val="404040"/>
+                  <a:srgbClr val="000000"/>
                 </a:solidFill>
                 <a:uFill>
                   <a:solidFill>
                     <a:srgbClr val="ffffff"/>
                   </a:solidFill>
                 </a:uFill>
-                <a:latin typeface="Trebuchet MS"/>
+                <a:latin typeface="Arial"/>
               </a:rPr>
               <a:t>Fifth Outline Level</a:t>
             </a:r>
             <a:endParaRPr b="0" lang="en-US" sz="2000" spc="-1" strike="noStrike">
               <a:solidFill>
-                <a:srgbClr val="404040"/>
-              </a:solidFill>
-              <a:uFill>
-                <a:solidFill>
-                  <a:srgbClr val="ffffff"/>
-                </a:solidFill>
-              </a:uFill>
-              <a:latin typeface="Trebuchet MS"/>
+                <a:srgbClr val="000000"/>
+              </a:solidFill>
+              <a:uFill>
+                <a:solidFill>
+                  <a:srgbClr val="ffffff"/>
+                </a:solidFill>
+              </a:uFill>
+              <a:latin typeface="Arial"/>
             </a:endParaRPr>
           </a:p>
           <a:p>
@@ -4460,27 +4317,27 @@
             <a:r>
               <a:rPr b="0" lang="en-US" sz="2000" spc="-1" strike="noStrike">
                 <a:solidFill>
-                  <a:srgbClr val="404040"/>
+                  <a:srgbClr val="000000"/>
                 </a:solidFill>
                 <a:uFill>
                   <a:solidFill>
                     <a:srgbClr val="ffffff"/>
                   </a:solidFill>
                 </a:uFill>
-                <a:latin typeface="Trebuchet MS"/>
+                <a:latin typeface="Arial"/>
               </a:rPr>
               <a:t>Sixth Outline Level</a:t>
             </a:r>
             <a:endParaRPr b="0" lang="en-US" sz="2000" spc="-1" strike="noStrike">
               <a:solidFill>
-                <a:srgbClr val="404040"/>
-              </a:solidFill>
-              <a:uFill>
-                <a:solidFill>
-                  <a:srgbClr val="ffffff"/>
-                </a:solidFill>
-              </a:uFill>
-              <a:latin typeface="Trebuchet MS"/>
+                <a:srgbClr val="000000"/>
+              </a:solidFill>
+              <a:uFill>
+                <a:solidFill>
+                  <a:srgbClr val="ffffff"/>
+                </a:solidFill>
+              </a:uFill>
+              <a:latin typeface="Arial"/>
             </a:endParaRPr>
           </a:p>
           <a:p>
@@ -4495,27 +4352,27 @@
             <a:r>
               <a:rPr b="0" lang="en-US" sz="2000" spc="-1" strike="noStrike">
                 <a:solidFill>
-                  <a:srgbClr val="404040"/>
+                  <a:srgbClr val="000000"/>
                 </a:solidFill>
                 <a:uFill>
                   <a:solidFill>
                     <a:srgbClr val="ffffff"/>
                   </a:solidFill>
                 </a:uFill>
-                <a:latin typeface="Trebuchet MS"/>
+                <a:latin typeface="Arial"/>
               </a:rPr>
               <a:t>Seventh Outline Level</a:t>
             </a:r>
             <a:endParaRPr b="0" lang="en-US" sz="2000" spc="-1" strike="noStrike">
               <a:solidFill>
-                <a:srgbClr val="404040"/>
-              </a:solidFill>
-              <a:uFill>
-                <a:solidFill>
-                  <a:srgbClr val="ffffff"/>
-                </a:solidFill>
-              </a:uFill>
-              <a:latin typeface="Trebuchet MS"/>
+                <a:srgbClr val="000000"/>
+              </a:solidFill>
+              <a:uFill>
+                <a:solidFill>
+                  <a:srgbClr val="ffffff"/>
+                </a:solidFill>
+              </a:uFill>
+              <a:latin typeface="Arial"/>
             </a:endParaRPr>
           </a:p>
         </p:txBody>
@@ -4566,7 +4423,7 @@
       </p:grpSpPr>
       <p:sp>
         <p:nvSpPr>
-          <p:cNvPr id="59" name="Line 1"/>
+          <p:cNvPr id="56" name="Line 1"/>
           <p:cNvSpPr/>
           <p:nvPr/>
         </p:nvSpPr>
@@ -4602,7 +4459,7 @@
       </p:sp>
       <p:sp>
         <p:nvSpPr>
-          <p:cNvPr id="60" name="Line 2"/>
+          <p:cNvPr id="57" name="Line 2"/>
           <p:cNvSpPr/>
           <p:nvPr/>
         </p:nvSpPr>
@@ -4638,14 +4495,14 @@
       </p:sp>
       <p:sp>
         <p:nvSpPr>
-          <p:cNvPr id="61" name="CustomShape 3"/>
+          <p:cNvPr id="58" name="CustomShape 3"/>
           <p:cNvSpPr/>
           <p:nvPr/>
         </p:nvSpPr>
         <p:spPr>
           <a:xfrm>
             <a:off x="9181440" y="-8640"/>
-            <a:ext cx="3007080" cy="6866280"/>
+            <a:ext cx="3006720" cy="6865920"/>
           </a:xfrm>
           <a:custGeom>
             <a:avLst/>
@@ -4704,14 +4561,14 @@
       </p:sp>
       <p:sp>
         <p:nvSpPr>
-          <p:cNvPr id="62" name="CustomShape 4"/>
+          <p:cNvPr id="59" name="CustomShape 4"/>
           <p:cNvSpPr/>
           <p:nvPr/>
         </p:nvSpPr>
         <p:spPr>
           <a:xfrm>
             <a:off x="9603360" y="-8640"/>
-            <a:ext cx="2588040" cy="6866280"/>
+            <a:ext cx="2587680" cy="6865920"/>
           </a:xfrm>
           <a:custGeom>
             <a:avLst/>
@@ -4770,14 +4627,14 @@
       </p:sp>
       <p:sp>
         <p:nvSpPr>
-          <p:cNvPr id="63" name="CustomShape 5"/>
+          <p:cNvPr id="60" name="CustomShape 5"/>
           <p:cNvSpPr/>
           <p:nvPr/>
         </p:nvSpPr>
         <p:spPr>
           <a:xfrm>
             <a:off x="8932320" y="3048120"/>
-            <a:ext cx="3259440" cy="3809520"/>
+            <a:ext cx="3259080" cy="3809160"/>
           </a:xfrm>
           <a:prstGeom prst="triangle">
             <a:avLst>
@@ -4815,14 +4672,14 @@
       </p:sp>
       <p:sp>
         <p:nvSpPr>
-          <p:cNvPr id="64" name="CustomShape 6"/>
+          <p:cNvPr id="61" name="CustomShape 6"/>
           <p:cNvSpPr/>
           <p:nvPr/>
         </p:nvSpPr>
         <p:spPr>
           <a:xfrm>
             <a:off x="9334440" y="-8640"/>
-            <a:ext cx="2854080" cy="6866280"/>
+            <a:ext cx="2853720" cy="6865920"/>
           </a:xfrm>
           <a:custGeom>
             <a:avLst/>
@@ -4882,14 +4739,14 @@
       </p:sp>
       <p:sp>
         <p:nvSpPr>
-          <p:cNvPr id="65" name="CustomShape 7"/>
+          <p:cNvPr id="62" name="CustomShape 7"/>
           <p:cNvSpPr/>
           <p:nvPr/>
         </p:nvSpPr>
         <p:spPr>
           <a:xfrm>
             <a:off x="10898640" y="-8640"/>
-            <a:ext cx="1289880" cy="6866280"/>
+            <a:ext cx="1289520" cy="6865920"/>
           </a:xfrm>
           <a:custGeom>
             <a:avLst/>
@@ -4950,14 +4807,14 @@
       </p:sp>
       <p:sp>
         <p:nvSpPr>
-          <p:cNvPr id="66" name="CustomShape 8"/>
+          <p:cNvPr id="63" name="CustomShape 8"/>
           <p:cNvSpPr/>
           <p:nvPr/>
         </p:nvSpPr>
         <p:spPr>
           <a:xfrm>
             <a:off x="10938960" y="-8640"/>
-            <a:ext cx="1249560" cy="6866280"/>
+            <a:ext cx="1249200" cy="6865920"/>
           </a:xfrm>
           <a:custGeom>
             <a:avLst/>
@@ -5016,14 +4873,14 @@
       </p:sp>
       <p:sp>
         <p:nvSpPr>
-          <p:cNvPr id="67" name="CustomShape 9"/>
+          <p:cNvPr id="64" name="CustomShape 9"/>
           <p:cNvSpPr/>
           <p:nvPr/>
         </p:nvSpPr>
         <p:spPr>
           <a:xfrm>
             <a:off x="10371600" y="3589920"/>
-            <a:ext cx="1816920" cy="3267720"/>
+            <a:ext cx="1816560" cy="3267360"/>
           </a:xfrm>
           <a:prstGeom prst="triangle">
             <a:avLst>
@@ -5061,14 +4918,14 @@
       </p:sp>
       <p:sp>
         <p:nvSpPr>
-          <p:cNvPr id="68" name="CustomShape 10"/>
+          <p:cNvPr id="65" name="CustomShape 10"/>
           <p:cNvSpPr/>
           <p:nvPr/>
         </p:nvSpPr>
         <p:spPr>
           <a:xfrm>
             <a:off x="0" y="4013280"/>
-            <a:ext cx="448200" cy="2844360"/>
+            <a:ext cx="447840" cy="2844000"/>
           </a:xfrm>
           <a:prstGeom prst="triangle">
             <a:avLst>
@@ -5106,7 +4963,7 @@
       </p:sp>
       <p:sp>
         <p:nvSpPr>
-          <p:cNvPr id="69" name="PlaceHolder 11"/>
+          <p:cNvPr id="66" name="PlaceHolder 11"/>
           <p:cNvSpPr>
             <a:spLocks noGrp="1"/>
           </p:cNvSpPr>
@@ -5116,52 +4973,48 @@
         </p:nvSpPr>
         <p:spPr>
           <a:xfrm>
-            <a:off x="677160" y="609480"/>
-            <a:ext cx="8596440" cy="1320480"/>
+            <a:off x="609480" y="273600"/>
+            <a:ext cx="10972440" cy="1144800"/>
           </a:xfrm>
           <a:prstGeom prst="rect">
             <a:avLst/>
           </a:prstGeom>
         </p:spPr>
         <p:txBody>
-          <a:bodyPr/>
-          <a:p>
-            <a:pPr>
-              <a:lnSpc>
-                <a:spcPct val="100000"/>
-              </a:lnSpc>
-            </a:pPr>
+          <a:bodyPr lIns="0" rIns="0" tIns="0" bIns="0" anchor="ctr"/>
+          <a:p>
+            <a:pPr algn="ctr"/>
             <a:r>
-              <a:rPr b="0" lang="en-US" sz="3600" spc="-1" strike="noStrike">
-                <a:solidFill>
-                  <a:srgbClr val="90c226"/>
+              <a:rPr b="0" lang="en-US" sz="4400" spc="-1" strike="noStrike">
+                <a:solidFill>
+                  <a:srgbClr val="000000"/>
                 </a:solidFill>
                 <a:uFill>
                   <a:solidFill>
                     <a:srgbClr val="ffffff"/>
                   </a:solidFill>
                 </a:uFill>
-                <a:latin typeface="Trebuchet MS"/>
+                <a:latin typeface="Arial"/>
               </a:rPr>
-              <a:t>Click to edit Master title style</a:t>
+              <a:t>Click to edit the title text format</a:t>
             </a:r>
-            <a:endParaRPr b="0" lang="en-US" sz="1800" spc="-1" strike="noStrike">
-              <a:solidFill>
-                <a:srgbClr val="000000"/>
-              </a:solidFill>
-              <a:uFill>
-                <a:solidFill>
-                  <a:srgbClr val="ffffff"/>
-                </a:solidFill>
-              </a:uFill>
-              <a:latin typeface="Trebuchet MS"/>
+            <a:endParaRPr b="0" lang="en-US" sz="4400" spc="-1" strike="noStrike">
+              <a:solidFill>
+                <a:srgbClr val="000000"/>
+              </a:solidFill>
+              <a:uFill>
+                <a:solidFill>
+                  <a:srgbClr val="ffffff"/>
+                </a:solidFill>
+              </a:uFill>
+              <a:latin typeface="Arial"/>
             </a:endParaRPr>
           </a:p>
         </p:txBody>
       </p:sp>
       <p:sp>
         <p:nvSpPr>
-          <p:cNvPr id="70" name="PlaceHolder 12"/>
+          <p:cNvPr id="67" name="PlaceHolder 12"/>
           <p:cNvSpPr>
             <a:spLocks noGrp="1"/>
           </p:cNvSpPr>
@@ -5171,15 +5024,15 @@
         </p:nvSpPr>
         <p:spPr>
           <a:xfrm>
-            <a:off x="677160" y="2160720"/>
-            <a:ext cx="8596440" cy="3880440"/>
+            <a:off x="609480" y="1604520"/>
+            <a:ext cx="10972440" cy="3977280"/>
           </a:xfrm>
           <a:prstGeom prst="rect">
             <a:avLst/>
           </a:prstGeom>
         </p:spPr>
         <p:txBody>
-          <a:bodyPr/>
+          <a:bodyPr lIns="0" rIns="0" tIns="0" bIns="0"/>
           <a:p>
             <a:pPr marL="432000" indent="-324000">
               <a:buClr>
@@ -5190,29 +5043,29 @@
               <a:buChar char=""/>
             </a:pPr>
             <a:r>
-              <a:rPr b="0" lang="en-US" sz="1800" spc="-1" strike="noStrike">
-                <a:solidFill>
-                  <a:srgbClr val="404040"/>
+              <a:rPr b="0" lang="en-US" sz="3200" spc="-1" strike="noStrike">
+                <a:solidFill>
+                  <a:srgbClr val="000000"/>
                 </a:solidFill>
                 <a:uFill>
                   <a:solidFill>
                     <a:srgbClr val="ffffff"/>
                   </a:solidFill>
                 </a:uFill>
-                <a:latin typeface="Trebuchet MS"/>
+                <a:latin typeface="Arial"/>
               </a:rPr>
               <a:t>Click to edit the outline text format</a:t>
             </a:r>
-            <a:endParaRPr b="0" lang="en-US" sz="1800" spc="-1" strike="noStrike">
-              <a:solidFill>
-                <a:srgbClr val="404040"/>
-              </a:solidFill>
-              <a:uFill>
-                <a:solidFill>
-                  <a:srgbClr val="ffffff"/>
-                </a:solidFill>
-              </a:uFill>
-              <a:latin typeface="Trebuchet MS"/>
+            <a:endParaRPr b="0" lang="en-US" sz="3200" spc="-1" strike="noStrike">
+              <a:solidFill>
+                <a:srgbClr val="000000"/>
+              </a:solidFill>
+              <a:uFill>
+                <a:solidFill>
+                  <a:srgbClr val="ffffff"/>
+                </a:solidFill>
+              </a:uFill>
+              <a:latin typeface="Arial"/>
             </a:endParaRPr>
           </a:p>
           <a:p>
@@ -5225,29 +5078,29 @@
               <a:buChar char=""/>
             </a:pPr>
             <a:r>
-              <a:rPr b="0" lang="en-US" sz="1800" spc="-1" strike="noStrike">
-                <a:solidFill>
-                  <a:srgbClr val="404040"/>
+              <a:rPr b="0" lang="en-US" sz="2800" spc="-1" strike="noStrike">
+                <a:solidFill>
+                  <a:srgbClr val="000000"/>
                 </a:solidFill>
                 <a:uFill>
                   <a:solidFill>
                     <a:srgbClr val="ffffff"/>
                   </a:solidFill>
                 </a:uFill>
-                <a:latin typeface="Trebuchet MS"/>
+                <a:latin typeface="Arial"/>
               </a:rPr>
               <a:t>Second Outline Level</a:t>
             </a:r>
-            <a:endParaRPr b="0" lang="en-US" sz="1800" spc="-1" strike="noStrike">
-              <a:solidFill>
-                <a:srgbClr val="404040"/>
-              </a:solidFill>
-              <a:uFill>
-                <a:solidFill>
-                  <a:srgbClr val="ffffff"/>
-                </a:solidFill>
-              </a:uFill>
-              <a:latin typeface="Trebuchet MS"/>
+            <a:endParaRPr b="0" lang="en-US" sz="2800" spc="-1" strike="noStrike">
+              <a:solidFill>
+                <a:srgbClr val="000000"/>
+              </a:solidFill>
+              <a:uFill>
+                <a:solidFill>
+                  <a:srgbClr val="ffffff"/>
+                </a:solidFill>
+              </a:uFill>
+              <a:latin typeface="Arial"/>
             </a:endParaRPr>
           </a:p>
           <a:p>
@@ -5260,29 +5113,29 @@
               <a:buChar char=""/>
             </a:pPr>
             <a:r>
-              <a:rPr b="0" lang="en-US" sz="1800" spc="-1" strike="noStrike">
-                <a:solidFill>
-                  <a:srgbClr val="404040"/>
+              <a:rPr b="0" lang="en-US" sz="2400" spc="-1" strike="noStrike">
+                <a:solidFill>
+                  <a:srgbClr val="000000"/>
                 </a:solidFill>
                 <a:uFill>
                   <a:solidFill>
                     <a:srgbClr val="ffffff"/>
                   </a:solidFill>
                 </a:uFill>
-                <a:latin typeface="Trebuchet MS"/>
+                <a:latin typeface="Arial"/>
               </a:rPr>
               <a:t>Third Outline Level</a:t>
             </a:r>
-            <a:endParaRPr b="0" lang="en-US" sz="1800" spc="-1" strike="noStrike">
-              <a:solidFill>
-                <a:srgbClr val="404040"/>
-              </a:solidFill>
-              <a:uFill>
-                <a:solidFill>
-                  <a:srgbClr val="ffffff"/>
-                </a:solidFill>
-              </a:uFill>
-              <a:latin typeface="Trebuchet MS"/>
+            <a:endParaRPr b="0" lang="en-US" sz="2400" spc="-1" strike="noStrike">
+              <a:solidFill>
+                <a:srgbClr val="000000"/>
+              </a:solidFill>
+              <a:uFill>
+                <a:solidFill>
+                  <a:srgbClr val="ffffff"/>
+                </a:solidFill>
+              </a:uFill>
+              <a:latin typeface="Arial"/>
             </a:endParaRPr>
           </a:p>
           <a:p>
@@ -5295,29 +5148,29 @@
               <a:buChar char=""/>
             </a:pPr>
             <a:r>
-              <a:rPr b="0" lang="en-US" sz="1800" spc="-1" strike="noStrike">
-                <a:solidFill>
-                  <a:srgbClr val="404040"/>
+              <a:rPr b="0" lang="en-US" sz="2000" spc="-1" strike="noStrike">
+                <a:solidFill>
+                  <a:srgbClr val="000000"/>
                 </a:solidFill>
                 <a:uFill>
                   <a:solidFill>
                     <a:srgbClr val="ffffff"/>
                   </a:solidFill>
                 </a:uFill>
-                <a:latin typeface="Trebuchet MS"/>
+                <a:latin typeface="Arial"/>
               </a:rPr>
               <a:t>Fourth Outline Level</a:t>
             </a:r>
-            <a:endParaRPr b="0" lang="en-US" sz="1800" spc="-1" strike="noStrike">
-              <a:solidFill>
-                <a:srgbClr val="404040"/>
-              </a:solidFill>
-              <a:uFill>
-                <a:solidFill>
-                  <a:srgbClr val="ffffff"/>
-                </a:solidFill>
-              </a:uFill>
-              <a:latin typeface="Trebuchet MS"/>
+            <a:endParaRPr b="0" lang="en-US" sz="2000" spc="-1" strike="noStrike">
+              <a:solidFill>
+                <a:srgbClr val="000000"/>
+              </a:solidFill>
+              <a:uFill>
+                <a:solidFill>
+                  <a:srgbClr val="ffffff"/>
+                </a:solidFill>
+              </a:uFill>
+              <a:latin typeface="Arial"/>
             </a:endParaRPr>
           </a:p>
           <a:p>
@@ -5330,29 +5183,29 @@
               <a:buChar char=""/>
             </a:pPr>
             <a:r>
-              <a:rPr b="0" lang="en-US" sz="1800" spc="-1" strike="noStrike">
-                <a:solidFill>
-                  <a:srgbClr val="404040"/>
+              <a:rPr b="0" lang="en-US" sz="2000" spc="-1" strike="noStrike">
+                <a:solidFill>
+                  <a:srgbClr val="000000"/>
                 </a:solidFill>
                 <a:uFill>
                   <a:solidFill>
                     <a:srgbClr val="ffffff"/>
                   </a:solidFill>
                 </a:uFill>
-                <a:latin typeface="Trebuchet MS"/>
+                <a:latin typeface="Arial"/>
               </a:rPr>
               <a:t>Fifth Outline Level</a:t>
             </a:r>
-            <a:endParaRPr b="0" lang="en-US" sz="1800" spc="-1" strike="noStrike">
-              <a:solidFill>
-                <a:srgbClr val="404040"/>
-              </a:solidFill>
-              <a:uFill>
-                <a:solidFill>
-                  <a:srgbClr val="ffffff"/>
-                </a:solidFill>
-              </a:uFill>
-              <a:latin typeface="Trebuchet MS"/>
+            <a:endParaRPr b="0" lang="en-US" sz="2000" spc="-1" strike="noStrike">
+              <a:solidFill>
+                <a:srgbClr val="000000"/>
+              </a:solidFill>
+              <a:uFill>
+                <a:solidFill>
+                  <a:srgbClr val="ffffff"/>
+                </a:solidFill>
+              </a:uFill>
+              <a:latin typeface="Arial"/>
             </a:endParaRPr>
           </a:p>
           <a:p>
@@ -5365,365 +5218,64 @@
               <a:buChar char=""/>
             </a:pPr>
             <a:r>
-              <a:rPr b="0" lang="en-US" sz="1800" spc="-1" strike="noStrike">
-                <a:solidFill>
-                  <a:srgbClr val="404040"/>
+              <a:rPr b="0" lang="en-US" sz="2000" spc="-1" strike="noStrike">
+                <a:solidFill>
+                  <a:srgbClr val="000000"/>
                 </a:solidFill>
                 <a:uFill>
                   <a:solidFill>
                     <a:srgbClr val="ffffff"/>
                   </a:solidFill>
                 </a:uFill>
-                <a:latin typeface="Trebuchet MS"/>
+                <a:latin typeface="Arial"/>
               </a:rPr>
               <a:t>Sixth Outline Level</a:t>
             </a:r>
-            <a:endParaRPr b="0" lang="en-US" sz="1800" spc="-1" strike="noStrike">
-              <a:solidFill>
-                <a:srgbClr val="404040"/>
-              </a:solidFill>
-              <a:uFill>
-                <a:solidFill>
-                  <a:srgbClr val="ffffff"/>
-                </a:solidFill>
-              </a:uFill>
-              <a:latin typeface="Trebuchet MS"/>
-            </a:endParaRPr>
-          </a:p>
-          <a:p>
-            <a:pPr marL="343080" indent="-342720">
-              <a:lnSpc>
-                <a:spcPct val="100000"/>
-              </a:lnSpc>
+            <a:endParaRPr b="0" lang="en-US" sz="2000" spc="-1" strike="noStrike">
+              <a:solidFill>
+                <a:srgbClr val="000000"/>
+              </a:solidFill>
+              <a:uFill>
+                <a:solidFill>
+                  <a:srgbClr val="ffffff"/>
+                </a:solidFill>
+              </a:uFill>
+              <a:latin typeface="Arial"/>
+            </a:endParaRPr>
+          </a:p>
+          <a:p>
+            <a:pPr lvl="6" marL="3024000" indent="-216000">
               <a:buClr>
-                <a:srgbClr val="90c226"/>
+                <a:srgbClr val="000000"/>
               </a:buClr>
-              <a:buSzPct val="80000"/>
-              <a:buFont typeface="Wingdings 3" charset="2"/>
-              <a:buChar char=""/>
+              <a:buSzPct val="45000"/>
+              <a:buFont typeface="Wingdings" charset="2"/>
+              <a:buChar char=""/>
             </a:pPr>
             <a:r>
-              <a:rPr b="0" lang="en-US" sz="1800" spc="-1" strike="noStrike">
-                <a:solidFill>
-                  <a:srgbClr val="404040"/>
+              <a:rPr b="0" lang="en-US" sz="2000" spc="-1" strike="noStrike">
+                <a:solidFill>
+                  <a:srgbClr val="000000"/>
                 </a:solidFill>
                 <a:uFill>
                   <a:solidFill>
                     <a:srgbClr val="ffffff"/>
                   </a:solidFill>
                 </a:uFill>
-                <a:latin typeface="Trebuchet MS"/>
+                <a:latin typeface="Arial"/>
               </a:rPr>
-              <a:t>Seventh Outline LevelClick to edit Master text styles</a:t>
+              <a:t>Seventh Outline Level</a:t>
             </a:r>
-            <a:endParaRPr b="0" lang="en-US" sz="1800" spc="-1" strike="noStrike">
-              <a:solidFill>
-                <a:srgbClr val="404040"/>
-              </a:solidFill>
-              <a:uFill>
-                <a:solidFill>
-                  <a:srgbClr val="ffffff"/>
-                </a:solidFill>
-              </a:uFill>
-              <a:latin typeface="Trebuchet MS"/>
-            </a:endParaRPr>
-          </a:p>
-          <a:p>
-            <a:pPr lvl="1" marL="743040" indent="-285480">
-              <a:lnSpc>
-                <a:spcPct val="100000"/>
-              </a:lnSpc>
-              <a:buClr>
-                <a:srgbClr val="90c226"/>
-              </a:buClr>
-              <a:buSzPct val="80000"/>
-              <a:buFont typeface="Wingdings 3" charset="2"/>
-              <a:buChar char=""/>
-            </a:pPr>
-            <a:r>
-              <a:rPr b="0" lang="en-US" sz="1600" spc="-1" strike="noStrike">
-                <a:solidFill>
-                  <a:srgbClr val="404040"/>
-                </a:solidFill>
-                <a:uFill>
-                  <a:solidFill>
-                    <a:srgbClr val="ffffff"/>
-                  </a:solidFill>
-                </a:uFill>
-                <a:latin typeface="Trebuchet MS"/>
-              </a:rPr>
-              <a:t>Second level</a:t>
-            </a:r>
-            <a:endParaRPr b="0" lang="en-US" sz="1800" spc="-1" strike="noStrike">
-              <a:solidFill>
-                <a:srgbClr val="404040"/>
-              </a:solidFill>
-              <a:uFill>
-                <a:solidFill>
-                  <a:srgbClr val="ffffff"/>
-                </a:solidFill>
-              </a:uFill>
-              <a:latin typeface="Trebuchet MS"/>
-            </a:endParaRPr>
-          </a:p>
-          <a:p>
-            <a:pPr lvl="2" marL="1143000" indent="-228240">
-              <a:lnSpc>
-                <a:spcPct val="100000"/>
-              </a:lnSpc>
-              <a:buClr>
-                <a:srgbClr val="90c226"/>
-              </a:buClr>
-              <a:buSzPct val="80000"/>
-              <a:buFont typeface="Wingdings 3" charset="2"/>
-              <a:buChar char=""/>
-            </a:pPr>
-            <a:r>
-              <a:rPr b="0" lang="en-US" sz="1400" spc="-1" strike="noStrike">
-                <a:solidFill>
-                  <a:srgbClr val="404040"/>
-                </a:solidFill>
-                <a:uFill>
-                  <a:solidFill>
-                    <a:srgbClr val="ffffff"/>
-                  </a:solidFill>
-                </a:uFill>
-                <a:latin typeface="Trebuchet MS"/>
-              </a:rPr>
-              <a:t>Third level</a:t>
-            </a:r>
-            <a:endParaRPr b="0" lang="en-US" sz="1800" spc="-1" strike="noStrike">
-              <a:solidFill>
-                <a:srgbClr val="404040"/>
-              </a:solidFill>
-              <a:uFill>
-                <a:solidFill>
-                  <a:srgbClr val="ffffff"/>
-                </a:solidFill>
-              </a:uFill>
-              <a:latin typeface="Trebuchet MS"/>
-            </a:endParaRPr>
-          </a:p>
-          <a:p>
-            <a:pPr lvl="3" marL="1600200" indent="-228240">
-              <a:lnSpc>
-                <a:spcPct val="100000"/>
-              </a:lnSpc>
-              <a:buClr>
-                <a:srgbClr val="90c226"/>
-              </a:buClr>
-              <a:buSzPct val="80000"/>
-              <a:buFont typeface="Wingdings 3" charset="2"/>
-              <a:buChar char=""/>
-            </a:pPr>
-            <a:r>
-              <a:rPr b="0" lang="en-US" sz="1200" spc="-1" strike="noStrike">
-                <a:solidFill>
-                  <a:srgbClr val="404040"/>
-                </a:solidFill>
-                <a:uFill>
-                  <a:solidFill>
-                    <a:srgbClr val="ffffff"/>
-                  </a:solidFill>
-                </a:uFill>
-                <a:latin typeface="Trebuchet MS"/>
-              </a:rPr>
-              <a:t>Fourth level</a:t>
-            </a:r>
-            <a:endParaRPr b="0" lang="en-US" sz="1800" spc="-1" strike="noStrike">
-              <a:solidFill>
-                <a:srgbClr val="404040"/>
-              </a:solidFill>
-              <a:uFill>
-                <a:solidFill>
-                  <a:srgbClr val="ffffff"/>
-                </a:solidFill>
-              </a:uFill>
-              <a:latin typeface="Trebuchet MS"/>
-            </a:endParaRPr>
-          </a:p>
-          <a:p>
-            <a:pPr lvl="4" marL="2057400" indent="-228240">
-              <a:lnSpc>
-                <a:spcPct val="100000"/>
-              </a:lnSpc>
-              <a:buClr>
-                <a:srgbClr val="90c226"/>
-              </a:buClr>
-              <a:buSzPct val="80000"/>
-              <a:buFont typeface="Wingdings 3" charset="2"/>
-              <a:buChar char=""/>
-            </a:pPr>
-            <a:r>
-              <a:rPr b="0" lang="en-US" sz="1200" spc="-1" strike="noStrike">
-                <a:solidFill>
-                  <a:srgbClr val="404040"/>
-                </a:solidFill>
-                <a:uFill>
-                  <a:solidFill>
-                    <a:srgbClr val="ffffff"/>
-                  </a:solidFill>
-                </a:uFill>
-                <a:latin typeface="Trebuchet MS"/>
-              </a:rPr>
-              <a:t>Fifth level</a:t>
-            </a:r>
-            <a:endParaRPr b="0" lang="en-US" sz="1800" spc="-1" strike="noStrike">
-              <a:solidFill>
-                <a:srgbClr val="404040"/>
-              </a:solidFill>
-              <a:uFill>
-                <a:solidFill>
-                  <a:srgbClr val="ffffff"/>
-                </a:solidFill>
-              </a:uFill>
-              <a:latin typeface="Trebuchet MS"/>
-            </a:endParaRPr>
-          </a:p>
-        </p:txBody>
-      </p:sp>
-      <p:sp>
-        <p:nvSpPr>
-          <p:cNvPr id="71" name="PlaceHolder 13"/>
-          <p:cNvSpPr>
-            <a:spLocks noGrp="1"/>
-          </p:cNvSpPr>
-          <p:nvPr>
-            <p:ph type="dt"/>
-          </p:nvPr>
-        </p:nvSpPr>
-        <p:spPr>
-          <a:xfrm>
-            <a:off x="7205040" y="6041520"/>
-            <a:ext cx="911520" cy="364680"/>
-          </a:xfrm>
-          <a:prstGeom prst="rect">
-            <a:avLst/>
-          </a:prstGeom>
-        </p:spPr>
-        <p:txBody>
-          <a:bodyPr anchor="ctr"/>
-          <a:p>
-            <a:pPr algn="r">
-              <a:lnSpc>
-                <a:spcPct val="100000"/>
-              </a:lnSpc>
-            </a:pPr>
-            <a:fld id="{0DEE419A-F359-41FA-86A0-E75E34DF4FE6}" type="datetime">
-              <a:rPr b="0" lang="en-US" sz="900" spc="-1" strike="noStrike">
-                <a:solidFill>
-                  <a:srgbClr val="8b8b8b"/>
-                </a:solidFill>
-                <a:uFill>
-                  <a:solidFill>
-                    <a:srgbClr val="ffffff"/>
-                  </a:solidFill>
-                </a:uFill>
-                <a:latin typeface="Trebuchet MS"/>
-              </a:rPr>
-              <a:t>4/25/17</a:t>
-            </a:fld>
-            <a:endParaRPr b="0" lang="en-US" sz="1400" spc="-1" strike="noStrike">
-              <a:solidFill>
-                <a:srgbClr val="000000"/>
-              </a:solidFill>
-              <a:uFill>
-                <a:solidFill>
-                  <a:srgbClr val="ffffff"/>
-                </a:solidFill>
-              </a:uFill>
-              <a:latin typeface="Times New Roman"/>
-            </a:endParaRPr>
-          </a:p>
-        </p:txBody>
-      </p:sp>
-      <p:sp>
-        <p:nvSpPr>
-          <p:cNvPr id="72" name="PlaceHolder 14"/>
-          <p:cNvSpPr>
-            <a:spLocks noGrp="1"/>
-          </p:cNvSpPr>
-          <p:nvPr>
-            <p:ph type="ftr"/>
-          </p:nvPr>
-        </p:nvSpPr>
-        <p:spPr>
-          <a:xfrm>
-            <a:off x="677160" y="6041520"/>
-            <a:ext cx="6297120" cy="364680"/>
-          </a:xfrm>
-          <a:prstGeom prst="rect">
-            <a:avLst/>
-          </a:prstGeom>
-        </p:spPr>
-        <p:txBody>
-          <a:bodyPr anchor="ctr"/>
-          <a:p>
-            <a:endParaRPr b="0" lang="en-US" sz="2400" spc="-1" strike="noStrike">
-              <a:solidFill>
-                <a:srgbClr val="000000"/>
-              </a:solidFill>
-              <a:uFill>
-                <a:solidFill>
-                  <a:srgbClr val="ffffff"/>
-                </a:solidFill>
-              </a:uFill>
-              <a:latin typeface="Times New Roman"/>
-            </a:endParaRPr>
-          </a:p>
-        </p:txBody>
-      </p:sp>
-      <p:sp>
-        <p:nvSpPr>
-          <p:cNvPr id="73" name="PlaceHolder 15"/>
-          <p:cNvSpPr>
-            <a:spLocks noGrp="1"/>
-          </p:cNvSpPr>
-          <p:nvPr>
-            <p:ph type="sldNum"/>
-          </p:nvPr>
-        </p:nvSpPr>
-        <p:spPr>
-          <a:xfrm>
-            <a:off x="8590680" y="6041520"/>
-            <a:ext cx="682920" cy="364680"/>
-          </a:xfrm>
-          <a:prstGeom prst="rect">
-            <a:avLst/>
-          </a:prstGeom>
-        </p:spPr>
-        <p:txBody>
-          <a:bodyPr anchor="ctr"/>
-          <a:p>
-            <a:pPr algn="r">
-              <a:lnSpc>
-                <a:spcPct val="100000"/>
-              </a:lnSpc>
-            </a:pPr>
-            <a:fld id="{0D3BEC97-A70D-41E2-8072-818ABEA97D3A}" type="slidenum">
-              <a:rPr b="0" lang="en-US" sz="900" spc="-1" strike="noStrike">
-                <a:solidFill>
-                  <a:srgbClr val="90c226"/>
-                </a:solidFill>
-                <a:uFill>
-                  <a:solidFill>
-                    <a:srgbClr val="ffffff"/>
-                  </a:solidFill>
-                </a:uFill>
-                <a:latin typeface="Trebuchet MS"/>
-              </a:rPr>
-              <a:t>&lt;number&gt;</a:t>
-            </a:fld>
-            <a:endParaRPr b="0" lang="en-US" sz="1400" spc="-1" strike="noStrike">
-              <a:solidFill>
-                <a:srgbClr val="000000"/>
-              </a:solidFill>
-              <a:uFill>
-                <a:solidFill>
-                  <a:srgbClr val="ffffff"/>
-                </a:solidFill>
-              </a:uFill>
-              <a:latin typeface="Times New Roman"/>
+            <a:endParaRPr b="0" lang="en-US" sz="2000" spc="-1" strike="noStrike">
+              <a:solidFill>
+                <a:srgbClr val="000000"/>
+              </a:solidFill>
+              <a:uFill>
+                <a:solidFill>
+                  <a:srgbClr val="ffffff"/>
+                </a:solidFill>
+              </a:uFill>
+              <a:latin typeface="Arial"/>
             </a:endParaRPr>
           </a:p>
         </p:txBody>
@@ -5767,14 +5319,14 @@
       </p:grpSpPr>
       <p:sp>
         <p:nvSpPr>
-          <p:cNvPr id="108" name="TextShape 1"/>
-          <p:cNvSpPr txBox="1"/>
+          <p:cNvPr id="102" name="CustomShape 1"/>
+          <p:cNvSpPr/>
           <p:nvPr/>
         </p:nvSpPr>
         <p:spPr>
           <a:xfrm>
             <a:off x="1506960" y="2404440"/>
-            <a:ext cx="7766640" cy="1645920"/>
+            <a:ext cx="7766280" cy="1645560"/>
           </a:xfrm>
           <a:prstGeom prst="rect">
             <a:avLst/>
@@ -5784,8 +5336,14 @@
             <a:noFill/>
           </a:ln>
         </p:spPr>
+        <p:style>
+          <a:lnRef idx="0"/>
+          <a:fillRef idx="0"/>
+          <a:effectRef idx="0"/>
+          <a:fontRef idx="minor"/>
+        </p:style>
         <p:txBody>
-          <a:bodyPr anchor="b"/>
+          <a:bodyPr lIns="90000" rIns="90000" tIns="45000" bIns="45000" anchor="b"/>
           <a:p>
             <a:pPr algn="r">
               <a:lnSpc>
@@ -5815,21 +5373,21 @@
                   <a:srgbClr val="ffffff"/>
                 </a:solidFill>
               </a:uFill>
-              <a:latin typeface="Trebuchet MS"/>
+              <a:latin typeface="Arial"/>
             </a:endParaRPr>
           </a:p>
         </p:txBody>
       </p:sp>
       <p:sp>
         <p:nvSpPr>
-          <p:cNvPr id="109" name="TextShape 2"/>
-          <p:cNvSpPr txBox="1"/>
+          <p:cNvPr id="103" name="CustomShape 2"/>
+          <p:cNvSpPr/>
           <p:nvPr/>
         </p:nvSpPr>
         <p:spPr>
           <a:xfrm>
             <a:off x="1506960" y="4246920"/>
-            <a:ext cx="7766640" cy="1096560"/>
+            <a:ext cx="7766280" cy="1096200"/>
           </a:xfrm>
           <a:prstGeom prst="rect">
             <a:avLst/>
@@ -5839,8 +5397,14 @@
             <a:noFill/>
           </a:ln>
         </p:spPr>
+        <p:style>
+          <a:lnRef idx="0"/>
+          <a:fillRef idx="0"/>
+          <a:effectRef idx="0"/>
+          <a:fontRef idx="minor"/>
+        </p:style>
         <p:txBody>
-          <a:bodyPr/>
+          <a:bodyPr lIns="90000" rIns="90000" tIns="45000" bIns="45000"/>
           <a:p>
             <a:pPr algn="r">
               <a:lnSpc>
@@ -5861,7 +5425,7 @@
               </a:rPr>
               <a:t>Kyle Jolicoeur (Kyle_Jolicoeur@student.uml.edu)</a:t>
             </a:r>
-            <a:endParaRPr b="0" lang="en-US" sz="3200" spc="-1" strike="noStrike">
+            <a:endParaRPr b="0" lang="en-US" sz="1800" spc="-1" strike="noStrike">
               <a:solidFill>
                 <a:srgbClr val="000000"/>
               </a:solidFill>
@@ -5893,7 +5457,7 @@
               </a:rPr>
               <a:t>Hansel De La Cruz (Hansel_DeLaCruz@student.uml.edu)</a:t>
             </a:r>
-            <a:endParaRPr b="0" lang="en-US" sz="3200" spc="-1" strike="noStrike">
+            <a:endParaRPr b="0" lang="en-US" sz="1800" spc="-1" strike="noStrike">
               <a:solidFill>
                 <a:srgbClr val="000000"/>
               </a:solidFill>
@@ -5925,7 +5489,7 @@
               </a:rPr>
               <a:t>Jennifer Green (Jennifer_Green@student.uml.edu)</a:t>
             </a:r>
-            <a:endParaRPr b="0" lang="en-US" sz="3200" spc="-1" strike="noStrike">
+            <a:endParaRPr b="0" lang="en-US" sz="1800" spc="-1" strike="noStrike">
               <a:solidFill>
                 <a:srgbClr val="000000"/>
               </a:solidFill>
@@ -5990,14 +5554,14 @@
       </p:grpSpPr>
       <p:sp>
         <p:nvSpPr>
-          <p:cNvPr id="110" name="TextShape 1"/>
-          <p:cNvSpPr txBox="1"/>
+          <p:cNvPr id="104" name="CustomShape 1"/>
+          <p:cNvSpPr/>
           <p:nvPr/>
         </p:nvSpPr>
         <p:spPr>
           <a:xfrm>
             <a:off x="677160" y="609480"/>
-            <a:ext cx="8596440" cy="1320480"/>
+            <a:ext cx="8596080" cy="1320120"/>
           </a:xfrm>
           <a:prstGeom prst="rect">
             <a:avLst/>
@@ -6007,8 +5571,14 @@
             <a:noFill/>
           </a:ln>
         </p:spPr>
+        <p:style>
+          <a:lnRef idx="0"/>
+          <a:fillRef idx="0"/>
+          <a:effectRef idx="0"/>
+          <a:fontRef idx="minor"/>
+        </p:style>
         <p:txBody>
-          <a:bodyPr/>
+          <a:bodyPr lIns="90000" rIns="90000" tIns="45000" bIns="45000"/>
           <a:p>
             <a:pPr>
               <a:lnSpc>
@@ -6038,21 +5608,21 @@
                   <a:srgbClr val="ffffff"/>
                 </a:solidFill>
               </a:uFill>
-              <a:latin typeface="Trebuchet MS"/>
+              <a:latin typeface="Arial"/>
             </a:endParaRPr>
           </a:p>
         </p:txBody>
       </p:sp>
       <p:sp>
         <p:nvSpPr>
-          <p:cNvPr id="111" name="TextShape 2"/>
-          <p:cNvSpPr txBox="1"/>
+          <p:cNvPr id="105" name="CustomShape 2"/>
+          <p:cNvSpPr/>
           <p:nvPr/>
         </p:nvSpPr>
         <p:spPr>
           <a:xfrm>
             <a:off x="677160" y="2160720"/>
-            <a:ext cx="8596440" cy="3880440"/>
+            <a:ext cx="8596080" cy="3880080"/>
           </a:xfrm>
           <a:prstGeom prst="rect">
             <a:avLst/>
@@ -6062,10 +5632,16 @@
             <a:noFill/>
           </a:ln>
         </p:spPr>
+        <p:style>
+          <a:lnRef idx="0"/>
+          <a:fillRef idx="0"/>
+          <a:effectRef idx="0"/>
+          <a:fontRef idx="minor"/>
+        </p:style>
         <p:txBody>
-          <a:bodyPr/>
-          <a:p>
-            <a:pPr marL="343080" indent="-342720">
+          <a:bodyPr lIns="90000" rIns="90000" tIns="45000" bIns="45000"/>
+          <a:p>
+            <a:pPr marL="343080" indent="-342360">
               <a:lnSpc>
                 <a:spcPct val="100000"/>
               </a:lnSpc>
@@ -6088,22 +5664,22 @@
                 </a:uFill>
                 <a:latin typeface="Trebuchet MS"/>
               </a:rPr>
-              <a:t>Our goal was to create an RPG styled game with basic AI scripts for entertainment purposes.</a:t>
+              <a:t>Our goal was to create an RPG styled game with basic AI scripts for entertainment purposes</a:t>
             </a:r>
             <a:endParaRPr b="0" lang="en-US" sz="1800" spc="-1" strike="noStrike">
               <a:solidFill>
-                <a:srgbClr val="404040"/>
-              </a:solidFill>
-              <a:uFill>
-                <a:solidFill>
-                  <a:srgbClr val="ffffff"/>
-                </a:solidFill>
-              </a:uFill>
-              <a:latin typeface="Trebuchet MS"/>
-            </a:endParaRPr>
-          </a:p>
-          <a:p>
-            <a:pPr marL="343080" indent="-342720">
+                <a:srgbClr val="000000"/>
+              </a:solidFill>
+              <a:uFill>
+                <a:solidFill>
+                  <a:srgbClr val="ffffff"/>
+                </a:solidFill>
+              </a:uFill>
+              <a:latin typeface="Arial"/>
+            </a:endParaRPr>
+          </a:p>
+          <a:p>
+            <a:pPr marL="343080" indent="-342360">
               <a:lnSpc>
                 <a:spcPct val="100000"/>
               </a:lnSpc>
@@ -6126,22 +5702,22 @@
                 </a:uFill>
                 <a:latin typeface="Trebuchet MS"/>
               </a:rPr>
-              <a:t>Top-down 2D graphics.</a:t>
+              <a:t>Top-down 2D graphics</a:t>
             </a:r>
             <a:endParaRPr b="0" lang="en-US" sz="1800" spc="-1" strike="noStrike">
               <a:solidFill>
-                <a:srgbClr val="404040"/>
-              </a:solidFill>
-              <a:uFill>
-                <a:solidFill>
-                  <a:srgbClr val="ffffff"/>
-                </a:solidFill>
-              </a:uFill>
-              <a:latin typeface="Trebuchet MS"/>
-            </a:endParaRPr>
-          </a:p>
-          <a:p>
-            <a:pPr marL="343080" indent="-342720">
+                <a:srgbClr val="000000"/>
+              </a:solidFill>
+              <a:uFill>
+                <a:solidFill>
+                  <a:srgbClr val="ffffff"/>
+                </a:solidFill>
+              </a:uFill>
+              <a:latin typeface="Arial"/>
+            </a:endParaRPr>
+          </a:p>
+          <a:p>
+            <a:pPr marL="343080" indent="-342360">
               <a:lnSpc>
                 <a:spcPct val="100000"/>
               </a:lnSpc>
@@ -6164,22 +5740,22 @@
                 </a:uFill>
                 <a:latin typeface="Trebuchet MS"/>
               </a:rPr>
-              <a:t>Desktop application.</a:t>
+              <a:t>Animations</a:t>
             </a:r>
             <a:endParaRPr b="0" lang="en-US" sz="1800" spc="-1" strike="noStrike">
               <a:solidFill>
-                <a:srgbClr val="404040"/>
-              </a:solidFill>
-              <a:uFill>
-                <a:solidFill>
-                  <a:srgbClr val="ffffff"/>
-                </a:solidFill>
-              </a:uFill>
-              <a:latin typeface="Trebuchet MS"/>
-            </a:endParaRPr>
-          </a:p>
-          <a:p>
-            <a:pPr marL="343080" indent="-342720">
+                <a:srgbClr val="000000"/>
+              </a:solidFill>
+              <a:uFill>
+                <a:solidFill>
+                  <a:srgbClr val="ffffff"/>
+                </a:solidFill>
+              </a:uFill>
+              <a:latin typeface="Arial"/>
+            </a:endParaRPr>
+          </a:p>
+          <a:p>
+            <a:pPr marL="343080" indent="-342360">
               <a:lnSpc>
                 <a:spcPct val="100000"/>
               </a:lnSpc>
@@ -6202,18 +5778,56 @@
                 </a:uFill>
                 <a:latin typeface="Trebuchet MS"/>
               </a:rPr>
+              <a:t>Desktop application</a:t>
+            </a:r>
+            <a:endParaRPr b="0" lang="en-US" sz="1800" spc="-1" strike="noStrike">
+              <a:solidFill>
+                <a:srgbClr val="000000"/>
+              </a:solidFill>
+              <a:uFill>
+                <a:solidFill>
+                  <a:srgbClr val="ffffff"/>
+                </a:solidFill>
+              </a:uFill>
+              <a:latin typeface="Arial"/>
+            </a:endParaRPr>
+          </a:p>
+          <a:p>
+            <a:pPr marL="343080" indent="-342360">
+              <a:lnSpc>
+                <a:spcPct val="100000"/>
+              </a:lnSpc>
+              <a:buClr>
+                <a:srgbClr val="90c226"/>
+              </a:buClr>
+              <a:buSzPct val="80000"/>
+              <a:buFont typeface="Wingdings 3" charset="2"/>
+              <a:buChar char=""/>
+            </a:pPr>
+            <a:r>
+              <a:rPr b="0" lang="en-US" sz="1800" spc="-1" strike="noStrike">
+                <a:solidFill>
+                  <a:srgbClr val="404040"/>
+                </a:solidFill>
+                <a:uFill>
+                  <a:solidFill>
+                    <a:srgbClr val="ffffff"/>
+                  </a:solidFill>
+                </a:uFill>
+                <a:latin typeface="Trebuchet MS"/>
+              </a:rPr>
               <a:t>Cross-platform (Linux, Windows, Mac)</a:t>
             </a:r>
             <a:endParaRPr b="0" lang="en-US" sz="1800" spc="-1" strike="noStrike">
               <a:solidFill>
-                <a:srgbClr val="404040"/>
-              </a:solidFill>
-              <a:uFill>
-                <a:solidFill>
-                  <a:srgbClr val="ffffff"/>
-                </a:solidFill>
-              </a:uFill>
-              <a:latin typeface="Trebuchet MS"/>
+                <a:srgbClr val="000000"/>
+              </a:solidFill>
+              <a:uFill>
+                <a:solidFill>
+                  <a:srgbClr val="ffffff"/>
+                </a:solidFill>
+              </a:uFill>
+              <a:latin typeface="Arial"/>
             </a:endParaRPr>
           </a:p>
         </p:txBody>
@@ -6269,14 +5883,14 @@
       </p:grpSpPr>
       <p:sp>
         <p:nvSpPr>
-          <p:cNvPr id="112" name="TextShape 1"/>
-          <p:cNvSpPr txBox="1"/>
+          <p:cNvPr id="106" name="CustomShape 1"/>
+          <p:cNvSpPr/>
           <p:nvPr/>
         </p:nvSpPr>
         <p:spPr>
           <a:xfrm>
             <a:off x="677160" y="609480"/>
-            <a:ext cx="8596440" cy="1320480"/>
+            <a:ext cx="8596080" cy="1320120"/>
           </a:xfrm>
           <a:prstGeom prst="rect">
             <a:avLst/>
@@ -6286,8 +5900,14 @@
             <a:noFill/>
           </a:ln>
         </p:spPr>
+        <p:style>
+          <a:lnRef idx="0"/>
+          <a:fillRef idx="0"/>
+          <a:effectRef idx="0"/>
+          <a:fontRef idx="minor"/>
+        </p:style>
         <p:txBody>
-          <a:bodyPr/>
+          <a:bodyPr lIns="90000" rIns="90000" tIns="45000" bIns="45000"/>
           <a:p>
             <a:pPr>
               <a:lnSpc>
@@ -6317,21 +5937,21 @@
                   <a:srgbClr val="ffffff"/>
                 </a:solidFill>
               </a:uFill>
-              <a:latin typeface="Trebuchet MS"/>
+              <a:latin typeface="Arial"/>
             </a:endParaRPr>
           </a:p>
         </p:txBody>
       </p:sp>
       <p:sp>
         <p:nvSpPr>
-          <p:cNvPr id="113" name="TextShape 2"/>
-          <p:cNvSpPr txBox="1"/>
+          <p:cNvPr id="107" name="CustomShape 2"/>
+          <p:cNvSpPr/>
           <p:nvPr/>
         </p:nvSpPr>
         <p:spPr>
           <a:xfrm>
             <a:off x="677160" y="2160720"/>
-            <a:ext cx="8596440" cy="3880440"/>
+            <a:ext cx="8596080" cy="3880080"/>
           </a:xfrm>
           <a:prstGeom prst="rect">
             <a:avLst/>
@@ -6341,10 +5961,16 @@
             <a:noFill/>
           </a:ln>
         </p:spPr>
+        <p:style>
+          <a:lnRef idx="0"/>
+          <a:fillRef idx="0"/>
+          <a:effectRef idx="0"/>
+          <a:fontRef idx="minor"/>
+        </p:style>
         <p:txBody>
-          <a:bodyPr/>
-          <a:p>
-            <a:pPr marL="343080" indent="-342720">
+          <a:bodyPr lIns="90000" rIns="90000" tIns="45000" bIns="45000"/>
+          <a:p>
+            <a:pPr marL="343080" indent="-342360">
               <a:lnSpc>
                 <a:spcPct val="100000"/>
               </a:lnSpc>
@@ -6367,22 +5993,22 @@
                 </a:uFill>
                 <a:latin typeface="Trebuchet MS"/>
               </a:rPr>
-              <a:t>We both have an interest with video games, and are curious to see what goes into creating a game from scratch.</a:t>
+              <a:t>We all shared an interest with video games, our curiosity geared us towards creating a game from scratch.</a:t>
             </a:r>
             <a:endParaRPr b="0" lang="en-US" sz="1800" spc="-1" strike="noStrike">
               <a:solidFill>
-                <a:srgbClr val="404040"/>
-              </a:solidFill>
-              <a:uFill>
-                <a:solidFill>
-                  <a:srgbClr val="ffffff"/>
-                </a:solidFill>
-              </a:uFill>
-              <a:latin typeface="Trebuchet MS"/>
-            </a:endParaRPr>
-          </a:p>
-          <a:p>
-            <a:pPr marL="343080" indent="-342720">
+                <a:srgbClr val="000000"/>
+              </a:solidFill>
+              <a:uFill>
+                <a:solidFill>
+                  <a:srgbClr val="ffffff"/>
+                </a:solidFill>
+              </a:uFill>
+              <a:latin typeface="Arial"/>
+            </a:endParaRPr>
+          </a:p>
+          <a:p>
+            <a:pPr marL="343080" indent="-342360">
               <a:lnSpc>
                 <a:spcPct val="100000"/>
               </a:lnSpc>
@@ -6405,22 +6031,22 @@
                 </a:uFill>
                 <a:latin typeface="Trebuchet MS"/>
               </a:rPr>
-              <a:t>It also requires us to learn to program efficiently so we do not use an excess of computer resources in order to run the game.</a:t>
+              <a:t>It also required us to learn to program efficiently so we do not use an excess of computer resources in order to run the game.</a:t>
             </a:r>
             <a:endParaRPr b="0" lang="en-US" sz="1800" spc="-1" strike="noStrike">
               <a:solidFill>
-                <a:srgbClr val="404040"/>
-              </a:solidFill>
-              <a:uFill>
-                <a:solidFill>
-                  <a:srgbClr val="ffffff"/>
-                </a:solidFill>
-              </a:uFill>
-              <a:latin typeface="Trebuchet MS"/>
-            </a:endParaRPr>
-          </a:p>
-          <a:p>
-            <a:pPr marL="343080" indent="-342720">
+                <a:srgbClr val="000000"/>
+              </a:solidFill>
+              <a:uFill>
+                <a:solidFill>
+                  <a:srgbClr val="ffffff"/>
+                </a:solidFill>
+              </a:uFill>
+              <a:latin typeface="Arial"/>
+            </a:endParaRPr>
+          </a:p>
+          <a:p>
+            <a:pPr marL="343080" indent="-342360">
               <a:lnSpc>
                 <a:spcPct val="100000"/>
               </a:lnSpc>
@@ -6447,14 +6073,14 @@
             </a:r>
             <a:endParaRPr b="0" lang="en-US" sz="1800" spc="-1" strike="noStrike">
               <a:solidFill>
-                <a:srgbClr val="404040"/>
-              </a:solidFill>
-              <a:uFill>
-                <a:solidFill>
-                  <a:srgbClr val="ffffff"/>
-                </a:solidFill>
-              </a:uFill>
-              <a:latin typeface="Trebuchet MS"/>
+                <a:srgbClr val="000000"/>
+              </a:solidFill>
+              <a:uFill>
+                <a:solidFill>
+                  <a:srgbClr val="ffffff"/>
+                </a:solidFill>
+              </a:uFill>
+              <a:latin typeface="Arial"/>
             </a:endParaRPr>
           </a:p>
         </p:txBody>
@@ -6510,14 +6136,14 @@
       </p:grpSpPr>
       <p:sp>
         <p:nvSpPr>
-          <p:cNvPr id="114" name="TextShape 1"/>
-          <p:cNvSpPr txBox="1"/>
+          <p:cNvPr id="108" name="CustomShape 1"/>
+          <p:cNvSpPr/>
           <p:nvPr/>
         </p:nvSpPr>
         <p:spPr>
           <a:xfrm>
             <a:off x="677160" y="609480"/>
-            <a:ext cx="8596440" cy="1320480"/>
+            <a:ext cx="8596080" cy="1320120"/>
           </a:xfrm>
           <a:prstGeom prst="rect">
             <a:avLst/>
@@ -6527,8 +6153,14 @@
             <a:noFill/>
           </a:ln>
         </p:spPr>
+        <p:style>
+          <a:lnRef idx="0"/>
+          <a:fillRef idx="0"/>
+          <a:effectRef idx="0"/>
+          <a:fontRef idx="minor"/>
+        </p:style>
         <p:txBody>
-          <a:bodyPr/>
+          <a:bodyPr lIns="90000" rIns="90000" tIns="45000" bIns="45000"/>
           <a:p>
             <a:pPr>
               <a:lnSpc>
@@ -6558,21 +6190,21 @@
                   <a:srgbClr val="ffffff"/>
                 </a:solidFill>
               </a:uFill>
-              <a:latin typeface="Trebuchet MS"/>
+              <a:latin typeface="Arial"/>
             </a:endParaRPr>
           </a:p>
         </p:txBody>
       </p:sp>
       <p:sp>
         <p:nvSpPr>
-          <p:cNvPr id="115" name="TextShape 2"/>
-          <p:cNvSpPr txBox="1"/>
+          <p:cNvPr id="109" name="CustomShape 2"/>
+          <p:cNvSpPr/>
           <p:nvPr/>
         </p:nvSpPr>
         <p:spPr>
           <a:xfrm>
             <a:off x="677160" y="2160720"/>
-            <a:ext cx="8596440" cy="3880440"/>
+            <a:ext cx="8596080" cy="3880080"/>
           </a:xfrm>
           <a:prstGeom prst="rect">
             <a:avLst/>
@@ -6582,10 +6214,16 @@
             <a:noFill/>
           </a:ln>
         </p:spPr>
+        <p:style>
+          <a:lnRef idx="0"/>
+          <a:fillRef idx="0"/>
+          <a:effectRef idx="0"/>
+          <a:fontRef idx="minor"/>
+        </p:style>
         <p:txBody>
-          <a:bodyPr/>
-          <a:p>
-            <a:pPr marL="343080" indent="-342720">
+          <a:bodyPr lIns="90000" rIns="90000" tIns="45000" bIns="45000"/>
+          <a:p>
+            <a:pPr marL="343080" indent="-342360">
               <a:lnSpc>
                 <a:spcPct val="100000"/>
               </a:lnSpc>
@@ -6608,22 +6246,22 @@
                 </a:uFill>
                 <a:latin typeface="Trebuchet MS"/>
               </a:rPr>
-              <a:t>There are plenty of examples that can be used as a style reference.</a:t>
+              <a:t>Early 1990’s styled video games.</a:t>
             </a:r>
             <a:endParaRPr b="0" lang="en-US" sz="1800" spc="-1" strike="noStrike">
               <a:solidFill>
-                <a:srgbClr val="404040"/>
-              </a:solidFill>
-              <a:uFill>
-                <a:solidFill>
-                  <a:srgbClr val="ffffff"/>
-                </a:solidFill>
-              </a:uFill>
-              <a:latin typeface="Trebuchet MS"/>
-            </a:endParaRPr>
-          </a:p>
-          <a:p>
-            <a:pPr marL="343080" indent="-342720">
+                <a:srgbClr val="000000"/>
+              </a:solidFill>
+              <a:uFill>
+                <a:solidFill>
+                  <a:srgbClr val="ffffff"/>
+                </a:solidFill>
+              </a:uFill>
+              <a:latin typeface="Arial"/>
+            </a:endParaRPr>
+          </a:p>
+          <a:p>
+            <a:pPr marL="343080" indent="-342360">
               <a:lnSpc>
                 <a:spcPct val="100000"/>
               </a:lnSpc>
@@ -6646,56 +6284,18 @@
                 </a:uFill>
                 <a:latin typeface="Trebuchet MS"/>
               </a:rPr>
-              <a:t>Early 1990’s styled video games.</a:t>
-            </a:r>
-            <a:endParaRPr b="0" lang="en-US" sz="1800" spc="-1" strike="noStrike">
-              <a:solidFill>
-                <a:srgbClr val="404040"/>
-              </a:solidFill>
-              <a:uFill>
-                <a:solidFill>
-                  <a:srgbClr val="ffffff"/>
-                </a:solidFill>
-              </a:uFill>
-              <a:latin typeface="Trebuchet MS"/>
-            </a:endParaRPr>
-          </a:p>
-          <a:p>
-            <a:pPr marL="343080" indent="-342720">
-              <a:lnSpc>
-                <a:spcPct val="100000"/>
-              </a:lnSpc>
-              <a:buClr>
-                <a:srgbClr val="90c226"/>
-              </a:buClr>
-              <a:buSzPct val="80000"/>
-              <a:buFont typeface="Wingdings 3" charset="2"/>
-              <a:buChar char=""/>
-            </a:pPr>
-            <a:r>
-              <a:rPr b="0" lang="en-US" sz="1800" spc="-1" strike="noStrike">
-                <a:solidFill>
-                  <a:srgbClr val="404040"/>
-                </a:solidFill>
-                <a:uFill>
-                  <a:solidFill>
-                    <a:srgbClr val="ffffff"/>
-                  </a:solidFill>
-                </a:uFill>
-                <a:latin typeface="Trebuchet MS"/>
-              </a:rPr>
               <a:t>Pokemon, The Legend of Zelda, Etc.</a:t>
             </a:r>
             <a:endParaRPr b="0" lang="en-US" sz="1800" spc="-1" strike="noStrike">
               <a:solidFill>
-                <a:srgbClr val="404040"/>
-              </a:solidFill>
-              <a:uFill>
-                <a:solidFill>
-                  <a:srgbClr val="ffffff"/>
-                </a:solidFill>
-              </a:uFill>
-              <a:latin typeface="Trebuchet MS"/>
+                <a:srgbClr val="000000"/>
+              </a:solidFill>
+              <a:uFill>
+                <a:solidFill>
+                  <a:srgbClr val="ffffff"/>
+                </a:solidFill>
+              </a:uFill>
+              <a:latin typeface="Arial"/>
             </a:endParaRPr>
           </a:p>
           <a:p>
@@ -6706,14 +6306,14 @@
             </a:pPr>
             <a:endParaRPr b="0" lang="en-US" sz="1800" spc="-1" strike="noStrike">
               <a:solidFill>
-                <a:srgbClr val="404040"/>
-              </a:solidFill>
-              <a:uFill>
-                <a:solidFill>
-                  <a:srgbClr val="ffffff"/>
-                </a:solidFill>
-              </a:uFill>
-              <a:latin typeface="Trebuchet MS"/>
+                <a:srgbClr val="000000"/>
+              </a:solidFill>
+              <a:uFill>
+                <a:solidFill>
+                  <a:srgbClr val="ffffff"/>
+                </a:solidFill>
+              </a:uFill>
+              <a:latin typeface="Arial"/>
             </a:endParaRPr>
           </a:p>
         </p:txBody>
@@ -6769,14 +6369,14 @@
       </p:grpSpPr>
       <p:sp>
         <p:nvSpPr>
-          <p:cNvPr id="116" name="TextShape 1"/>
-          <p:cNvSpPr txBox="1"/>
+          <p:cNvPr id="110" name="CustomShape 1"/>
+          <p:cNvSpPr/>
           <p:nvPr/>
         </p:nvSpPr>
         <p:spPr>
           <a:xfrm>
             <a:off x="677160" y="609480"/>
-            <a:ext cx="8596440" cy="1320480"/>
+            <a:ext cx="8596080" cy="1320120"/>
           </a:xfrm>
           <a:prstGeom prst="rect">
             <a:avLst/>
@@ -6786,8 +6386,14 @@
             <a:noFill/>
           </a:ln>
         </p:spPr>
+        <p:style>
+          <a:lnRef idx="0"/>
+          <a:fillRef idx="0"/>
+          <a:effectRef idx="0"/>
+          <a:fontRef idx="minor"/>
+        </p:style>
         <p:txBody>
-          <a:bodyPr/>
+          <a:bodyPr lIns="90000" rIns="90000" tIns="45000" bIns="45000"/>
           <a:p>
             <a:pPr>
               <a:lnSpc>
@@ -6806,7 +6412,7 @@
                 </a:uFill>
                 <a:latin typeface="Trebuchet MS"/>
               </a:rPr>
-              <a:t>Evaluation</a:t>
+              <a:t>Proposed Approach</a:t>
             </a:r>
             <a:endParaRPr b="0" lang="en-US" sz="1800" spc="-1" strike="noStrike">
               <a:solidFill>
@@ -6817,21 +6423,21 @@
                   <a:srgbClr val="ffffff"/>
                 </a:solidFill>
               </a:uFill>
-              <a:latin typeface="Trebuchet MS"/>
+              <a:latin typeface="Arial"/>
             </a:endParaRPr>
           </a:p>
         </p:txBody>
       </p:sp>
       <p:sp>
         <p:nvSpPr>
-          <p:cNvPr id="117" name="TextShape 2"/>
-          <p:cNvSpPr txBox="1"/>
+          <p:cNvPr id="111" name="CustomShape 2"/>
+          <p:cNvSpPr/>
           <p:nvPr/>
         </p:nvSpPr>
         <p:spPr>
           <a:xfrm>
             <a:off x="677160" y="2160720"/>
-            <a:ext cx="8596440" cy="3880440"/>
+            <a:ext cx="8596080" cy="3880080"/>
           </a:xfrm>
           <a:prstGeom prst="rect">
             <a:avLst/>
@@ -6841,10 +6447,16 @@
             <a:noFill/>
           </a:ln>
         </p:spPr>
+        <p:style>
+          <a:lnRef idx="0"/>
+          <a:fillRef idx="0"/>
+          <a:effectRef idx="0"/>
+          <a:fontRef idx="minor"/>
+        </p:style>
         <p:txBody>
-          <a:bodyPr/>
-          <a:p>
-            <a:pPr marL="343080" indent="-342720">
+          <a:bodyPr lIns="90000" rIns="90000" tIns="45000" bIns="45000"/>
+          <a:p>
+            <a:pPr marL="343080" indent="-342360">
               <a:lnSpc>
                 <a:spcPct val="100000"/>
               </a:lnSpc>
@@ -6867,22 +6479,22 @@
                 </a:uFill>
                 <a:latin typeface="Trebuchet MS"/>
               </a:rPr>
-              <a:t>The game was challenging since we had to create everything from scratch.</a:t>
+              <a:t>Break down task into smaller manageable subtasks</a:t>
             </a:r>
             <a:endParaRPr b="0" lang="en-US" sz="1800" spc="-1" strike="noStrike">
               <a:solidFill>
-                <a:srgbClr val="404040"/>
-              </a:solidFill>
-              <a:uFill>
-                <a:solidFill>
-                  <a:srgbClr val="ffffff"/>
-                </a:solidFill>
-              </a:uFill>
-              <a:latin typeface="Trebuchet MS"/>
-            </a:endParaRPr>
-          </a:p>
-          <a:p>
-            <a:pPr marL="343080" indent="-342720">
+                <a:srgbClr val="000000"/>
+              </a:solidFill>
+              <a:uFill>
+                <a:solidFill>
+                  <a:srgbClr val="ffffff"/>
+                </a:solidFill>
+              </a:uFill>
+              <a:latin typeface="Arial"/>
+            </a:endParaRPr>
+          </a:p>
+          <a:p>
+            <a:pPr marL="343080" indent="-342360">
               <a:lnSpc>
                 <a:spcPct val="100000"/>
               </a:lnSpc>
@@ -6905,22 +6517,22 @@
                 </a:uFill>
                 <a:latin typeface="Trebuchet MS"/>
               </a:rPr>
-              <a:t>Collision resolution was the most difficult.</a:t>
+              <a:t>Research SFML, TGUI, Python C API, Boost and CMake</a:t>
             </a:r>
             <a:endParaRPr b="0" lang="en-US" sz="1800" spc="-1" strike="noStrike">
               <a:solidFill>
-                <a:srgbClr val="404040"/>
-              </a:solidFill>
-              <a:uFill>
-                <a:solidFill>
-                  <a:srgbClr val="ffffff"/>
-                </a:solidFill>
-              </a:uFill>
-              <a:latin typeface="Trebuchet MS"/>
-            </a:endParaRPr>
-          </a:p>
-          <a:p>
-            <a:pPr marL="343080" indent="-342720">
+                <a:srgbClr val="000000"/>
+              </a:solidFill>
+              <a:uFill>
+                <a:solidFill>
+                  <a:srgbClr val="ffffff"/>
+                </a:solidFill>
+              </a:uFill>
+              <a:latin typeface="Arial"/>
+            </a:endParaRPr>
+          </a:p>
+          <a:p>
+            <a:pPr marL="343080" indent="-342360">
               <a:lnSpc>
                 <a:spcPct val="100000"/>
               </a:lnSpc>
@@ -6943,22 +6555,22 @@
                 </a:uFill>
                 <a:latin typeface="Trebuchet MS"/>
               </a:rPr>
-              <a:t>Camera follows the player around the maps and correctly handles when the player reaches the edge.</a:t>
+              <a:t>Develop core engine code (StateHandler, ResourceHandler)</a:t>
             </a:r>
             <a:endParaRPr b="0" lang="en-US" sz="1800" spc="-1" strike="noStrike">
               <a:solidFill>
-                <a:srgbClr val="404040"/>
-              </a:solidFill>
-              <a:uFill>
-                <a:solidFill>
-                  <a:srgbClr val="ffffff"/>
-                </a:solidFill>
-              </a:uFill>
-              <a:latin typeface="Trebuchet MS"/>
-            </a:endParaRPr>
-          </a:p>
-          <a:p>
-            <a:pPr marL="343080" indent="-342720">
+                <a:srgbClr val="000000"/>
+              </a:solidFill>
+              <a:uFill>
+                <a:solidFill>
+                  <a:srgbClr val="ffffff"/>
+                </a:solidFill>
+              </a:uFill>
+              <a:latin typeface="Arial"/>
+            </a:endParaRPr>
+          </a:p>
+          <a:p>
+            <a:pPr marL="343080" indent="-342360">
               <a:lnSpc>
                 <a:spcPct val="100000"/>
               </a:lnSpc>
@@ -6981,18 +6593,112 @@
                 </a:uFill>
                 <a:latin typeface="Trebuchet MS"/>
               </a:rPr>
-              <a:t>Enemies have a very primitive AI due to lack of time to accomplish all our goals.</a:t>
+              <a:t>Design a .tmx map parser to load and render maps</a:t>
             </a:r>
             <a:endParaRPr b="0" lang="en-US" sz="1800" spc="-1" strike="noStrike">
               <a:solidFill>
-                <a:srgbClr val="404040"/>
-              </a:solidFill>
-              <a:uFill>
-                <a:solidFill>
-                  <a:srgbClr val="ffffff"/>
-                </a:solidFill>
-              </a:uFill>
-              <a:latin typeface="Trebuchet MS"/>
+                <a:srgbClr val="000000"/>
+              </a:solidFill>
+              <a:uFill>
+                <a:solidFill>
+                  <a:srgbClr val="ffffff"/>
+                </a:solidFill>
+              </a:uFill>
+              <a:latin typeface="Arial"/>
+            </a:endParaRPr>
+          </a:p>
+          <a:p>
+            <a:pPr marL="343080" indent="-342360">
+              <a:lnSpc>
+                <a:spcPct val="100000"/>
+              </a:lnSpc>
+              <a:buClr>
+                <a:srgbClr val="90c226"/>
+              </a:buClr>
+              <a:buSzPct val="80000"/>
+              <a:buFont typeface="Wingdings 3" charset="2"/>
+              <a:buChar char=""/>
+            </a:pPr>
+            <a:r>
+              <a:rPr b="0" lang="en-US" sz="1800" spc="-1" strike="noStrike">
+                <a:solidFill>
+                  <a:srgbClr val="404040"/>
+                </a:solidFill>
+                <a:uFill>
+                  <a:solidFill>
+                    <a:srgbClr val="ffffff"/>
+                  </a:solidFill>
+                </a:uFill>
+                <a:latin typeface="Trebuchet MS"/>
+              </a:rPr>
+              <a:t>Use Python to load NPC scripts when invoked</a:t>
+            </a:r>
+            <a:endParaRPr b="0" lang="en-US" sz="1800" spc="-1" strike="noStrike">
+              <a:solidFill>
+                <a:srgbClr val="000000"/>
+              </a:solidFill>
+              <a:uFill>
+                <a:solidFill>
+                  <a:srgbClr val="ffffff"/>
+                </a:solidFill>
+              </a:uFill>
+              <a:latin typeface="Arial"/>
+            </a:endParaRPr>
+          </a:p>
+          <a:p>
+            <a:pPr marL="343080" indent="-342360">
+              <a:lnSpc>
+                <a:spcPct val="100000"/>
+              </a:lnSpc>
+              <a:buClr>
+                <a:srgbClr val="90c226"/>
+              </a:buClr>
+              <a:buSzPct val="80000"/>
+              <a:buFont typeface="Wingdings 3" charset="2"/>
+              <a:buChar char=""/>
+            </a:pPr>
+            <a:r>
+              <a:rPr b="0" lang="en-US" sz="1800" spc="-1" strike="noStrike">
+                <a:solidFill>
+                  <a:srgbClr val="404040"/>
+                </a:solidFill>
+                <a:uFill>
+                  <a:solidFill>
+                    <a:srgbClr val="ffffff"/>
+                  </a:solidFill>
+                </a:uFill>
+                <a:latin typeface="Trebuchet MS"/>
+              </a:rPr>
+              <a:t>Design and implement animations</a:t>
+            </a:r>
+            <a:endParaRPr b="0" lang="en-US" sz="1800" spc="-1" strike="noStrike">
+              <a:solidFill>
+                <a:srgbClr val="000000"/>
+              </a:solidFill>
+              <a:uFill>
+                <a:solidFill>
+                  <a:srgbClr val="ffffff"/>
+                </a:solidFill>
+              </a:uFill>
+              <a:latin typeface="Arial"/>
+            </a:endParaRPr>
+          </a:p>
+          <a:p>
+            <a:pPr>
+              <a:lnSpc>
+                <a:spcPct val="100000"/>
+              </a:lnSpc>
+            </a:pPr>
+            <a:endParaRPr b="0" lang="en-US" sz="1800" spc="-1" strike="noStrike">
+              <a:solidFill>
+                <a:srgbClr val="000000"/>
+              </a:solidFill>
+              <a:uFill>
+                <a:solidFill>
+                  <a:srgbClr val="ffffff"/>
+                </a:solidFill>
+              </a:uFill>
+              <a:latin typeface="Arial"/>
             </a:endParaRPr>
           </a:p>
         </p:txBody>
@@ -7048,14 +6754,14 @@
       </p:grpSpPr>
       <p:sp>
         <p:nvSpPr>
-          <p:cNvPr id="118" name="TextShape 1"/>
-          <p:cNvSpPr txBox="1"/>
+          <p:cNvPr id="112" name="CustomShape 1"/>
+          <p:cNvSpPr/>
           <p:nvPr/>
         </p:nvSpPr>
         <p:spPr>
           <a:xfrm>
             <a:off x="677160" y="609480"/>
-            <a:ext cx="8596440" cy="1320480"/>
+            <a:ext cx="8596080" cy="1320120"/>
           </a:xfrm>
           <a:prstGeom prst="rect">
             <a:avLst/>
@@ -7065,8 +6771,14 @@
             <a:noFill/>
           </a:ln>
         </p:spPr>
+        <p:style>
+          <a:lnRef idx="0"/>
+          <a:fillRef idx="0"/>
+          <a:effectRef idx="0"/>
+          <a:fontRef idx="minor"/>
+        </p:style>
         <p:txBody>
-          <a:bodyPr/>
+          <a:bodyPr lIns="90000" rIns="90000" tIns="45000" bIns="45000"/>
           <a:p>
             <a:pPr>
               <a:lnSpc>
@@ -7085,7 +6797,7 @@
                 </a:uFill>
                 <a:latin typeface="Trebuchet MS"/>
               </a:rPr>
-              <a:t>What we would change</a:t>
+              <a:t>Experimental Results</a:t>
             </a:r>
             <a:endParaRPr b="0" lang="en-US" sz="1800" spc="-1" strike="noStrike">
               <a:solidFill>
@@ -7096,21 +6808,21 @@
                   <a:srgbClr val="ffffff"/>
                 </a:solidFill>
               </a:uFill>
-              <a:latin typeface="Trebuchet MS"/>
+              <a:latin typeface="Arial"/>
             </a:endParaRPr>
           </a:p>
         </p:txBody>
       </p:sp>
       <p:sp>
         <p:nvSpPr>
-          <p:cNvPr id="119" name="TextShape 2"/>
-          <p:cNvSpPr txBox="1"/>
+          <p:cNvPr id="113" name="CustomShape 2"/>
+          <p:cNvSpPr/>
           <p:nvPr/>
         </p:nvSpPr>
         <p:spPr>
           <a:xfrm>
             <a:off x="677160" y="2160720"/>
-            <a:ext cx="8596440" cy="3880440"/>
+            <a:ext cx="8596080" cy="3880080"/>
           </a:xfrm>
           <a:prstGeom prst="rect">
             <a:avLst/>
@@ -7120,10 +6832,16 @@
             <a:noFill/>
           </a:ln>
         </p:spPr>
+        <p:style>
+          <a:lnRef idx="0"/>
+          <a:fillRef idx="0"/>
+          <a:effectRef idx="0"/>
+          <a:fontRef idx="minor"/>
+        </p:style>
         <p:txBody>
-          <a:bodyPr/>
-          <a:p>
-            <a:pPr marL="343080" indent="-342720">
+          <a:bodyPr lIns="90000" rIns="90000" tIns="45000" bIns="45000"/>
+          <a:p>
+            <a:pPr marL="343080" indent="-342360">
               <a:lnSpc>
                 <a:spcPct val="100000"/>
               </a:lnSpc>
@@ -7146,22 +6864,22 @@
                 </a:uFill>
                 <a:latin typeface="Trebuchet MS"/>
               </a:rPr>
-              <a:t>Break down task into smaller manageable subtasks</a:t>
+              <a:t>Player can walk around the map freely</a:t>
             </a:r>
             <a:endParaRPr b="0" lang="en-US" sz="1800" spc="-1" strike="noStrike">
               <a:solidFill>
-                <a:srgbClr val="404040"/>
-              </a:solidFill>
-              <a:uFill>
-                <a:solidFill>
-                  <a:srgbClr val="ffffff"/>
-                </a:solidFill>
-              </a:uFill>
-              <a:latin typeface="Trebuchet MS"/>
-            </a:endParaRPr>
-          </a:p>
-          <a:p>
-            <a:pPr marL="343080" indent="-342720">
+                <a:srgbClr val="000000"/>
+              </a:solidFill>
+              <a:uFill>
+                <a:solidFill>
+                  <a:srgbClr val="ffffff"/>
+                </a:solidFill>
+              </a:uFill>
+              <a:latin typeface="Arial"/>
+            </a:endParaRPr>
+          </a:p>
+          <a:p>
+            <a:pPr marL="343080" indent="-342360">
               <a:lnSpc>
                 <a:spcPct val="100000"/>
               </a:lnSpc>
@@ -7184,22 +6902,22 @@
                 </a:uFill>
                 <a:latin typeface="Trebuchet MS"/>
               </a:rPr>
-              <a:t>Research available alternatives to ease development.</a:t>
+              <a:t>Collision between Player and objects work</a:t>
             </a:r>
             <a:endParaRPr b="0" lang="en-US" sz="1800" spc="-1" strike="noStrike">
               <a:solidFill>
-                <a:srgbClr val="404040"/>
-              </a:solidFill>
-              <a:uFill>
-                <a:solidFill>
-                  <a:srgbClr val="ffffff"/>
-                </a:solidFill>
-              </a:uFill>
-              <a:latin typeface="Trebuchet MS"/>
-            </a:endParaRPr>
-          </a:p>
-          <a:p>
-            <a:pPr marL="343080" indent="-342720">
+                <a:srgbClr val="000000"/>
+              </a:solidFill>
+              <a:uFill>
+                <a:solidFill>
+                  <a:srgbClr val="ffffff"/>
+                </a:solidFill>
+              </a:uFill>
+              <a:latin typeface="Arial"/>
+            </a:endParaRPr>
+          </a:p>
+          <a:p>
+            <a:pPr marL="343080" indent="-342360">
               <a:lnSpc>
                 <a:spcPct val="100000"/>
               </a:lnSpc>
@@ -7222,22 +6940,22 @@
                 </a:uFill>
                 <a:latin typeface="Trebuchet MS"/>
               </a:rPr>
-              <a:t>Not creating everything from scratch (map handling and collision resolution)</a:t>
+              <a:t>Player animates when moving/attacking</a:t>
             </a:r>
             <a:endParaRPr b="0" lang="en-US" sz="1800" spc="-1" strike="noStrike">
               <a:solidFill>
-                <a:srgbClr val="404040"/>
-              </a:solidFill>
-              <a:uFill>
-                <a:solidFill>
-                  <a:srgbClr val="ffffff"/>
-                </a:solidFill>
-              </a:uFill>
-              <a:latin typeface="Trebuchet MS"/>
-            </a:endParaRPr>
-          </a:p>
-          <a:p>
-            <a:pPr marL="343080" indent="-342720">
+                <a:srgbClr val="000000"/>
+              </a:solidFill>
+              <a:uFill>
+                <a:solidFill>
+                  <a:srgbClr val="ffffff"/>
+                </a:solidFill>
+              </a:uFill>
+              <a:latin typeface="Arial"/>
+            </a:endParaRPr>
+          </a:p>
+          <a:p>
+            <a:pPr marL="343080" indent="-342360">
               <a:lnSpc>
                 <a:spcPct val="100000"/>
               </a:lnSpc>
@@ -7248,16 +6966,86 @@
               <a:buFont typeface="Wingdings 3" charset="2"/>
               <a:buChar char=""/>
             </a:pPr>
+            <a:r>
+              <a:rPr b="0" lang="en-US" sz="1800" spc="-1" strike="noStrike">
+                <a:solidFill>
+                  <a:srgbClr val="404040"/>
+                </a:solidFill>
+                <a:uFill>
+                  <a:solidFill>
+                    <a:srgbClr val="ffffff"/>
+                  </a:solidFill>
+                </a:uFill>
+                <a:latin typeface="Trebuchet MS"/>
+              </a:rPr>
+              <a:t>Dynamic GUI overlay</a:t>
+            </a:r>
             <a:endParaRPr b="0" lang="en-US" sz="1800" spc="-1" strike="noStrike">
               <a:solidFill>
-                <a:srgbClr val="404040"/>
-              </a:solidFill>
-              <a:uFill>
-                <a:solidFill>
-                  <a:srgbClr val="ffffff"/>
-                </a:solidFill>
-              </a:uFill>
-              <a:latin typeface="Trebuchet MS"/>
+                <a:srgbClr val="000000"/>
+              </a:solidFill>
+              <a:uFill>
+                <a:solidFill>
+                  <a:srgbClr val="ffffff"/>
+                </a:solidFill>
+              </a:uFill>
+              <a:latin typeface="Arial"/>
+            </a:endParaRPr>
+          </a:p>
+          <a:p>
+            <a:pPr marL="343080" indent="-342360">
+              <a:lnSpc>
+                <a:spcPct val="100000"/>
+              </a:lnSpc>
+              <a:buClr>
+                <a:srgbClr val="90c226"/>
+              </a:buClr>
+              <a:buSzPct val="80000"/>
+              <a:buFont typeface="Wingdings 3" charset="2"/>
+              <a:buChar char=""/>
+            </a:pPr>
+            <a:r>
+              <a:rPr b="0" lang="en-US" sz="1800" spc="-1" strike="noStrike">
+                <a:solidFill>
+                  <a:srgbClr val="404040"/>
+                </a:solidFill>
+                <a:uFill>
+                  <a:solidFill>
+                    <a:srgbClr val="ffffff"/>
+                  </a:solidFill>
+                </a:uFill>
+                <a:latin typeface="Trebuchet MS"/>
+              </a:rPr>
+              <a:t>Player can navigate back to the Main Menu and preserve state</a:t>
+            </a:r>
+            <a:endParaRPr b="0" lang="en-US" sz="1800" spc="-1" strike="noStrike">
+              <a:solidFill>
+                <a:srgbClr val="000000"/>
+              </a:solidFill>
+              <a:uFill>
+                <a:solidFill>
+                  <a:srgbClr val="ffffff"/>
+                </a:solidFill>
+              </a:uFill>
+              <a:latin typeface="Arial"/>
+            </a:endParaRPr>
+          </a:p>
+          <a:p>
+            <a:pPr>
+              <a:lnSpc>
+                <a:spcPct val="100000"/>
+              </a:lnSpc>
+            </a:pPr>
+            <a:endParaRPr b="0" lang="en-US" sz="1800" spc="-1" strike="noStrike">
+              <a:solidFill>
+                <a:srgbClr val="000000"/>
+              </a:solidFill>
+              <a:uFill>
+                <a:solidFill>
+                  <a:srgbClr val="ffffff"/>
+                </a:solidFill>
+              </a:uFill>
+              <a:latin typeface="Arial"/>
             </a:endParaRPr>
           </a:p>
         </p:txBody>
@@ -7313,14 +7101,14 @@
       </p:grpSpPr>
       <p:sp>
         <p:nvSpPr>
-          <p:cNvPr id="120" name="TextShape 1"/>
-          <p:cNvSpPr txBox="1"/>
+          <p:cNvPr id="114" name="CustomShape 1"/>
+          <p:cNvSpPr/>
           <p:nvPr/>
         </p:nvSpPr>
         <p:spPr>
           <a:xfrm>
             <a:off x="677160" y="609480"/>
-            <a:ext cx="8596440" cy="1320480"/>
+            <a:ext cx="8596080" cy="1320120"/>
           </a:xfrm>
           <a:prstGeom prst="rect">
             <a:avLst/>
@@ -7330,8 +7118,14 @@
             <a:noFill/>
           </a:ln>
         </p:spPr>
+        <p:style>
+          <a:lnRef idx="0"/>
+          <a:fillRef idx="0"/>
+          <a:effectRef idx="0"/>
+          <a:fontRef idx="minor"/>
+        </p:style>
         <p:txBody>
-          <a:bodyPr/>
+          <a:bodyPr lIns="90000" rIns="90000" tIns="45000" bIns="45000"/>
           <a:p>
             <a:pPr>
               <a:lnSpc>
@@ -7350,7 +7144,7 @@
                 </a:uFill>
                 <a:latin typeface="Trebuchet MS"/>
               </a:rPr>
-              <a:t>Timeline</a:t>
+              <a:t>Conclusion and Future Work</a:t>
             </a:r>
             <a:endParaRPr b="0" lang="en-US" sz="1800" spc="-1" strike="noStrike">
               <a:solidFill>
@@ -7361,1167 +7155,324 @@
                   <a:srgbClr val="ffffff"/>
                 </a:solidFill>
               </a:uFill>
-              <a:latin typeface="Trebuchet MS"/>
+              <a:latin typeface="Arial"/>
             </a:endParaRPr>
           </a:p>
         </p:txBody>
       </p:sp>
-      <p:graphicFrame>
-        <p:nvGraphicFramePr>
-          <p:cNvPr id="121" name="Table 2"/>
-          <p:cNvGraphicFramePr/>
+      <p:sp>
+        <p:nvSpPr>
+          <p:cNvPr id="115" name="CustomShape 2"/>
+          <p:cNvSpPr/>
           <p:nvPr/>
-        </p:nvGraphicFramePr>
-        <p:xfrm>
-          <a:off x="677160" y="1572840"/>
-          <a:ext cx="8596080" cy="3337200"/>
-        </p:xfrm>
-        <a:graphic>
-          <a:graphicData uri="http://schemas.openxmlformats.org/drawingml/2006/table">
-            <a:tbl>
-              <a:tblPr/>
-              <a:tblGrid>
-                <a:gridCol w="3189600"/>
-                <a:gridCol w="5406480"/>
-              </a:tblGrid>
-              <a:tr h="357120">
-                <a:tc>
-                  <a:txBody>
-                    <a:bodyPr lIns="74520" rIns="74520"/>
-                    <a:p>
-                      <a:pPr>
-                        <a:lnSpc>
-                          <a:spcPct val="100000"/>
-                        </a:lnSpc>
-                      </a:pPr>
-                      <a:r>
-                        <a:rPr b="1" lang="en-US" sz="1800" spc="-1" strike="noStrike">
-                          <a:solidFill>
-                            <a:srgbClr val="ffffff"/>
-                          </a:solidFill>
-                          <a:uFill>
-                            <a:solidFill>
-                              <a:srgbClr val="ffffff"/>
-                            </a:solidFill>
-                          </a:uFill>
-                          <a:latin typeface="Trebuchet MS"/>
-                        </a:rPr>
-                        <a:t>Week (Starting 1/29)</a:t>
-                      </a:r>
-                      <a:endParaRPr b="0" lang="en-US" sz="1800" spc="-1" strike="noStrike">
-                        <a:solidFill>
-                          <a:srgbClr val="000000"/>
-                        </a:solidFill>
-                        <a:uFill>
-                          <a:solidFill>
-                            <a:srgbClr val="ffffff"/>
-                          </a:solidFill>
-                        </a:uFill>
-                        <a:latin typeface="Arial"/>
-                      </a:endParaRPr>
-                    </a:p>
-                  </a:txBody>
-                  <a:tcPr marL="74520" marR="74520">
-                    <a:lnL w="12240">
-                      <a:solidFill>
-                        <a:srgbClr val="ffffff"/>
-                      </a:solidFill>
-                    </a:lnL>
-                    <a:lnR w="12240">
-                      <a:solidFill>
-                        <a:srgbClr val="ffffff"/>
-                      </a:solidFill>
-                    </a:lnR>
-                    <a:lnT w="12240">
-                      <a:solidFill>
-                        <a:srgbClr val="ffffff"/>
-                      </a:solidFill>
-                    </a:lnT>
-                    <a:lnB w="38160">
-                      <a:solidFill>
-                        <a:srgbClr val="ffffff"/>
-                      </a:solidFill>
-                    </a:lnB>
-                    <a:solidFill>
-                      <a:srgbClr val="90c226"/>
-                    </a:solidFill>
-                  </a:tcPr>
-                </a:tc>
-                <a:tc>
-                  <a:txBody>
-                    <a:bodyPr lIns="74520" rIns="74520"/>
-                    <a:p>
-                      <a:pPr>
-                        <a:lnSpc>
-                          <a:spcPct val="100000"/>
-                        </a:lnSpc>
-                      </a:pPr>
-                      <a:r>
-                        <a:rPr b="1" lang="en-US" sz="1800" spc="-1" strike="noStrike">
-                          <a:solidFill>
-                            <a:srgbClr val="ffffff"/>
-                          </a:solidFill>
-                          <a:uFill>
-                            <a:solidFill>
-                              <a:srgbClr val="ffffff"/>
-                            </a:solidFill>
-                          </a:uFill>
-                          <a:latin typeface="Trebuchet MS"/>
-                        </a:rPr>
-                        <a:t>Topics</a:t>
-                      </a:r>
-                      <a:endParaRPr b="0" lang="en-US" sz="1800" spc="-1" strike="noStrike">
-                        <a:solidFill>
-                          <a:srgbClr val="000000"/>
-                        </a:solidFill>
-                        <a:uFill>
-                          <a:solidFill>
-                            <a:srgbClr val="ffffff"/>
-                          </a:solidFill>
-                        </a:uFill>
-                        <a:latin typeface="Arial"/>
-                      </a:endParaRPr>
-                    </a:p>
-                  </a:txBody>
-                  <a:tcPr marL="74520" marR="74520">
-                    <a:lnL w="12240">
-                      <a:solidFill>
-                        <a:srgbClr val="ffffff"/>
-                      </a:solidFill>
-                    </a:lnL>
-                    <a:lnR w="12240">
-                      <a:solidFill>
-                        <a:srgbClr val="ffffff"/>
-                      </a:solidFill>
-                    </a:lnR>
-                    <a:lnT w="12240">
-                      <a:solidFill>
-                        <a:srgbClr val="ffffff"/>
-                      </a:solidFill>
-                    </a:lnT>
-                    <a:lnB w="38160">
-                      <a:solidFill>
-                        <a:srgbClr val="ffffff"/>
-                      </a:solidFill>
-                    </a:lnB>
-                    <a:solidFill>
-                      <a:srgbClr val="90c226"/>
-                    </a:solidFill>
-                  </a:tcPr>
-                </a:tc>
-              </a:tr>
-              <a:tr h="887760">
-                <a:tc>
-                  <a:txBody>
-                    <a:bodyPr lIns="74520" rIns="74520"/>
-                    <a:p>
-                      <a:pPr>
-                        <a:lnSpc>
-                          <a:spcPct val="100000"/>
-                        </a:lnSpc>
-                      </a:pPr>
-                      <a:r>
-                        <a:rPr b="0" lang="en-US" sz="1800" spc="-1" strike="noStrike">
-                          <a:solidFill>
-                            <a:srgbClr val="000000"/>
-                          </a:solidFill>
-                          <a:uFill>
-                            <a:solidFill>
-                              <a:srgbClr val="ffffff"/>
-                            </a:solidFill>
-                          </a:uFill>
-                          <a:latin typeface="Trebuchet MS"/>
-                        </a:rPr>
-                        <a:t>Week 1</a:t>
-                      </a:r>
-                      <a:endParaRPr b="0" lang="en-US" sz="1800" spc="-1" strike="noStrike">
-                        <a:solidFill>
-                          <a:srgbClr val="000000"/>
-                        </a:solidFill>
-                        <a:uFill>
-                          <a:solidFill>
-                            <a:srgbClr val="ffffff"/>
-                          </a:solidFill>
-                        </a:uFill>
-                        <a:latin typeface="Arial"/>
-                      </a:endParaRPr>
-                    </a:p>
-                  </a:txBody>
-                  <a:tcPr marL="74520" marR="74520">
-                    <a:lnL w="12240">
-                      <a:solidFill>
-                        <a:srgbClr val="ffffff"/>
-                      </a:solidFill>
-                    </a:lnL>
-                    <a:lnR w="12240">
-                      <a:solidFill>
-                        <a:srgbClr val="ffffff"/>
-                      </a:solidFill>
-                    </a:lnR>
-                    <a:lnT w="12240">
-                      <a:solidFill>
-                        <a:srgbClr val="ffffff"/>
-                      </a:solidFill>
-                    </a:lnT>
-                    <a:lnB w="12240">
-                      <a:solidFill>
-                        <a:srgbClr val="ffffff"/>
-                      </a:solidFill>
-                    </a:lnB>
-                    <a:solidFill>
-                      <a:srgbClr val="dbe9cc"/>
-                    </a:solidFill>
-                  </a:tcPr>
-                </a:tc>
-                <a:tc>
-                  <a:txBody>
-                    <a:bodyPr lIns="74520" rIns="74520"/>
-                    <a:p>
-                      <a:pPr>
-                        <a:lnSpc>
-                          <a:spcPct val="100000"/>
-                        </a:lnSpc>
-                      </a:pPr>
-                      <a:r>
-                        <a:rPr b="0" lang="en-US" sz="1800" spc="-1" strike="noStrike">
-                          <a:solidFill>
-                            <a:srgbClr val="000000"/>
-                          </a:solidFill>
-                          <a:uFill>
-                            <a:solidFill>
-                              <a:srgbClr val="ffffff"/>
-                            </a:solidFill>
-                          </a:uFill>
-                          <a:latin typeface="Trebuchet MS"/>
-                        </a:rPr>
-                        <a:t>Set up Github, dependencies, a basic window, and basic event handling. Download all open domain images/sprites needed.</a:t>
-                      </a:r>
-                      <a:endParaRPr b="0" lang="en-US" sz="1800" spc="-1" strike="noStrike">
-                        <a:solidFill>
-                          <a:srgbClr val="000000"/>
-                        </a:solidFill>
-                        <a:uFill>
-                          <a:solidFill>
-                            <a:srgbClr val="ffffff"/>
-                          </a:solidFill>
-                        </a:uFill>
-                        <a:latin typeface="Arial"/>
-                      </a:endParaRPr>
-                    </a:p>
-                  </a:txBody>
-                  <a:tcPr marL="74520" marR="74520">
-                    <a:lnL w="12240">
-                      <a:solidFill>
-                        <a:srgbClr val="ffffff"/>
-                      </a:solidFill>
-                    </a:lnL>
-                    <a:lnR w="12240">
-                      <a:solidFill>
-                        <a:srgbClr val="ffffff"/>
-                      </a:solidFill>
-                    </a:lnR>
-                    <a:lnT w="12240">
-                      <a:solidFill>
-                        <a:srgbClr val="ffffff"/>
-                      </a:solidFill>
-                    </a:lnT>
-                    <a:lnB w="12240">
-                      <a:solidFill>
-                        <a:srgbClr val="ffffff"/>
-                      </a:solidFill>
-                    </a:lnB>
-                    <a:solidFill>
-                      <a:srgbClr val="dbe9cc"/>
-                    </a:solidFill>
-                  </a:tcPr>
-                </a:tc>
-              </a:tr>
-              <a:tr h="622440">
-                <a:tc>
-                  <a:txBody>
-                    <a:bodyPr lIns="74520" rIns="74520"/>
-                    <a:p>
-                      <a:pPr>
-                        <a:lnSpc>
-                          <a:spcPct val="100000"/>
-                        </a:lnSpc>
-                      </a:pPr>
-                      <a:r>
-                        <a:rPr b="0" lang="en-US" sz="1800" spc="-1" strike="noStrike">
-                          <a:solidFill>
-                            <a:srgbClr val="000000"/>
-                          </a:solidFill>
-                          <a:uFill>
-                            <a:solidFill>
-                              <a:srgbClr val="ffffff"/>
-                            </a:solidFill>
-                          </a:uFill>
-                          <a:latin typeface="Trebuchet MS"/>
-                        </a:rPr>
-                        <a:t>Week 2 &amp; 3</a:t>
-                      </a:r>
-                      <a:endParaRPr b="0" lang="en-US" sz="1800" spc="-1" strike="noStrike">
-                        <a:solidFill>
-                          <a:srgbClr val="000000"/>
-                        </a:solidFill>
-                        <a:uFill>
-                          <a:solidFill>
-                            <a:srgbClr val="ffffff"/>
-                          </a:solidFill>
-                        </a:uFill>
-                        <a:latin typeface="Arial"/>
-                      </a:endParaRPr>
-                    </a:p>
-                  </a:txBody>
-                  <a:tcPr marL="74520" marR="74520">
-                    <a:lnL w="12240">
-                      <a:solidFill>
-                        <a:srgbClr val="ffffff"/>
-                      </a:solidFill>
-                    </a:lnL>
-                    <a:lnR w="12240">
-                      <a:solidFill>
-                        <a:srgbClr val="ffffff"/>
-                      </a:solidFill>
-                    </a:lnR>
-                    <a:lnT w="12240">
-                      <a:solidFill>
-                        <a:srgbClr val="ffffff"/>
-                      </a:solidFill>
-                    </a:lnT>
-                    <a:lnB w="12240">
-                      <a:solidFill>
-                        <a:srgbClr val="ffffff"/>
-                      </a:solidFill>
-                    </a:lnB>
-                    <a:solidFill>
-                      <a:srgbClr val="eef4e7"/>
-                    </a:solidFill>
-                  </a:tcPr>
-                </a:tc>
-                <a:tc>
-                  <a:txBody>
-                    <a:bodyPr lIns="74520" rIns="74520"/>
-                    <a:p>
-                      <a:pPr>
-                        <a:lnSpc>
-                          <a:spcPct val="100000"/>
-                        </a:lnSpc>
-                      </a:pPr>
-                      <a:r>
-                        <a:rPr b="0" lang="en-US" sz="1800" spc="-1" strike="noStrike">
-                          <a:solidFill>
-                            <a:srgbClr val="000000"/>
-                          </a:solidFill>
-                          <a:uFill>
-                            <a:solidFill>
-                              <a:srgbClr val="ffffff"/>
-                            </a:solidFill>
-                          </a:uFill>
-                          <a:latin typeface="Trebuchet MS"/>
-                        </a:rPr>
-                        <a:t>Moveable character and window’s view of the “world”. Game’s story planned and created.</a:t>
-                      </a:r>
-                      <a:endParaRPr b="0" lang="en-US" sz="1800" spc="-1" strike="noStrike">
-                        <a:solidFill>
-                          <a:srgbClr val="000000"/>
-                        </a:solidFill>
-                        <a:uFill>
-                          <a:solidFill>
-                            <a:srgbClr val="ffffff"/>
-                          </a:solidFill>
-                        </a:uFill>
-                        <a:latin typeface="Arial"/>
-                      </a:endParaRPr>
-                    </a:p>
-                  </a:txBody>
-                  <a:tcPr marL="74520" marR="74520">
-                    <a:lnL w="12240">
-                      <a:solidFill>
-                        <a:srgbClr val="ffffff"/>
-                      </a:solidFill>
-                    </a:lnL>
-                    <a:lnR w="12240">
-                      <a:solidFill>
-                        <a:srgbClr val="ffffff"/>
-                      </a:solidFill>
-                    </a:lnR>
-                    <a:lnT w="12240">
-                      <a:solidFill>
-                        <a:srgbClr val="ffffff"/>
-                      </a:solidFill>
-                    </a:lnT>
-                    <a:lnB w="12240">
-                      <a:solidFill>
-                        <a:srgbClr val="ffffff"/>
-                      </a:solidFill>
-                    </a:lnB>
-                    <a:solidFill>
-                      <a:srgbClr val="eef4e7"/>
-                    </a:solidFill>
-                  </a:tcPr>
-                </a:tc>
-              </a:tr>
-              <a:tr h="357120">
-                <a:tc>
-                  <a:txBody>
-                    <a:bodyPr lIns="74520" rIns="74520"/>
-                    <a:p>
-                      <a:pPr>
-                        <a:lnSpc>
-                          <a:spcPct val="100000"/>
-                        </a:lnSpc>
-                      </a:pPr>
-                      <a:r>
-                        <a:rPr b="0" lang="en-US" sz="1800" spc="-1" strike="noStrike">
-                          <a:solidFill>
-                            <a:srgbClr val="000000"/>
-                          </a:solidFill>
-                          <a:uFill>
-                            <a:solidFill>
-                              <a:srgbClr val="ffffff"/>
-                            </a:solidFill>
-                          </a:uFill>
-                          <a:latin typeface="Trebuchet MS"/>
-                        </a:rPr>
-                        <a:t>Week 4 &amp; 5</a:t>
-                      </a:r>
-                      <a:endParaRPr b="0" lang="en-US" sz="1800" spc="-1" strike="noStrike">
-                        <a:solidFill>
-                          <a:srgbClr val="000000"/>
-                        </a:solidFill>
-                        <a:uFill>
-                          <a:solidFill>
-                            <a:srgbClr val="ffffff"/>
-                          </a:solidFill>
-                        </a:uFill>
-                        <a:latin typeface="Arial"/>
-                      </a:endParaRPr>
-                    </a:p>
-                  </a:txBody>
-                  <a:tcPr marL="74520" marR="74520">
-                    <a:lnL w="12240">
-                      <a:solidFill>
-                        <a:srgbClr val="ffffff"/>
-                      </a:solidFill>
-                    </a:lnL>
-                    <a:lnR w="12240">
-                      <a:solidFill>
-                        <a:srgbClr val="ffffff"/>
-                      </a:solidFill>
-                    </a:lnR>
-                    <a:lnT w="12240">
-                      <a:solidFill>
-                        <a:srgbClr val="ffffff"/>
-                      </a:solidFill>
-                    </a:lnT>
-                    <a:lnB w="12240">
-                      <a:solidFill>
-                        <a:srgbClr val="ffffff"/>
-                      </a:solidFill>
-                    </a:lnB>
-                    <a:solidFill>
-                      <a:srgbClr val="dbe9cc"/>
-                    </a:solidFill>
-                  </a:tcPr>
-                </a:tc>
-                <a:tc>
-                  <a:txBody>
-                    <a:bodyPr lIns="74520" rIns="74520"/>
-                    <a:p>
-                      <a:pPr>
-                        <a:lnSpc>
-                          <a:spcPct val="100000"/>
-                        </a:lnSpc>
-                      </a:pPr>
-                      <a:r>
-                        <a:rPr b="0" lang="en-US" sz="1800" spc="-1" strike="noStrike">
-                          <a:solidFill>
-                            <a:srgbClr val="000000"/>
-                          </a:solidFill>
-                          <a:uFill>
-                            <a:solidFill>
-                              <a:srgbClr val="ffffff"/>
-                            </a:solidFill>
-                          </a:uFill>
-                          <a:latin typeface="Trebuchet MS"/>
-                        </a:rPr>
-                        <a:t>Character attack, inventory, and items. </a:t>
-                      </a:r>
-                      <a:endParaRPr b="0" lang="en-US" sz="1800" spc="-1" strike="noStrike">
-                        <a:solidFill>
-                          <a:srgbClr val="000000"/>
-                        </a:solidFill>
-                        <a:uFill>
-                          <a:solidFill>
-                            <a:srgbClr val="ffffff"/>
-                          </a:solidFill>
-                        </a:uFill>
-                        <a:latin typeface="Arial"/>
-                      </a:endParaRPr>
-                    </a:p>
-                  </a:txBody>
-                  <a:tcPr marL="74520" marR="74520">
-                    <a:lnL w="12240">
-                      <a:solidFill>
-                        <a:srgbClr val="ffffff"/>
-                      </a:solidFill>
-                    </a:lnL>
-                    <a:lnR w="12240">
-                      <a:solidFill>
-                        <a:srgbClr val="ffffff"/>
-                      </a:solidFill>
-                    </a:lnR>
-                    <a:lnT w="12240">
-                      <a:solidFill>
-                        <a:srgbClr val="ffffff"/>
-                      </a:solidFill>
-                    </a:lnT>
-                    <a:lnB w="12240">
-                      <a:solidFill>
-                        <a:srgbClr val="ffffff"/>
-                      </a:solidFill>
-                    </a:lnB>
-                    <a:solidFill>
-                      <a:srgbClr val="dbe9cc"/>
-                    </a:solidFill>
-                  </a:tcPr>
-                </a:tc>
-              </a:tr>
-              <a:tr h="357120">
-                <a:tc>
-                  <a:txBody>
-                    <a:bodyPr lIns="74520" rIns="74520"/>
-                    <a:p>
-                      <a:pPr>
-                        <a:lnSpc>
-                          <a:spcPct val="100000"/>
-                        </a:lnSpc>
-                      </a:pPr>
-                      <a:r>
-                        <a:rPr b="0" lang="en-US" sz="1800" spc="-1" strike="noStrike">
-                          <a:solidFill>
-                            <a:srgbClr val="000000"/>
-                          </a:solidFill>
-                          <a:uFill>
-                            <a:solidFill>
-                              <a:srgbClr val="ffffff"/>
-                            </a:solidFill>
-                          </a:uFill>
-                          <a:latin typeface="Trebuchet MS"/>
-                        </a:rPr>
-                        <a:t>Week 6 &amp; 7</a:t>
-                      </a:r>
-                      <a:endParaRPr b="0" lang="en-US" sz="1800" spc="-1" strike="noStrike">
-                        <a:solidFill>
-                          <a:srgbClr val="000000"/>
-                        </a:solidFill>
-                        <a:uFill>
-                          <a:solidFill>
-                            <a:srgbClr val="ffffff"/>
-                          </a:solidFill>
-                        </a:uFill>
-                        <a:latin typeface="Arial"/>
-                      </a:endParaRPr>
-                    </a:p>
-                  </a:txBody>
-                  <a:tcPr marL="74520" marR="74520">
-                    <a:lnL w="12240">
-                      <a:solidFill>
-                        <a:srgbClr val="ffffff"/>
-                      </a:solidFill>
-                    </a:lnL>
-                    <a:lnR w="12240">
-                      <a:solidFill>
-                        <a:srgbClr val="ffffff"/>
-                      </a:solidFill>
-                    </a:lnR>
-                    <a:lnT w="12240">
-                      <a:solidFill>
-                        <a:srgbClr val="ffffff"/>
-                      </a:solidFill>
-                    </a:lnT>
-                    <a:lnB w="12240">
-                      <a:solidFill>
-                        <a:srgbClr val="ffffff"/>
-                      </a:solidFill>
-                    </a:lnB>
-                    <a:solidFill>
-                      <a:srgbClr val="eef4e7"/>
-                    </a:solidFill>
-                  </a:tcPr>
-                </a:tc>
-                <a:tc>
-                  <a:txBody>
-                    <a:bodyPr lIns="74520" rIns="74520"/>
-                    <a:p>
-                      <a:pPr>
-                        <a:lnSpc>
-                          <a:spcPct val="100000"/>
-                        </a:lnSpc>
-                      </a:pPr>
-                      <a:r>
-                        <a:rPr b="0" lang="en-US" sz="1800" spc="-1" strike="noStrike">
-                          <a:solidFill>
-                            <a:srgbClr val="000000"/>
-                          </a:solidFill>
-                          <a:uFill>
-                            <a:solidFill>
-                              <a:srgbClr val="ffffff"/>
-                            </a:solidFill>
-                          </a:uFill>
-                          <a:latin typeface="Trebuchet MS"/>
-                        </a:rPr>
-                        <a:t>Implement structures, and start Enemy AI.</a:t>
-                      </a:r>
-                      <a:endParaRPr b="0" lang="en-US" sz="1800" spc="-1" strike="noStrike">
-                        <a:solidFill>
-                          <a:srgbClr val="000000"/>
-                        </a:solidFill>
-                        <a:uFill>
-                          <a:solidFill>
-                            <a:srgbClr val="ffffff"/>
-                          </a:solidFill>
-                        </a:uFill>
-                        <a:latin typeface="Arial"/>
-                      </a:endParaRPr>
-                    </a:p>
-                  </a:txBody>
-                  <a:tcPr marL="74520" marR="74520">
-                    <a:lnL w="12240">
-                      <a:solidFill>
-                        <a:srgbClr val="ffffff"/>
-                      </a:solidFill>
-                    </a:lnL>
-                    <a:lnR w="12240">
-                      <a:solidFill>
-                        <a:srgbClr val="ffffff"/>
-                      </a:solidFill>
-                    </a:lnR>
-                    <a:lnT w="12240">
-                      <a:solidFill>
-                        <a:srgbClr val="ffffff"/>
-                      </a:solidFill>
-                    </a:lnT>
-                    <a:lnB w="12240">
-                      <a:solidFill>
-                        <a:srgbClr val="ffffff"/>
-                      </a:solidFill>
-                    </a:lnB>
-                    <a:solidFill>
-                      <a:srgbClr val="eef4e7"/>
-                    </a:solidFill>
-                  </a:tcPr>
-                </a:tc>
-              </a:tr>
-              <a:tr h="622440">
-                <a:tc>
-                  <a:txBody>
-                    <a:bodyPr lIns="74520" rIns="74520"/>
-                    <a:p>
-                      <a:pPr>
-                        <a:lnSpc>
-                          <a:spcPct val="100000"/>
-                        </a:lnSpc>
-                      </a:pPr>
-                      <a:r>
-                        <a:rPr b="0" lang="en-US" sz="1800" spc="-1" strike="noStrike">
-                          <a:solidFill>
-                            <a:srgbClr val="000000"/>
-                          </a:solidFill>
-                          <a:uFill>
-                            <a:solidFill>
-                              <a:srgbClr val="ffffff"/>
-                            </a:solidFill>
-                          </a:uFill>
-                          <a:latin typeface="Trebuchet MS"/>
-                        </a:rPr>
-                        <a:t>Week 8 &amp; 9</a:t>
-                      </a:r>
-                      <a:endParaRPr b="0" lang="en-US" sz="1800" spc="-1" strike="noStrike">
-                        <a:solidFill>
-                          <a:srgbClr val="000000"/>
-                        </a:solidFill>
-                        <a:uFill>
-                          <a:solidFill>
-                            <a:srgbClr val="ffffff"/>
-                          </a:solidFill>
-                        </a:uFill>
-                        <a:latin typeface="Arial"/>
-                      </a:endParaRPr>
-                    </a:p>
-                  </a:txBody>
-                  <a:tcPr marL="74520" marR="74520">
-                    <a:lnL w="12240">
-                      <a:solidFill>
-                        <a:srgbClr val="ffffff"/>
-                      </a:solidFill>
-                    </a:lnL>
-                    <a:lnR w="12240">
-                      <a:solidFill>
-                        <a:srgbClr val="ffffff"/>
-                      </a:solidFill>
-                    </a:lnR>
-                    <a:lnT w="12240">
-                      <a:solidFill>
-                        <a:srgbClr val="ffffff"/>
-                      </a:solidFill>
-                    </a:lnT>
-                    <a:lnB w="12240">
-                      <a:solidFill>
-                        <a:srgbClr val="ffffff"/>
-                      </a:solidFill>
-                    </a:lnB>
-                    <a:solidFill>
-                      <a:srgbClr val="dbe9cc"/>
-                    </a:solidFill>
-                  </a:tcPr>
-                </a:tc>
-                <a:tc>
-                  <a:txBody>
-                    <a:bodyPr lIns="74520" rIns="74520"/>
-                    <a:p>
-                      <a:pPr>
-                        <a:lnSpc>
-                          <a:spcPct val="100000"/>
-                        </a:lnSpc>
-                      </a:pPr>
-                      <a:r>
-                        <a:rPr b="0" lang="en-US" sz="1800" spc="-1" strike="noStrike">
-                          <a:solidFill>
-                            <a:srgbClr val="000000"/>
-                          </a:solidFill>
-                          <a:uFill>
-                            <a:solidFill>
-                              <a:srgbClr val="ffffff"/>
-                            </a:solidFill>
-                          </a:uFill>
-                          <a:latin typeface="Trebuchet MS"/>
-                        </a:rPr>
-                        <a:t>Friendly NPC AI and implementing story/structures. </a:t>
-                      </a:r>
-                      <a:endParaRPr b="0" lang="en-US" sz="1800" spc="-1" strike="noStrike">
-                        <a:solidFill>
-                          <a:srgbClr val="000000"/>
-                        </a:solidFill>
-                        <a:uFill>
-                          <a:solidFill>
-                            <a:srgbClr val="ffffff"/>
-                          </a:solidFill>
-                        </a:uFill>
-                        <a:latin typeface="Arial"/>
-                      </a:endParaRPr>
-                    </a:p>
-                  </a:txBody>
-                  <a:tcPr marL="74520" marR="74520">
-                    <a:lnL w="12240">
-                      <a:solidFill>
-                        <a:srgbClr val="ffffff"/>
-                      </a:solidFill>
-                    </a:lnL>
-                    <a:lnR w="12240">
-                      <a:solidFill>
-                        <a:srgbClr val="ffffff"/>
-                      </a:solidFill>
-                    </a:lnR>
-                    <a:lnT w="12240">
-                      <a:solidFill>
-                        <a:srgbClr val="ffffff"/>
-                      </a:solidFill>
-                    </a:lnT>
-                    <a:lnB w="12240">
-                      <a:solidFill>
-                        <a:srgbClr val="ffffff"/>
-                      </a:solidFill>
-                    </a:lnB>
-                    <a:solidFill>
-                      <a:srgbClr val="dbe9cc"/>
-                    </a:solidFill>
-                  </a:tcPr>
-                </a:tc>
-              </a:tr>
-              <a:tr h="622440">
-                <a:tc>
-                  <a:txBody>
-                    <a:bodyPr lIns="74520" rIns="74520"/>
-                    <a:p>
-                      <a:pPr>
-                        <a:lnSpc>
-                          <a:spcPct val="100000"/>
-                        </a:lnSpc>
-                      </a:pPr>
-                      <a:r>
-                        <a:rPr b="0" lang="en-US" sz="1800" spc="-1" strike="noStrike">
-                          <a:solidFill>
-                            <a:srgbClr val="000000"/>
-                          </a:solidFill>
-                          <a:uFill>
-                            <a:solidFill>
-                              <a:srgbClr val="ffffff"/>
-                            </a:solidFill>
-                          </a:uFill>
-                          <a:latin typeface="Trebuchet MS"/>
-                        </a:rPr>
-                        <a:t>Week 10 &amp; 11</a:t>
-                      </a:r>
-                      <a:endParaRPr b="0" lang="en-US" sz="1800" spc="-1" strike="noStrike">
-                        <a:solidFill>
-                          <a:srgbClr val="000000"/>
-                        </a:solidFill>
-                        <a:uFill>
-                          <a:solidFill>
-                            <a:srgbClr val="ffffff"/>
-                          </a:solidFill>
-                        </a:uFill>
-                        <a:latin typeface="Arial"/>
-                      </a:endParaRPr>
-                    </a:p>
-                  </a:txBody>
-                  <a:tcPr marL="74520" marR="74520">
-                    <a:lnL w="12240">
-                      <a:solidFill>
-                        <a:srgbClr val="ffffff"/>
-                      </a:solidFill>
-                    </a:lnL>
-                    <a:lnR w="12240">
-                      <a:solidFill>
-                        <a:srgbClr val="ffffff"/>
-                      </a:solidFill>
-                    </a:lnR>
-                    <a:lnT w="12240">
-                      <a:solidFill>
-                        <a:srgbClr val="ffffff"/>
-                      </a:solidFill>
-                    </a:lnT>
-                    <a:lnB w="12240">
-                      <a:solidFill>
-                        <a:srgbClr val="ffffff"/>
-                      </a:solidFill>
-                    </a:lnB>
-                    <a:solidFill>
-                      <a:srgbClr val="eef4e7"/>
-                    </a:solidFill>
-                  </a:tcPr>
-                </a:tc>
-                <a:tc>
-                  <a:txBody>
-                    <a:bodyPr lIns="74520" rIns="74520"/>
-                    <a:p>
-                      <a:pPr>
-                        <a:lnSpc>
-                          <a:spcPct val="100000"/>
-                        </a:lnSpc>
-                      </a:pPr>
-                      <a:r>
-                        <a:rPr b="0" lang="en-US" sz="1800" spc="-1" strike="noStrike">
-                          <a:solidFill>
-                            <a:srgbClr val="000000"/>
-                          </a:solidFill>
-                          <a:uFill>
-                            <a:solidFill>
-                              <a:srgbClr val="ffffff"/>
-                            </a:solidFill>
-                          </a:uFill>
-                          <a:latin typeface="Trebuchet MS"/>
-                        </a:rPr>
-                        <a:t>Find methods to improve efficiency and reliability of the program.</a:t>
-                      </a:r>
-                      <a:endParaRPr b="0" lang="en-US" sz="1800" spc="-1" strike="noStrike">
-                        <a:solidFill>
-                          <a:srgbClr val="000000"/>
-                        </a:solidFill>
-                        <a:uFill>
-                          <a:solidFill>
-                            <a:srgbClr val="ffffff"/>
-                          </a:solidFill>
-                        </a:uFill>
-                        <a:latin typeface="Arial"/>
-                      </a:endParaRPr>
-                    </a:p>
-                  </a:txBody>
-                  <a:tcPr marL="74520" marR="74520">
-                    <a:lnL w="12240">
-                      <a:solidFill>
-                        <a:srgbClr val="ffffff"/>
-                      </a:solidFill>
-                    </a:lnL>
-                    <a:lnR w="12240">
-                      <a:solidFill>
-                        <a:srgbClr val="ffffff"/>
-                      </a:solidFill>
-                    </a:lnR>
-                    <a:lnT w="12240">
-                      <a:solidFill>
-                        <a:srgbClr val="ffffff"/>
-                      </a:solidFill>
-                    </a:lnT>
-                    <a:lnB w="12240">
-                      <a:solidFill>
-                        <a:srgbClr val="ffffff"/>
-                      </a:solidFill>
-                    </a:lnB>
-                    <a:solidFill>
-                      <a:srgbClr val="eef4e7"/>
-                    </a:solidFill>
-                  </a:tcPr>
-                </a:tc>
-              </a:tr>
-              <a:tr h="622440">
-                <a:tc>
-                  <a:txBody>
-                    <a:bodyPr lIns="74520" rIns="74520"/>
-                    <a:p>
-                      <a:pPr>
-                        <a:lnSpc>
-                          <a:spcPct val="100000"/>
-                        </a:lnSpc>
-                      </a:pPr>
-                      <a:r>
-                        <a:rPr b="0" lang="en-US" sz="1800" spc="-1" strike="noStrike">
-                          <a:solidFill>
-                            <a:srgbClr val="000000"/>
-                          </a:solidFill>
-                          <a:uFill>
-                            <a:solidFill>
-                              <a:srgbClr val="ffffff"/>
-                            </a:solidFill>
-                          </a:uFill>
-                          <a:latin typeface="Trebuchet MS"/>
-                        </a:rPr>
-                        <a:t>Week 12 &amp; 13</a:t>
-                      </a:r>
-                      <a:endParaRPr b="0" lang="en-US" sz="1800" spc="-1" strike="noStrike">
-                        <a:solidFill>
-                          <a:srgbClr val="000000"/>
-                        </a:solidFill>
-                        <a:uFill>
-                          <a:solidFill>
-                            <a:srgbClr val="ffffff"/>
-                          </a:solidFill>
-                        </a:uFill>
-                        <a:latin typeface="Arial"/>
-                      </a:endParaRPr>
-                    </a:p>
-                  </a:txBody>
-                  <a:tcPr marL="74520" marR="74520">
-                    <a:lnL w="12240">
-                      <a:solidFill>
-                        <a:srgbClr val="ffffff"/>
-                      </a:solidFill>
-                    </a:lnL>
-                    <a:lnR w="12240">
-                      <a:solidFill>
-                        <a:srgbClr val="ffffff"/>
-                      </a:solidFill>
-                    </a:lnR>
-                    <a:lnT w="12240">
-                      <a:solidFill>
-                        <a:srgbClr val="ffffff"/>
-                      </a:solidFill>
-                    </a:lnT>
-                    <a:lnB w="12240">
-                      <a:solidFill>
-                        <a:srgbClr val="ffffff"/>
-                      </a:solidFill>
-                    </a:lnB>
-                    <a:solidFill>
-                      <a:srgbClr val="dbe9cc"/>
-                    </a:solidFill>
-                  </a:tcPr>
-                </a:tc>
-                <a:tc>
-                  <a:txBody>
-                    <a:bodyPr lIns="74520" rIns="74520"/>
-                    <a:p>
-                      <a:pPr>
-                        <a:lnSpc>
-                          <a:spcPct val="100000"/>
-                        </a:lnSpc>
-                      </a:pPr>
-                      <a:r>
-                        <a:rPr b="0" lang="en-US" sz="1800" spc="-1" strike="noStrike">
-                          <a:solidFill>
-                            <a:srgbClr val="000000"/>
-                          </a:solidFill>
-                          <a:uFill>
-                            <a:solidFill>
-                              <a:srgbClr val="ffffff"/>
-                            </a:solidFill>
-                          </a:uFill>
-                          <a:latin typeface="Trebuchet MS"/>
-                        </a:rPr>
-                        <a:t>Play-tester feedback and implement changes. </a:t>
-                      </a:r>
-                      <a:endParaRPr b="0" lang="en-US" sz="1800" spc="-1" strike="noStrike">
-                        <a:solidFill>
-                          <a:srgbClr val="000000"/>
-                        </a:solidFill>
-                        <a:uFill>
-                          <a:solidFill>
-                            <a:srgbClr val="ffffff"/>
-                          </a:solidFill>
-                        </a:uFill>
-                        <a:latin typeface="Arial"/>
-                      </a:endParaRPr>
-                    </a:p>
-                  </a:txBody>
-                  <a:tcPr marL="74520" marR="74520">
-                    <a:lnL w="12240">
-                      <a:solidFill>
-                        <a:srgbClr val="ffffff"/>
-                      </a:solidFill>
-                    </a:lnL>
-                    <a:lnR w="12240">
-                      <a:solidFill>
-                        <a:srgbClr val="ffffff"/>
-                      </a:solidFill>
-                    </a:lnR>
-                    <a:lnT w="12240">
-                      <a:solidFill>
-                        <a:srgbClr val="ffffff"/>
-                      </a:solidFill>
-                    </a:lnT>
-                    <a:lnB w="12240">
-                      <a:solidFill>
-                        <a:srgbClr val="ffffff"/>
-                      </a:solidFill>
-                    </a:lnB>
-                    <a:solidFill>
-                      <a:srgbClr val="dbe9cc"/>
-                    </a:solidFill>
-                  </a:tcPr>
-                </a:tc>
-              </a:tr>
-              <a:tr h="622440">
-                <a:tc>
-                  <a:txBody>
-                    <a:bodyPr lIns="74520" rIns="74520"/>
-                    <a:p>
-                      <a:pPr>
-                        <a:lnSpc>
-                          <a:spcPct val="100000"/>
-                        </a:lnSpc>
-                      </a:pPr>
-                      <a:r>
-                        <a:rPr b="0" lang="en-US" sz="1800" spc="-1" strike="noStrike">
-                          <a:solidFill>
-                            <a:srgbClr val="000000"/>
-                          </a:solidFill>
-                          <a:uFill>
-                            <a:solidFill>
-                              <a:srgbClr val="ffffff"/>
-                            </a:solidFill>
-                          </a:uFill>
-                          <a:latin typeface="Trebuchet MS"/>
-                        </a:rPr>
-                        <a:t>Week 14+</a:t>
-                      </a:r>
-                      <a:endParaRPr b="0" lang="en-US" sz="1800" spc="-1" strike="noStrike">
-                        <a:solidFill>
-                          <a:srgbClr val="000000"/>
-                        </a:solidFill>
-                        <a:uFill>
-                          <a:solidFill>
-                            <a:srgbClr val="ffffff"/>
-                          </a:solidFill>
-                        </a:uFill>
-                        <a:latin typeface="Arial"/>
-                      </a:endParaRPr>
-                    </a:p>
-                  </a:txBody>
-                  <a:tcPr marL="74520" marR="74520">
-                    <a:lnL w="12240">
-                      <a:solidFill>
-                        <a:srgbClr val="ffffff"/>
-                      </a:solidFill>
-                    </a:lnL>
-                    <a:lnR w="12240">
-                      <a:solidFill>
-                        <a:srgbClr val="ffffff"/>
-                      </a:solidFill>
-                    </a:lnR>
-                    <a:lnT w="12240">
-                      <a:solidFill>
-                        <a:srgbClr val="ffffff"/>
-                      </a:solidFill>
-                    </a:lnT>
-                    <a:lnB w="12240">
-                      <a:solidFill>
-                        <a:srgbClr val="ffffff"/>
-                      </a:solidFill>
-                    </a:lnB>
-                    <a:solidFill>
-                      <a:srgbClr val="eef4e7"/>
-                    </a:solidFill>
-                  </a:tcPr>
-                </a:tc>
-                <a:tc>
-                  <a:txBody>
-                    <a:bodyPr lIns="74520" rIns="74520"/>
-                    <a:p>
-                      <a:pPr>
-                        <a:lnSpc>
-                          <a:spcPct val="100000"/>
-                        </a:lnSpc>
-                      </a:pPr>
-                      <a:r>
-                        <a:rPr b="0" lang="en-US" sz="1800" spc="-1" strike="noStrike">
-                          <a:solidFill>
-                            <a:srgbClr val="000000"/>
-                          </a:solidFill>
-                          <a:uFill>
-                            <a:solidFill>
-                              <a:srgbClr val="ffffff"/>
-                            </a:solidFill>
-                          </a:uFill>
-                          <a:latin typeface="Trebuchet MS"/>
-                        </a:rPr>
-                        <a:t>Extra time for improvements or a buffer for missed “deadlines”.</a:t>
-                      </a:r>
-                      <a:endParaRPr b="0" lang="en-US" sz="1800" spc="-1" strike="noStrike">
-                        <a:solidFill>
-                          <a:srgbClr val="000000"/>
-                        </a:solidFill>
-                        <a:uFill>
-                          <a:solidFill>
-                            <a:srgbClr val="ffffff"/>
-                          </a:solidFill>
-                        </a:uFill>
-                        <a:latin typeface="Arial"/>
-                      </a:endParaRPr>
-                    </a:p>
-                  </a:txBody>
-                  <a:tcPr marL="74520" marR="74520">
-                    <a:lnL w="12240">
-                      <a:solidFill>
-                        <a:srgbClr val="ffffff"/>
-                      </a:solidFill>
-                    </a:lnL>
-                    <a:lnR w="12240">
-                      <a:solidFill>
-                        <a:srgbClr val="ffffff"/>
-                      </a:solidFill>
-                    </a:lnR>
-                    <a:lnT w="12240">
-                      <a:solidFill>
-                        <a:srgbClr val="ffffff"/>
-                      </a:solidFill>
-                    </a:lnT>
-                    <a:lnB w="12240">
-                      <a:solidFill>
-                        <a:srgbClr val="ffffff"/>
-                      </a:solidFill>
-                    </a:lnB>
-                    <a:solidFill>
-                      <a:srgbClr val="eef4e7"/>
-                    </a:solidFill>
-                  </a:tcPr>
-                </a:tc>
-              </a:tr>
-            </a:tbl>
-          </a:graphicData>
-        </a:graphic>
-      </p:graphicFrame>
+        </p:nvSpPr>
+        <p:spPr>
+          <a:xfrm>
+            <a:off x="677160" y="2160720"/>
+            <a:ext cx="8596080" cy="3880080"/>
+          </a:xfrm>
+          <a:prstGeom prst="rect">
+            <a:avLst/>
+          </a:prstGeom>
+          <a:noFill/>
+          <a:ln>
+            <a:noFill/>
+          </a:ln>
+        </p:spPr>
+        <p:style>
+          <a:lnRef idx="0"/>
+          <a:fillRef idx="0"/>
+          <a:effectRef idx="0"/>
+          <a:fontRef idx="minor"/>
+        </p:style>
+        <p:txBody>
+          <a:bodyPr lIns="90000" rIns="90000" tIns="45000" bIns="45000"/>
+          <a:p>
+            <a:pPr marL="343080" indent="-342360">
+              <a:lnSpc>
+                <a:spcPct val="100000"/>
+              </a:lnSpc>
+              <a:buClr>
+                <a:srgbClr val="90c226"/>
+              </a:buClr>
+              <a:buSzPct val="80000"/>
+              <a:buFont typeface="Wingdings 3" charset="2"/>
+              <a:buChar char=""/>
+            </a:pPr>
+            <a:r>
+              <a:rPr b="0" lang="en-US" sz="1800" spc="-1" strike="noStrike">
+                <a:solidFill>
+                  <a:srgbClr val="404040"/>
+                </a:solidFill>
+                <a:uFill>
+                  <a:solidFill>
+                    <a:srgbClr val="ffffff"/>
+                  </a:solidFill>
+                </a:uFill>
+                <a:latin typeface="Trebuchet MS"/>
+              </a:rPr>
+              <a:t>Writing your own game engine is more complicated than it seems</a:t>
+            </a:r>
+            <a:endParaRPr b="0" lang="en-US" sz="1800" spc="-1" strike="noStrike">
+              <a:solidFill>
+                <a:srgbClr val="000000"/>
+              </a:solidFill>
+              <a:uFill>
+                <a:solidFill>
+                  <a:srgbClr val="ffffff"/>
+                </a:solidFill>
+              </a:uFill>
+              <a:latin typeface="Arial"/>
+            </a:endParaRPr>
+          </a:p>
+          <a:p>
+            <a:pPr marL="343080" indent="-342360">
+              <a:lnSpc>
+                <a:spcPct val="100000"/>
+              </a:lnSpc>
+              <a:buClr>
+                <a:srgbClr val="90c226"/>
+              </a:buClr>
+              <a:buSzPct val="80000"/>
+              <a:buFont typeface="Wingdings 3" charset="2"/>
+              <a:buChar char=""/>
+            </a:pPr>
+            <a:r>
+              <a:rPr b="0" lang="en-US" sz="1800" spc="-1" strike="noStrike">
+                <a:solidFill>
+                  <a:srgbClr val="404040"/>
+                </a:solidFill>
+                <a:uFill>
+                  <a:solidFill>
+                    <a:srgbClr val="ffffff"/>
+                  </a:solidFill>
+                </a:uFill>
+                <a:latin typeface="Trebuchet MS"/>
+              </a:rPr>
+              <a:t>Finding free game art that we liked was difficult</a:t>
+            </a:r>
+            <a:endParaRPr b="0" lang="en-US" sz="1800" spc="-1" strike="noStrike">
+              <a:solidFill>
+                <a:srgbClr val="000000"/>
+              </a:solidFill>
+              <a:uFill>
+                <a:solidFill>
+                  <a:srgbClr val="ffffff"/>
+                </a:solidFill>
+              </a:uFill>
+              <a:latin typeface="Arial"/>
+            </a:endParaRPr>
+          </a:p>
+          <a:p>
+            <a:pPr marL="343080" indent="-342360">
+              <a:lnSpc>
+                <a:spcPct val="100000"/>
+              </a:lnSpc>
+              <a:buClr>
+                <a:srgbClr val="90c226"/>
+              </a:buClr>
+              <a:buSzPct val="80000"/>
+              <a:buFont typeface="Wingdings 3" charset="2"/>
+              <a:buChar char=""/>
+            </a:pPr>
+            <a:r>
+              <a:rPr b="0" lang="en-US" sz="1800" spc="-1" strike="noStrike">
+                <a:solidFill>
+                  <a:srgbClr val="404040"/>
+                </a:solidFill>
+                <a:uFill>
+                  <a:solidFill>
+                    <a:srgbClr val="ffffff"/>
+                  </a:solidFill>
+                </a:uFill>
+                <a:latin typeface="Trebuchet MS"/>
+              </a:rPr>
+              <a:t>Multiplayer support</a:t>
+            </a:r>
+            <a:endParaRPr b="0" lang="en-US" sz="1800" spc="-1" strike="noStrike">
+              <a:solidFill>
+                <a:srgbClr val="000000"/>
+              </a:solidFill>
+              <a:uFill>
+                <a:solidFill>
+                  <a:srgbClr val="ffffff"/>
+                </a:solidFill>
+              </a:uFill>
+              <a:latin typeface="Arial"/>
+            </a:endParaRPr>
+          </a:p>
+          <a:p>
+            <a:pPr marL="343080" indent="-342360">
+              <a:lnSpc>
+                <a:spcPct val="100000"/>
+              </a:lnSpc>
+              <a:buClr>
+                <a:srgbClr val="90c226"/>
+              </a:buClr>
+              <a:buSzPct val="80000"/>
+              <a:buFont typeface="Wingdings 3" charset="2"/>
+              <a:buChar char=""/>
+            </a:pPr>
+            <a:r>
+              <a:rPr b="0" lang="en-US" sz="1800" spc="-1" strike="noStrike">
+                <a:solidFill>
+                  <a:srgbClr val="404040"/>
+                </a:solidFill>
+                <a:uFill>
+                  <a:solidFill>
+                    <a:srgbClr val="ffffff"/>
+                  </a:solidFill>
+                </a:uFill>
+                <a:latin typeface="Trebuchet MS"/>
+              </a:rPr>
+              <a:t>Sounds/Music</a:t>
+            </a:r>
+            <a:endParaRPr b="0" lang="en-US" sz="1800" spc="-1" strike="noStrike">
+              <a:solidFill>
+                <a:srgbClr val="000000"/>
+              </a:solidFill>
+              <a:uFill>
+                <a:solidFill>
+                  <a:srgbClr val="ffffff"/>
+                </a:solidFill>
+              </a:uFill>
+              <a:latin typeface="Arial"/>
+            </a:endParaRPr>
+          </a:p>
+          <a:p>
+            <a:pPr marL="343080" indent="-342360">
+              <a:lnSpc>
+                <a:spcPct val="100000"/>
+              </a:lnSpc>
+              <a:buClr>
+                <a:srgbClr val="90c226"/>
+              </a:buClr>
+              <a:buSzPct val="80000"/>
+              <a:buFont typeface="Wingdings 3" charset="2"/>
+              <a:buChar char=""/>
+            </a:pPr>
+            <a:r>
+              <a:rPr b="0" lang="en-US" sz="1800" spc="-1" strike="noStrike">
+                <a:solidFill>
+                  <a:srgbClr val="404040"/>
+                </a:solidFill>
+                <a:uFill>
+                  <a:solidFill>
+                    <a:srgbClr val="ffffff"/>
+                  </a:solidFill>
+                </a:uFill>
+                <a:latin typeface="Trebuchet MS"/>
+              </a:rPr>
+              <a:t>Additional Maps</a:t>
+            </a:r>
+            <a:endParaRPr b="0" lang="en-US" sz="1800" spc="-1" strike="noStrike">
+              <a:solidFill>
+                <a:srgbClr val="000000"/>
+              </a:solidFill>
+              <a:uFill>
+                <a:solidFill>
+                  <a:srgbClr val="ffffff"/>
+                </a:solidFill>
+              </a:uFill>
+              <a:latin typeface="Arial"/>
+            </a:endParaRPr>
+          </a:p>
+          <a:p>
+            <a:pPr marL="343080" indent="-342360">
+              <a:lnSpc>
+                <a:spcPct val="100000"/>
+              </a:lnSpc>
+              <a:buClr>
+                <a:srgbClr val="90c226"/>
+              </a:buClr>
+              <a:buSzPct val="80000"/>
+              <a:buFont typeface="Wingdings 3" charset="2"/>
+              <a:buChar char=""/>
+            </a:pPr>
+            <a:r>
+              <a:rPr b="0" lang="en-US" sz="1800" spc="-1" strike="noStrike">
+                <a:solidFill>
+                  <a:srgbClr val="404040"/>
+                </a:solidFill>
+                <a:uFill>
+                  <a:solidFill>
+                    <a:srgbClr val="ffffff"/>
+                  </a:solidFill>
+                </a:uFill>
+                <a:latin typeface="Trebuchet MS"/>
+              </a:rPr>
+              <a:t>Enemies/NPCs interactions</a:t>
+            </a:r>
+            <a:endParaRPr b="0" lang="en-US" sz="1800" spc="-1" strike="noStrike">
+              <a:solidFill>
+                <a:srgbClr val="000000"/>
+              </a:solidFill>
+              <a:uFill>
+                <a:solidFill>
+                  <a:srgbClr val="ffffff"/>
+                </a:solidFill>
+              </a:uFill>
+              <a:latin typeface="Arial"/>
+            </a:endParaRPr>
+          </a:p>
+          <a:p>
+            <a:pPr marL="343080" indent="-342360">
+              <a:lnSpc>
+                <a:spcPct val="100000"/>
+              </a:lnSpc>
+              <a:buClr>
+                <a:srgbClr val="90c226"/>
+              </a:buClr>
+              <a:buSzPct val="80000"/>
+              <a:buFont typeface="Wingdings 3" charset="2"/>
+              <a:buChar char=""/>
+            </a:pPr>
+            <a:r>
+              <a:rPr b="0" lang="en-US" sz="1800" spc="-1" strike="noStrike">
+                <a:solidFill>
+                  <a:srgbClr val="404040"/>
+                </a:solidFill>
+                <a:uFill>
+                  <a:solidFill>
+                    <a:srgbClr val="ffffff"/>
+                  </a:solidFill>
+                </a:uFill>
+                <a:latin typeface="Trebuchet MS"/>
+              </a:rPr>
+              <a:t>Items/Inventory</a:t>
+            </a:r>
+            <a:endParaRPr b="0" lang="en-US" sz="1800" spc="-1" strike="noStrike">
+              <a:solidFill>
+                <a:srgbClr val="000000"/>
+              </a:solidFill>
+              <a:uFill>
+                <a:solidFill>
+                  <a:srgbClr val="ffffff"/>
+                </a:solidFill>
+              </a:uFill>
+              <a:latin typeface="Arial"/>
+            </a:endParaRPr>
+          </a:p>
+          <a:p>
+            <a:pPr>
+              <a:lnSpc>
+                <a:spcPct val="100000"/>
+              </a:lnSpc>
+            </a:pPr>
+            <a:endParaRPr b="0" lang="en-US" sz="1800" spc="-1" strike="noStrike">
+              <a:solidFill>
+                <a:srgbClr val="000000"/>
+              </a:solidFill>
+              <a:uFill>
+                <a:solidFill>
+                  <a:srgbClr val="ffffff"/>
+                </a:solidFill>
+              </a:uFill>
+              <a:latin typeface="Arial"/>
+            </a:endParaRPr>
+          </a:p>
+        </p:txBody>
+      </p:sp>
     </p:spTree>
   </p:cSld>
   <p:timing>
@@ -8531,6 +7482,391 @@
           <p:childTnLst>
             <p:seq>
               <p:cTn id="14" nodeType="mainSeq"/>
+              <p:prevCondLst>
+                <p:cond delay="0" evt="onPrev">
+                  <p:tgtEl>
+                    <p:sldTgt/>
+                  </p:tgtEl>
+                </p:cond>
+              </p:prevCondLst>
+              <p:nextCondLst>
+                <p:cond delay="0" evt="onNext">
+                  <p:tgtEl>
+                    <p:sldTgt/>
+                  </p:tgtEl>
+                </p:cond>
+              </p:nextCondLst>
+            </p:seq>
+          </p:childTnLst>
+        </p:cTn>
+      </p:par>
+    </p:tnLst>
+  </p:timing>
+</p:sld>
+</file>
+
+<file path=ppt/slides/slide8.xml><?xml version="1.0" encoding="utf-8"?>
+<p:sld xmlns:a="http://schemas.openxmlformats.org/drawingml/2006/main" xmlns:p="http://schemas.openxmlformats.org/presentationml/2006/main" xmlns:r="http://schemas.openxmlformats.org/officeDocument/2006/relationships" xmlns:p14="http://schemas.microsoft.com/office/powerpoint/2010/main" xmlns:p15="http://schemas.microsoft.com/office/powerpoint/2012/main" xmlns:mc="http://schemas.openxmlformats.org/markup-compatibility/2006">
+  <p:cSld>
+    <p:spTree>
+      <p:nvGrpSpPr>
+        <p:cNvPr id="1" name=""/>
+        <p:cNvGrpSpPr/>
+        <p:nvPr/>
+      </p:nvGrpSpPr>
+      <p:grpSpPr>
+        <a:xfrm>
+          <a:off x="0" y="0"/>
+          <a:ext cx="0" cy="0"/>
+          <a:chOff x="0" y="0"/>
+          <a:chExt cx="0" cy="0"/>
+        </a:xfrm>
+      </p:grpSpPr>
+      <p:sp>
+        <p:nvSpPr>
+          <p:cNvPr id="116" name="CustomShape 1"/>
+          <p:cNvSpPr/>
+          <p:nvPr/>
+        </p:nvSpPr>
+        <p:spPr>
+          <a:xfrm>
+            <a:off x="677160" y="609480"/>
+            <a:ext cx="8596080" cy="1320120"/>
+          </a:xfrm>
+          <a:prstGeom prst="rect">
+            <a:avLst/>
+          </a:prstGeom>
+          <a:noFill/>
+          <a:ln>
+            <a:noFill/>
+          </a:ln>
+        </p:spPr>
+        <p:style>
+          <a:lnRef idx="0"/>
+          <a:fillRef idx="0"/>
+          <a:effectRef idx="0"/>
+          <a:fontRef idx="minor"/>
+        </p:style>
+        <p:txBody>
+          <a:bodyPr lIns="90000" rIns="90000" tIns="45000" bIns="45000"/>
+          <a:p>
+            <a:pPr>
+              <a:lnSpc>
+                <a:spcPct val="100000"/>
+              </a:lnSpc>
+            </a:pPr>
+            <a:r>
+              <a:rPr b="0" lang="en-US" sz="3600" spc="-1" strike="noStrike">
+                <a:solidFill>
+                  <a:srgbClr val="90c226"/>
+                </a:solidFill>
+                <a:uFill>
+                  <a:solidFill>
+                    <a:srgbClr val="ffffff"/>
+                  </a:solidFill>
+                </a:uFill>
+                <a:latin typeface="Trebuchet MS"/>
+              </a:rPr>
+              <a:t>References</a:t>
+            </a:r>
+            <a:endParaRPr b="0" lang="en-US" sz="1800" spc="-1" strike="noStrike">
+              <a:solidFill>
+                <a:srgbClr val="000000"/>
+              </a:solidFill>
+              <a:uFill>
+                <a:solidFill>
+                  <a:srgbClr val="ffffff"/>
+                </a:solidFill>
+              </a:uFill>
+              <a:latin typeface="Arial"/>
+            </a:endParaRPr>
+          </a:p>
+        </p:txBody>
+      </p:sp>
+      <p:sp>
+        <p:nvSpPr>
+          <p:cNvPr id="117" name="CustomShape 2"/>
+          <p:cNvSpPr/>
+          <p:nvPr/>
+        </p:nvSpPr>
+        <p:spPr>
+          <a:xfrm>
+            <a:off x="677160" y="2160720"/>
+            <a:ext cx="8596080" cy="3880080"/>
+          </a:xfrm>
+          <a:prstGeom prst="rect">
+            <a:avLst/>
+          </a:prstGeom>
+          <a:noFill/>
+          <a:ln>
+            <a:noFill/>
+          </a:ln>
+        </p:spPr>
+        <p:style>
+          <a:lnRef idx="0"/>
+          <a:fillRef idx="0"/>
+          <a:effectRef idx="0"/>
+          <a:fontRef idx="minor"/>
+        </p:style>
+        <p:txBody>
+          <a:bodyPr lIns="90000" rIns="90000" tIns="45000" bIns="45000"/>
+          <a:p>
+            <a:pPr marL="343080" indent="-342360">
+              <a:lnSpc>
+                <a:spcPct val="100000"/>
+              </a:lnSpc>
+              <a:buClr>
+                <a:srgbClr val="90c226"/>
+              </a:buClr>
+              <a:buSzPct val="80000"/>
+              <a:buFont typeface="Wingdings 3" charset="2"/>
+              <a:buChar char=""/>
+            </a:pPr>
+            <a:r>
+              <a:rPr b="0" lang="en-US" sz="1800" spc="-1" strike="noStrike">
+                <a:solidFill>
+                  <a:srgbClr val="404040"/>
+                </a:solidFill>
+                <a:uFill>
+                  <a:solidFill>
+                    <a:srgbClr val="ffffff"/>
+                  </a:solidFill>
+                </a:uFill>
+                <a:latin typeface="Trebuchet MS"/>
+              </a:rPr>
+              <a:t>SFML</a:t>
+            </a:r>
+            <a:endParaRPr b="0" lang="en-US" sz="1800" spc="-1" strike="noStrike">
+              <a:solidFill>
+                <a:srgbClr val="000000"/>
+              </a:solidFill>
+              <a:uFill>
+                <a:solidFill>
+                  <a:srgbClr val="ffffff"/>
+                </a:solidFill>
+              </a:uFill>
+              <a:latin typeface="Arial"/>
+            </a:endParaRPr>
+          </a:p>
+          <a:p>
+            <a:pPr marL="343080" indent="-342360">
+              <a:lnSpc>
+                <a:spcPct val="100000"/>
+              </a:lnSpc>
+              <a:buClr>
+                <a:srgbClr val="90c226"/>
+              </a:buClr>
+              <a:buSzPct val="80000"/>
+              <a:buFont typeface="Wingdings 3" charset="2"/>
+              <a:buChar char=""/>
+            </a:pPr>
+            <a:r>
+              <a:rPr b="0" lang="en-US" sz="1800" spc="-1" strike="noStrike">
+                <a:solidFill>
+                  <a:srgbClr val="404040"/>
+                </a:solidFill>
+                <a:uFill>
+                  <a:solidFill>
+                    <a:srgbClr val="ffffff"/>
+                  </a:solidFill>
+                </a:uFill>
+                <a:latin typeface="Trebuchet MS"/>
+              </a:rPr>
+              <a:t>TGUI</a:t>
+            </a:r>
+            <a:endParaRPr b="0" lang="en-US" sz="1800" spc="-1" strike="noStrike">
+              <a:solidFill>
+                <a:srgbClr val="000000"/>
+              </a:solidFill>
+              <a:uFill>
+                <a:solidFill>
+                  <a:srgbClr val="ffffff"/>
+                </a:solidFill>
+              </a:uFill>
+              <a:latin typeface="Arial"/>
+            </a:endParaRPr>
+          </a:p>
+          <a:p>
+            <a:pPr marL="343080" indent="-342360">
+              <a:lnSpc>
+                <a:spcPct val="100000"/>
+              </a:lnSpc>
+              <a:buClr>
+                <a:srgbClr val="90c226"/>
+              </a:buClr>
+              <a:buSzPct val="80000"/>
+              <a:buFont typeface="Wingdings 3" charset="2"/>
+              <a:buChar char=""/>
+            </a:pPr>
+            <a:r>
+              <a:rPr b="0" lang="en-US" sz="1800" spc="-1" strike="noStrike">
+                <a:solidFill>
+                  <a:srgbClr val="404040"/>
+                </a:solidFill>
+                <a:uFill>
+                  <a:solidFill>
+                    <a:srgbClr val="ffffff"/>
+                  </a:solidFill>
+                </a:uFill>
+                <a:latin typeface="Trebuchet MS"/>
+              </a:rPr>
+              <a:t>Python</a:t>
+            </a:r>
+            <a:endParaRPr b="0" lang="en-US" sz="1800" spc="-1" strike="noStrike">
+              <a:solidFill>
+                <a:srgbClr val="000000"/>
+              </a:solidFill>
+              <a:uFill>
+                <a:solidFill>
+                  <a:srgbClr val="ffffff"/>
+                </a:solidFill>
+              </a:uFill>
+              <a:latin typeface="Arial"/>
+            </a:endParaRPr>
+          </a:p>
+          <a:p>
+            <a:pPr marL="343080" indent="-342360">
+              <a:lnSpc>
+                <a:spcPct val="100000"/>
+              </a:lnSpc>
+              <a:buClr>
+                <a:srgbClr val="90c226"/>
+              </a:buClr>
+              <a:buSzPct val="80000"/>
+              <a:buFont typeface="Wingdings 3" charset="2"/>
+              <a:buChar char=""/>
+            </a:pPr>
+            <a:r>
+              <a:rPr b="0" lang="en-US" sz="1800" spc="-1" strike="noStrike">
+                <a:solidFill>
+                  <a:srgbClr val="404040"/>
+                </a:solidFill>
+                <a:uFill>
+                  <a:solidFill>
+                    <a:srgbClr val="ffffff"/>
+                  </a:solidFill>
+                </a:uFill>
+                <a:latin typeface="Trebuchet MS"/>
+              </a:rPr>
+              <a:t>Boost</a:t>
+            </a:r>
+            <a:endParaRPr b="0" lang="en-US" sz="1800" spc="-1" strike="noStrike">
+              <a:solidFill>
+                <a:srgbClr val="000000"/>
+              </a:solidFill>
+              <a:uFill>
+                <a:solidFill>
+                  <a:srgbClr val="ffffff"/>
+                </a:solidFill>
+              </a:uFill>
+              <a:latin typeface="Arial"/>
+            </a:endParaRPr>
+          </a:p>
+          <a:p>
+            <a:pPr marL="343080" indent="-342360">
+              <a:lnSpc>
+                <a:spcPct val="100000"/>
+              </a:lnSpc>
+              <a:buClr>
+                <a:srgbClr val="90c226"/>
+              </a:buClr>
+              <a:buSzPct val="80000"/>
+              <a:buFont typeface="Wingdings 3" charset="2"/>
+              <a:buChar char=""/>
+            </a:pPr>
+            <a:r>
+              <a:rPr b="0" lang="en-US" sz="1800" spc="-1" strike="noStrike">
+                <a:solidFill>
+                  <a:srgbClr val="404040"/>
+                </a:solidFill>
+                <a:uFill>
+                  <a:solidFill>
+                    <a:srgbClr val="ffffff"/>
+                  </a:solidFill>
+                </a:uFill>
+                <a:latin typeface="Trebuchet MS"/>
+              </a:rPr>
+              <a:t>CMake</a:t>
+            </a:r>
+            <a:endParaRPr b="0" lang="en-US" sz="1800" spc="-1" strike="noStrike">
+              <a:solidFill>
+                <a:srgbClr val="000000"/>
+              </a:solidFill>
+              <a:uFill>
+                <a:solidFill>
+                  <a:srgbClr val="ffffff"/>
+                </a:solidFill>
+              </a:uFill>
+              <a:latin typeface="Arial"/>
+            </a:endParaRPr>
+          </a:p>
+          <a:p>
+            <a:pPr marL="343080" indent="-342360">
+              <a:lnSpc>
+                <a:spcPct val="100000"/>
+              </a:lnSpc>
+              <a:buClr>
+                <a:srgbClr val="90c226"/>
+              </a:buClr>
+              <a:buSzPct val="80000"/>
+              <a:buFont typeface="Wingdings 3" charset="2"/>
+              <a:buChar char=""/>
+            </a:pPr>
+            <a:r>
+              <a:rPr b="0" lang="en-US" sz="1800" spc="-1" strike="noStrike">
+                <a:solidFill>
+                  <a:srgbClr val="404040"/>
+                </a:solidFill>
+                <a:uFill>
+                  <a:solidFill>
+                    <a:srgbClr val="ffffff"/>
+                  </a:solidFill>
+                </a:uFill>
+                <a:latin typeface="Trebuchet MS"/>
+              </a:rPr>
+              <a:t>Tiled</a:t>
+            </a:r>
+            <a:endParaRPr b="0" lang="en-US" sz="1800" spc="-1" strike="noStrike">
+              <a:solidFill>
+                <a:srgbClr val="000000"/>
+              </a:solidFill>
+              <a:uFill>
+                <a:solidFill>
+                  <a:srgbClr val="ffffff"/>
+                </a:solidFill>
+              </a:uFill>
+              <a:latin typeface="Arial"/>
+            </a:endParaRPr>
+          </a:p>
+          <a:p>
+            <a:pPr>
+              <a:lnSpc>
+                <a:spcPct val="100000"/>
+              </a:lnSpc>
+            </a:pPr>
+            <a:endParaRPr b="0" lang="en-US" sz="1800" spc="-1" strike="noStrike">
+              <a:solidFill>
+                <a:srgbClr val="000000"/>
+              </a:solidFill>
+              <a:uFill>
+                <a:solidFill>
+                  <a:srgbClr val="ffffff"/>
+                </a:solidFill>
+              </a:uFill>
+              <a:latin typeface="Arial"/>
+            </a:endParaRPr>
+          </a:p>
+        </p:txBody>
+      </p:sp>
+    </p:spTree>
+  </p:cSld>
+  <p:timing>
+    <p:tnLst>
+      <p:par>
+        <p:cTn id="15" dur="indefinite" restart="never" nodeType="tmRoot">
+          <p:childTnLst>
+            <p:seq>
+              <p:cTn id="16" nodeType="mainSeq"/>
               <p:prevCondLst>
                 <p:cond delay="0" evt="onPrev">
                   <p:tgtEl>
